--- a/docs/presentation/dani.pptx
+++ b/docs/presentation/dani.pptx
@@ -147,7 +147,7 @@
   </p:defaultTextStyle>
   <p:extLst>
     <p:ext uri="{EFAFB233-063F-42B5-8137-9DF3F51BA10A}">
-      <p15:sldGuideLst xmlns:p15="http://schemas.microsoft.com/office/powerpoint/2012/main">
+      <p15:sldGuideLst xmlns:p15="http://schemas.microsoft.com/office/powerpoint/2012/main" xmlns="">
         <p15:guide id="1" orient="horz" pos="2160">
           <p15:clr>
             <a:srgbClr val="A4A3A4"/>
@@ -161,7 +161,7 @@
       </p15:sldGuideLst>
     </p:ext>
     <p:ext uri="{2D200454-40CA-4A62-9FC3-DE9A4176ACB9}">
-      <p15:notesGuideLst xmlns:p15="http://schemas.microsoft.com/office/powerpoint/2012/main">
+      <p15:notesGuideLst xmlns:p15="http://schemas.microsoft.com/office/powerpoint/2012/main" xmlns="">
         <p15:guide id="1" orient="horz" pos="3110">
           <p15:clr>
             <a:srgbClr val="A4A3A4"/>
@@ -260,7 +260,7 @@
           <a:p>
             <a:fld id="{EFA0D184-D464-48E9-9CA0-A94E873F6C2C}" type="datetimeFigureOut">
               <a:rPr lang="de-CH" smtClean="0"/>
-              <a:t>01.06.2015</a:t>
+              <a:t>04.06.2015</a:t>
             </a:fld>
             <a:endParaRPr lang="de-CH"/>
           </a:p>
@@ -425,7 +425,7 @@
           <a:p>
             <a:fld id="{5AF2B663-2BA9-4D7E-8201-5DE4109E1EDD}" type="datetimeFigureOut">
               <a:rPr lang="de-CH" smtClean="0"/>
-              <a:t>01.06.2015</a:t>
+              <a:t>04.06.2015</a:t>
             </a:fld>
             <a:endParaRPr lang="de-CH"/>
           </a:p>
@@ -6759,16 +6759,26 @@
           <a:lstStyle/>
           <a:p>
             <a:r>
+              <a:rPr lang="de-CH" dirty="0" err="1" smtClean="0">
+                <a:latin typeface="Lucida Sans" pitchFamily="34" charset="0"/>
+                <a:cs typeface="Lucida Sans Unicode" pitchFamily="34" charset="0"/>
+              </a:rPr>
+              <a:t>Unity</a:t>
+            </a:r>
+            <a:r>
               <a:rPr lang="de-CH" dirty="0" smtClean="0">
                 <a:latin typeface="Lucida Sans" pitchFamily="34" charset="0"/>
                 <a:cs typeface="Lucida Sans Unicode" pitchFamily="34" charset="0"/>
               </a:rPr>
-              <a:t>Unity3D in CAVE</a:t>
-            </a:r>
-            <a:endParaRPr lang="de-CH" dirty="0" smtClean="0">
-              <a:latin typeface="Lucida Sans" pitchFamily="34" charset="0"/>
-              <a:cs typeface="Lucida Sans Unicode" pitchFamily="34" charset="0"/>
-            </a:endParaRPr>
+              <a:t> </a:t>
+            </a:r>
+            <a:r>
+              <a:rPr lang="de-CH" dirty="0" smtClean="0">
+                <a:latin typeface="Lucida Sans" pitchFamily="34" charset="0"/>
+                <a:cs typeface="Lucida Sans Unicode" pitchFamily="34" charset="0"/>
+              </a:rPr>
+              <a:t>in CAVE</a:t>
+            </a:r>
           </a:p>
         </p:txBody>
       </p:sp>
@@ -6832,10 +6842,6 @@
               </a:rPr>
               <a:t>Julien Villiger, Daniel Inversini</a:t>
             </a:r>
-            <a:endParaRPr lang="de-CH" dirty="0" smtClean="0">
-              <a:latin typeface="Lucida Sans" pitchFamily="34" charset="0"/>
-              <a:cs typeface="Lucida Sans Unicode" pitchFamily="34" charset="0"/>
-            </a:endParaRPr>
           </a:p>
         </p:txBody>
       </p:sp>
@@ -6889,9 +6895,6 @@
               </a:rPr>
               <a:t>TI - Abteilung Informatik</a:t>
             </a:r>
-            <a:endParaRPr lang="de-CH" dirty="0" smtClean="0">
-              <a:latin typeface="Lucida Sans" pitchFamily="34" charset="0"/>
-            </a:endParaRPr>
           </a:p>
         </p:txBody>
       </p:sp>
@@ -6918,8 +6921,8 @@
         </p:blipFill>
         <p:spPr bwMode="auto">
           <a:xfrm>
-            <a:off x="0" y="1692000"/>
-            <a:ext cx="8778240" cy="2808000"/>
+            <a:off x="775608" y="2336977"/>
+            <a:ext cx="4718957" cy="1509509"/>
           </a:xfrm>
           <a:prstGeom prst="rect">
             <a:avLst/>
@@ -7052,8 +7055,16 @@
           <a:lstStyle/>
           <a:p>
             <a:r>
+              <a:rPr lang="de-CH" dirty="0" err="1" smtClean="0"/>
+              <a:t>Unity</a:t>
+            </a:r>
+            <a:r>
               <a:rPr lang="de-CH" dirty="0" smtClean="0"/>
-              <a:t>Unity3D in CAVE</a:t>
+              <a:t> </a:t>
+            </a:r>
+            <a:r>
+              <a:rPr lang="de-CH" dirty="0" smtClean="0"/>
+              <a:t>in CAVE</a:t>
             </a:r>
             <a:endParaRPr lang="de-CH" dirty="0"/>
           </a:p>
@@ -8279,6 +8290,31 @@
 </file>
 
 <file path=customXml/item1.xml><?xml version="1.0" encoding="utf-8"?>
+<?mso-contentType ?>
+<FormTemplates xmlns="http://schemas.microsoft.com/sharepoint/v3/contenttype/forms">
+  <Display>DocumentLibraryForm</Display>
+  <Edit>DocumentLibraryForm</Edit>
+  <New>DocumentLibraryForm</New>
+</FormTemplates>
+</file>
+
+<file path=customXml/item2.xml><?xml version="1.0" encoding="utf-8"?>
+<p:properties xmlns:p="http://schemas.microsoft.com/office/2006/metadata/properties" xmlns:xsi="http://www.w3.org/2001/XMLSchema-instance" xmlns:pc="http://schemas.microsoft.com/office/infopath/2007/PartnerControls">
+  <documentManagement>
+    <BfhIntranetDepartmentText xmlns="63c724b1-652e-424f-8d99-4ee509067280">
+      <Terms xmlns="http://schemas.microsoft.com/office/infopath/2007/PartnerControls">
+        <TermInfo xmlns="http://schemas.microsoft.com/office/infopath/2007/PartnerControls">
+          <TermName xmlns="http://schemas.microsoft.com/office/infopath/2007/PartnerControls">Vorlage</TermName>
+          <TermId xmlns="http://schemas.microsoft.com/office/infopath/2007/PartnerControls">de1a6d3c-ac6a-4b34-8edd-308eb81066db</TermId>
+        </TermInfo>
+      </Terms>
+    </BfhIntranetDepartmentText>
+    <QMPilot_DokID xmlns="2551ef7e-3b29-44d1-a8ad-ef34c26bfc60">469</QMPilot_DokID>
+  </documentManagement>
+</p:properties>
+</file>
+
+<file path=customXml/item3.xml><?xml version="1.0" encoding="utf-8"?>
 <ct:contentTypeSchema xmlns:ct="http://schemas.microsoft.com/office/2006/metadata/contentType" xmlns:ma="http://schemas.microsoft.com/office/2006/metadata/properties/metaAttributes" ct:_="" ma:_="" ma:contentTypeName="QMPilot_ContentType" ma:contentTypeID="0x0101009127C3B567804923A8661E062BBD8EF500AB8983C84EF542A7976DC8547A5CDC52001BD440F45714504284DA526949208683" ma:contentTypeVersion="2" ma:contentTypeDescription="Create a new document." ma:contentTypeScope="" ma:versionID="706adce6add7c3bfcb673e0b11f1ed37">
   <xsd:schema xmlns:xsd="http://www.w3.org/2001/XMLSchema" xmlns:xs="http://www.w3.org/2001/XMLSchema" xmlns:p="http://schemas.microsoft.com/office/2006/metadata/properties" xmlns:ns2="63c724b1-652e-424f-8d99-4ee509067280" xmlns:ns3="2551ef7e-3b29-44d1-a8ad-ef34c26bfc60" targetNamespace="http://schemas.microsoft.com/office/2006/metadata/properties" ma:root="true" ma:fieldsID="0765d51910c97ab1de67628eb0dc66fa" ns2:_="" ns3:_="">
     <xsd:import namespace="63c724b1-652e-424f-8d99-4ee509067280"/>
@@ -8417,32 +8453,26 @@
 </ct:contentTypeSchema>
 </file>
 
-<file path=customXml/item2.xml><?xml version="1.0" encoding="utf-8"?>
-<p:properties xmlns:p="http://schemas.microsoft.com/office/2006/metadata/properties" xmlns:xsi="http://www.w3.org/2001/XMLSchema-instance" xmlns:pc="http://schemas.microsoft.com/office/infopath/2007/PartnerControls">
-  <documentManagement>
-    <BfhIntranetDepartmentText xmlns="63c724b1-652e-424f-8d99-4ee509067280">
-      <Terms xmlns="http://schemas.microsoft.com/office/infopath/2007/PartnerControls">
-        <TermInfo xmlns="http://schemas.microsoft.com/office/infopath/2007/PartnerControls">
-          <TermName xmlns="http://schemas.microsoft.com/office/infopath/2007/PartnerControls">Vorlage</TermName>
-          <TermId xmlns="http://schemas.microsoft.com/office/infopath/2007/PartnerControls">de1a6d3c-ac6a-4b34-8edd-308eb81066db</TermId>
-        </TermInfo>
-      </Terms>
-    </BfhIntranetDepartmentText>
-    <QMPilot_DokID xmlns="2551ef7e-3b29-44d1-a8ad-ef34c26bfc60">469</QMPilot_DokID>
-  </documentManagement>
-</p:properties>
+<file path=customXml/itemProps1.xml><?xml version="1.0" encoding="utf-8"?>
+<ds:datastoreItem xmlns:ds="http://schemas.openxmlformats.org/officeDocument/2006/customXml" ds:itemID="{CCF5E5E7-7F77-47A8-99A9-B4D5839292F3}">
+  <ds:schemaRefs>
+    <ds:schemaRef ds:uri="http://schemas.microsoft.com/sharepoint/v3/contenttype/forms"/>
+  </ds:schemaRefs>
+</ds:datastoreItem>
 </file>
 
-<file path=customXml/item3.xml><?xml version="1.0" encoding="utf-8"?>
-<?mso-contentType ?>
-<FormTemplates xmlns="http://schemas.microsoft.com/sharepoint/v3/contenttype/forms">
-  <Display>DocumentLibraryForm</Display>
-  <Edit>DocumentLibraryForm</Edit>
-  <New>DocumentLibraryForm</New>
-</FormTemplates>
+<file path=customXml/itemProps2.xml><?xml version="1.0" encoding="utf-8"?>
+<ds:datastoreItem xmlns:ds="http://schemas.openxmlformats.org/officeDocument/2006/customXml" ds:itemID="{96591048-6F15-48C6-9650-9BFF3E56974F}">
+  <ds:schemaRefs>
+    <ds:schemaRef ds:uri="http://schemas.microsoft.com/office/2006/metadata/properties"/>
+    <ds:schemaRef ds:uri="http://schemas.microsoft.com/office/infopath/2007/PartnerControls"/>
+    <ds:schemaRef ds:uri="63c724b1-652e-424f-8d99-4ee509067280"/>
+    <ds:schemaRef ds:uri="2551ef7e-3b29-44d1-a8ad-ef34c26bfc60"/>
+  </ds:schemaRefs>
+</ds:datastoreItem>
 </file>
 
-<file path=customXml/itemProps1.xml><?xml version="1.0" encoding="utf-8"?>
+<file path=customXml/itemProps3.xml><?xml version="1.0" encoding="utf-8"?>
 <ds:datastoreItem xmlns:ds="http://schemas.openxmlformats.org/officeDocument/2006/customXml" ds:itemID="{6A51C7F3-86FD-4A82-8259-3C4C8E258325}">
   <ds:schemaRefs>
     <ds:schemaRef ds:uri="http://schemas.microsoft.com/office/2006/metadata/contentType"/>
@@ -8459,23 +8489,4 @@
     <ds:schemaRef ds:uri="http://schemas.microsoft.com/internal/obd"/>
   </ds:schemaRefs>
 </ds:datastoreItem>
-</file>
-
-<file path=customXml/itemProps2.xml><?xml version="1.0" encoding="utf-8"?>
-<ds:datastoreItem xmlns:ds="http://schemas.openxmlformats.org/officeDocument/2006/customXml" ds:itemID="{96591048-6F15-48C6-9650-9BFF3E56974F}">
-  <ds:schemaRefs>
-    <ds:schemaRef ds:uri="http://schemas.microsoft.com/office/2006/metadata/properties"/>
-    <ds:schemaRef ds:uri="http://schemas.microsoft.com/office/infopath/2007/PartnerControls"/>
-    <ds:schemaRef ds:uri="63c724b1-652e-424f-8d99-4ee509067280"/>
-    <ds:schemaRef ds:uri="2551ef7e-3b29-44d1-a8ad-ef34c26bfc60"/>
-  </ds:schemaRefs>
-</ds:datastoreItem>
-</file>
-
-<file path=customXml/itemProps3.xml><?xml version="1.0" encoding="utf-8"?>
-<ds:datastoreItem xmlns:ds="http://schemas.openxmlformats.org/officeDocument/2006/customXml" ds:itemID="{CCF5E5E7-7F77-47A8-99A9-B4D5839292F3}">
-  <ds:schemaRefs>
-    <ds:schemaRef ds:uri="http://schemas.microsoft.com/sharepoint/v3/contenttype/forms"/>
-  </ds:schemaRefs>
-</ds:datastoreItem>
 </file>
--- a/docs/presentation/dani.pptx
+++ b/docs/presentation/dani.pptx
@@ -5,18 +5,45 @@
     <p:sldMasterId id="2147483669" r:id="rId4"/>
   </p:sldMasterIdLst>
   <p:notesMasterIdLst>
-    <p:notesMasterId r:id="rId11"/>
+    <p:notesMasterId r:id="rId38"/>
   </p:notesMasterIdLst>
   <p:handoutMasterIdLst>
-    <p:handoutMasterId r:id="rId12"/>
+    <p:handoutMasterId r:id="rId39"/>
   </p:handoutMasterIdLst>
   <p:sldIdLst>
     <p:sldId id="256" r:id="rId5"/>
     <p:sldId id="266" r:id="rId6"/>
     <p:sldId id="257" r:id="rId7"/>
     <p:sldId id="263" r:id="rId8"/>
-    <p:sldId id="258" r:id="rId9"/>
-    <p:sldId id="265" r:id="rId10"/>
+    <p:sldId id="267" r:id="rId9"/>
+    <p:sldId id="258" r:id="rId10"/>
+    <p:sldId id="268" r:id="rId11"/>
+    <p:sldId id="269" r:id="rId12"/>
+    <p:sldId id="270" r:id="rId13"/>
+    <p:sldId id="271" r:id="rId14"/>
+    <p:sldId id="272" r:id="rId15"/>
+    <p:sldId id="273" r:id="rId16"/>
+    <p:sldId id="274" r:id="rId17"/>
+    <p:sldId id="275" r:id="rId18"/>
+    <p:sldId id="276" r:id="rId19"/>
+    <p:sldId id="294" r:id="rId20"/>
+    <p:sldId id="295" r:id="rId21"/>
+    <p:sldId id="296" r:id="rId22"/>
+    <p:sldId id="297" r:id="rId23"/>
+    <p:sldId id="298" r:id="rId24"/>
+    <p:sldId id="299" r:id="rId25"/>
+    <p:sldId id="300" r:id="rId26"/>
+    <p:sldId id="301" r:id="rId27"/>
+    <p:sldId id="302" r:id="rId28"/>
+    <p:sldId id="303" r:id="rId29"/>
+    <p:sldId id="304" r:id="rId30"/>
+    <p:sldId id="305" r:id="rId31"/>
+    <p:sldId id="306" r:id="rId32"/>
+    <p:sldId id="307" r:id="rId33"/>
+    <p:sldId id="308" r:id="rId34"/>
+    <p:sldId id="309" r:id="rId35"/>
+    <p:sldId id="292" r:id="rId36"/>
+    <p:sldId id="293" r:id="rId37"/>
   </p:sldIdLst>
   <p:sldSz cx="9144000" cy="6858000" type="screen4x3"/>
   <p:notesSz cx="6797675" cy="9872663"/>
@@ -147,7 +174,7 @@
   </p:defaultTextStyle>
   <p:extLst>
     <p:ext uri="{EFAFB233-063F-42B5-8137-9DF3F51BA10A}">
-      <p15:sldGuideLst xmlns:p15="http://schemas.microsoft.com/office/powerpoint/2012/main" xmlns="">
+      <p15:sldGuideLst xmlns:p15="http://schemas.microsoft.com/office/powerpoint/2012/main">
         <p15:guide id="1" orient="horz" pos="2160">
           <p15:clr>
             <a:srgbClr val="A4A3A4"/>
@@ -161,7 +188,7 @@
       </p15:sldGuideLst>
     </p:ext>
     <p:ext uri="{2D200454-40CA-4A62-9FC3-DE9A4176ACB9}">
-      <p15:notesGuideLst xmlns:p15="http://schemas.microsoft.com/office/powerpoint/2012/main" xmlns="">
+      <p15:notesGuideLst xmlns:p15="http://schemas.microsoft.com/office/powerpoint/2012/main">
         <p15:guide id="1" orient="horz" pos="3110">
           <p15:clr>
             <a:srgbClr val="A4A3A4"/>
@@ -768,6 +795,810 @@
     <p:extLst>
       <p:ext uri="{BB962C8B-B14F-4D97-AF65-F5344CB8AC3E}">
         <p14:creationId xmlns:p14="http://schemas.microsoft.com/office/powerpoint/2010/main" val="2027060611"/>
+      </p:ext>
+    </p:extLst>
+  </p:cSld>
+  <p:clrMapOvr>
+    <a:masterClrMapping/>
+  </p:clrMapOvr>
+</p:notes>
+</file>
+
+<file path=ppt/notesSlides/notesSlide2.xml><?xml version="1.0" encoding="utf-8"?>
+<p:notes xmlns:a="http://schemas.openxmlformats.org/drawingml/2006/main" xmlns:r="http://schemas.openxmlformats.org/officeDocument/2006/relationships" xmlns:p="http://schemas.openxmlformats.org/presentationml/2006/main">
+  <p:cSld>
+    <p:spTree>
+      <p:nvGrpSpPr>
+        <p:cNvPr id="1" name=""/>
+        <p:cNvGrpSpPr/>
+        <p:nvPr/>
+      </p:nvGrpSpPr>
+      <p:grpSpPr>
+        <a:xfrm>
+          <a:off x="0" y="0"/>
+          <a:ext cx="0" cy="0"/>
+          <a:chOff x="0" y="0"/>
+          <a:chExt cx="0" cy="0"/>
+        </a:xfrm>
+      </p:grpSpPr>
+      <p:sp>
+        <p:nvSpPr>
+          <p:cNvPr id="2" name="Folienbildplatzhalter 1"/>
+          <p:cNvSpPr>
+            <a:spLocks noGrp="1" noRot="1" noChangeAspect="1"/>
+          </p:cNvSpPr>
+          <p:nvPr>
+            <p:ph type="sldImg"/>
+          </p:nvPr>
+        </p:nvSpPr>
+        <p:spPr/>
+      </p:sp>
+      <p:sp>
+        <p:nvSpPr>
+          <p:cNvPr id="3" name="Notizenplatzhalter 2"/>
+          <p:cNvSpPr>
+            <a:spLocks noGrp="1"/>
+          </p:cNvSpPr>
+          <p:nvPr>
+            <p:ph type="body" idx="1"/>
+          </p:nvPr>
+        </p:nvSpPr>
+        <p:spPr/>
+        <p:txBody>
+          <a:bodyPr/>
+          <a:lstStyle/>
+          <a:p>
+            <a:pPr marL="171450" indent="-171450">
+              <a:buFontTx/>
+              <a:buChar char="-"/>
+            </a:pPr>
+            <a:r>
+              <a:rPr lang="de-CH" baseline="0" dirty="0" smtClean="0"/>
+              <a:t>Erklärung Ausgangslage:</a:t>
+            </a:r>
+          </a:p>
+          <a:p>
+            <a:pPr marL="628650" lvl="1" indent="-171450">
+              <a:buFontTx/>
+              <a:buChar char="-"/>
+            </a:pPr>
+            <a:r>
+              <a:rPr lang="de-CH" baseline="0" dirty="0" smtClean="0"/>
+              <a:t>4 Varianten. Alle mittels </a:t>
+            </a:r>
+            <a:r>
+              <a:rPr lang="de-CH" baseline="0" dirty="0" err="1" smtClean="0"/>
+              <a:t>MiddleVR</a:t>
+            </a:r>
+            <a:r>
+              <a:rPr lang="de-CH" baseline="0" dirty="0" smtClean="0"/>
+              <a:t> oder eigener Lösung umsetzbar.</a:t>
+            </a:r>
+          </a:p>
+          <a:p>
+            <a:pPr marL="628650" lvl="1" indent="-171450">
+              <a:buFontTx/>
+              <a:buChar char="-"/>
+            </a:pPr>
+            <a:endParaRPr lang="de-CH" baseline="0" dirty="0" smtClean="0"/>
+          </a:p>
+          <a:p>
+            <a:pPr marL="171450" lvl="0" indent="-171450">
+              <a:buFontTx/>
+              <a:buChar char="-"/>
+            </a:pPr>
+            <a:r>
+              <a:rPr lang="de-CH" baseline="0" dirty="0" smtClean="0"/>
+              <a:t>Kurze Beschreibung zu sämtlichen Varianten.</a:t>
+            </a:r>
+          </a:p>
+          <a:p>
+            <a:pPr marL="171450" lvl="0" indent="-171450">
+              <a:buFontTx/>
+              <a:buChar char="-"/>
+            </a:pPr>
+            <a:endParaRPr lang="de-CH" baseline="0" dirty="0" smtClean="0"/>
+          </a:p>
+          <a:p>
+            <a:pPr marL="0" lvl="0" indent="0">
+              <a:buFontTx/>
+              <a:buNone/>
+            </a:pPr>
+            <a:r>
+              <a:rPr lang="de-CH" b="1" baseline="0" dirty="0" err="1" smtClean="0"/>
+              <a:t>Nvidia</a:t>
+            </a:r>
+            <a:r>
+              <a:rPr lang="de-CH" b="1" baseline="0" dirty="0" smtClean="0"/>
+              <a:t> </a:t>
+            </a:r>
+            <a:r>
+              <a:rPr lang="de-CH" b="1" baseline="0" dirty="0" err="1" smtClean="0"/>
+              <a:t>Mosaic</a:t>
+            </a:r>
+            <a:endParaRPr lang="de-CH" b="1" baseline="0" dirty="0" smtClean="0"/>
+          </a:p>
+          <a:p>
+            <a:pPr marL="0" lvl="0" indent="0">
+              <a:buFontTx/>
+              <a:buNone/>
+            </a:pPr>
+            <a:r>
+              <a:rPr lang="de-CH" b="0" baseline="0" dirty="0" smtClean="0"/>
+              <a:t>- </a:t>
+            </a:r>
+            <a:r>
+              <a:rPr lang="de-CH" b="0" baseline="0" dirty="0" err="1" smtClean="0"/>
+              <a:t>Vorgaukelung</a:t>
+            </a:r>
+            <a:r>
+              <a:rPr lang="de-CH" b="0" baseline="0" dirty="0" smtClean="0"/>
+              <a:t> eines riesigen Bildschirms, 1 Output.</a:t>
+            </a:r>
+          </a:p>
+          <a:p>
+            <a:pPr marL="0" lvl="0" indent="0">
+              <a:buFontTx/>
+              <a:buNone/>
+            </a:pPr>
+            <a:r>
+              <a:rPr lang="de-CH" baseline="0" dirty="0" smtClean="0"/>
+              <a:t>- Beispiel 4 Bildschirme. Alles was im oberen linken Viertel gerendert wird, wird an den 1. Output (Bildschirm) gesandt. Alles oben rechts an den 2. Bildschirm usw.</a:t>
+            </a:r>
+          </a:p>
+        </p:txBody>
+      </p:sp>
+      <p:sp>
+        <p:nvSpPr>
+          <p:cNvPr id="4" name="Foliennummernplatzhalter 3"/>
+          <p:cNvSpPr>
+            <a:spLocks noGrp="1"/>
+          </p:cNvSpPr>
+          <p:nvPr>
+            <p:ph type="sldNum" sz="quarter" idx="10"/>
+          </p:nvPr>
+        </p:nvSpPr>
+        <p:spPr/>
+        <p:txBody>
+          <a:bodyPr/>
+          <a:lstStyle/>
+          <a:p>
+            <a:fld id="{37E44704-8E6D-4CF2-8CFA-A0F7BC751896}" type="slidenum">
+              <a:rPr lang="de-CH" smtClean="0"/>
+              <a:t>17</a:t>
+            </a:fld>
+            <a:endParaRPr lang="de-CH"/>
+          </a:p>
+        </p:txBody>
+      </p:sp>
+    </p:spTree>
+    <p:extLst>
+      <p:ext uri="{BB962C8B-B14F-4D97-AF65-F5344CB8AC3E}">
+        <p14:creationId xmlns:p14="http://schemas.microsoft.com/office/powerpoint/2010/main" val="428497528"/>
+      </p:ext>
+    </p:extLst>
+  </p:cSld>
+  <p:clrMapOvr>
+    <a:masterClrMapping/>
+  </p:clrMapOvr>
+</p:notes>
+</file>
+
+<file path=ppt/notesSlides/notesSlide3.xml><?xml version="1.0" encoding="utf-8"?>
+<p:notes xmlns:a="http://schemas.openxmlformats.org/drawingml/2006/main" xmlns:r="http://schemas.openxmlformats.org/officeDocument/2006/relationships" xmlns:p="http://schemas.openxmlformats.org/presentationml/2006/main">
+  <p:cSld>
+    <p:spTree>
+      <p:nvGrpSpPr>
+        <p:cNvPr id="1" name=""/>
+        <p:cNvGrpSpPr/>
+        <p:nvPr/>
+      </p:nvGrpSpPr>
+      <p:grpSpPr>
+        <a:xfrm>
+          <a:off x="0" y="0"/>
+          <a:ext cx="0" cy="0"/>
+          <a:chOff x="0" y="0"/>
+          <a:chExt cx="0" cy="0"/>
+        </a:xfrm>
+      </p:grpSpPr>
+      <p:sp>
+        <p:nvSpPr>
+          <p:cNvPr id="2" name="Folienbildplatzhalter 1"/>
+          <p:cNvSpPr>
+            <a:spLocks noGrp="1" noRot="1" noChangeAspect="1"/>
+          </p:cNvSpPr>
+          <p:nvPr>
+            <p:ph type="sldImg"/>
+          </p:nvPr>
+        </p:nvSpPr>
+        <p:spPr/>
+      </p:sp>
+      <p:sp>
+        <p:nvSpPr>
+          <p:cNvPr id="3" name="Notizenplatzhalter 2"/>
+          <p:cNvSpPr>
+            <a:spLocks noGrp="1"/>
+          </p:cNvSpPr>
+          <p:nvPr>
+            <p:ph type="body" idx="1"/>
+          </p:nvPr>
+        </p:nvSpPr>
+        <p:spPr/>
+        <p:txBody>
+          <a:bodyPr/>
+          <a:lstStyle/>
+          <a:p>
+            <a:endParaRPr lang="en-US" dirty="0"/>
+          </a:p>
+        </p:txBody>
+      </p:sp>
+      <p:sp>
+        <p:nvSpPr>
+          <p:cNvPr id="4" name="Foliennummernplatzhalter 3"/>
+          <p:cNvSpPr>
+            <a:spLocks noGrp="1"/>
+          </p:cNvSpPr>
+          <p:nvPr>
+            <p:ph type="sldNum" sz="quarter" idx="10"/>
+          </p:nvPr>
+        </p:nvSpPr>
+        <p:spPr/>
+        <p:txBody>
+          <a:bodyPr/>
+          <a:lstStyle/>
+          <a:p>
+            <a:fld id="{37E44704-8E6D-4CF2-8CFA-A0F7BC751896}" type="slidenum">
+              <a:rPr lang="de-CH" smtClean="0"/>
+              <a:t>18</a:t>
+            </a:fld>
+            <a:endParaRPr lang="de-CH"/>
+          </a:p>
+        </p:txBody>
+      </p:sp>
+    </p:spTree>
+    <p:extLst>
+      <p:ext uri="{BB962C8B-B14F-4D97-AF65-F5344CB8AC3E}">
+        <p14:creationId xmlns:p14="http://schemas.microsoft.com/office/powerpoint/2010/main" val="800362462"/>
+      </p:ext>
+    </p:extLst>
+  </p:cSld>
+  <p:clrMapOvr>
+    <a:masterClrMapping/>
+  </p:clrMapOvr>
+</p:notes>
+</file>
+
+<file path=ppt/notesSlides/notesSlide4.xml><?xml version="1.0" encoding="utf-8"?>
+<p:notes xmlns:a="http://schemas.openxmlformats.org/drawingml/2006/main" xmlns:r="http://schemas.openxmlformats.org/officeDocument/2006/relationships" xmlns:p="http://schemas.openxmlformats.org/presentationml/2006/main">
+  <p:cSld>
+    <p:spTree>
+      <p:nvGrpSpPr>
+        <p:cNvPr id="1" name=""/>
+        <p:cNvGrpSpPr/>
+        <p:nvPr/>
+      </p:nvGrpSpPr>
+      <p:grpSpPr>
+        <a:xfrm>
+          <a:off x="0" y="0"/>
+          <a:ext cx="0" cy="0"/>
+          <a:chOff x="0" y="0"/>
+          <a:chExt cx="0" cy="0"/>
+        </a:xfrm>
+      </p:grpSpPr>
+      <p:sp>
+        <p:nvSpPr>
+          <p:cNvPr id="2" name="Folienbildplatzhalter 1"/>
+          <p:cNvSpPr>
+            <a:spLocks noGrp="1" noRot="1" noChangeAspect="1"/>
+          </p:cNvSpPr>
+          <p:nvPr>
+            <p:ph type="sldImg"/>
+          </p:nvPr>
+        </p:nvSpPr>
+        <p:spPr/>
+      </p:sp>
+      <p:sp>
+        <p:nvSpPr>
+          <p:cNvPr id="3" name="Notizenplatzhalter 2"/>
+          <p:cNvSpPr>
+            <a:spLocks noGrp="1"/>
+          </p:cNvSpPr>
+          <p:nvPr>
+            <p:ph type="body" idx="1"/>
+          </p:nvPr>
+        </p:nvSpPr>
+        <p:spPr/>
+        <p:txBody>
+          <a:bodyPr/>
+          <a:lstStyle/>
+          <a:p>
+            <a:r>
+              <a:rPr lang="de-CH" dirty="0" smtClean="0"/>
+              <a:t>- Keine native Fullscreen Funktionalität: Fullscreen immer auf 1 Output beschränkt.</a:t>
+            </a:r>
+            <a:endParaRPr lang="en-US" dirty="0"/>
+          </a:p>
+        </p:txBody>
+      </p:sp>
+      <p:sp>
+        <p:nvSpPr>
+          <p:cNvPr id="4" name="Foliennummernplatzhalter 3"/>
+          <p:cNvSpPr>
+            <a:spLocks noGrp="1"/>
+          </p:cNvSpPr>
+          <p:nvPr>
+            <p:ph type="sldNum" sz="quarter" idx="10"/>
+          </p:nvPr>
+        </p:nvSpPr>
+        <p:spPr/>
+        <p:txBody>
+          <a:bodyPr/>
+          <a:lstStyle/>
+          <a:p>
+            <a:fld id="{37E44704-8E6D-4CF2-8CFA-A0F7BC751896}" type="slidenum">
+              <a:rPr lang="de-CH" smtClean="0"/>
+              <a:t>21</a:t>
+            </a:fld>
+            <a:endParaRPr lang="de-CH"/>
+          </a:p>
+        </p:txBody>
+      </p:sp>
+    </p:spTree>
+    <p:extLst>
+      <p:ext uri="{BB962C8B-B14F-4D97-AF65-F5344CB8AC3E}">
+        <p14:creationId xmlns:p14="http://schemas.microsoft.com/office/powerpoint/2010/main" val="2797934600"/>
+      </p:ext>
+    </p:extLst>
+  </p:cSld>
+  <p:clrMapOvr>
+    <a:masterClrMapping/>
+  </p:clrMapOvr>
+</p:notes>
+</file>
+
+<file path=ppt/notesSlides/notesSlide5.xml><?xml version="1.0" encoding="utf-8"?>
+<p:notes xmlns:a="http://schemas.openxmlformats.org/drawingml/2006/main" xmlns:r="http://schemas.openxmlformats.org/officeDocument/2006/relationships" xmlns:p="http://schemas.openxmlformats.org/presentationml/2006/main">
+  <p:cSld>
+    <p:spTree>
+      <p:nvGrpSpPr>
+        <p:cNvPr id="1" name=""/>
+        <p:cNvGrpSpPr/>
+        <p:nvPr/>
+      </p:nvGrpSpPr>
+      <p:grpSpPr>
+        <a:xfrm>
+          <a:off x="0" y="0"/>
+          <a:ext cx="0" cy="0"/>
+          <a:chOff x="0" y="0"/>
+          <a:chExt cx="0" cy="0"/>
+        </a:xfrm>
+      </p:grpSpPr>
+      <p:sp>
+        <p:nvSpPr>
+          <p:cNvPr id="2" name="Folienbildplatzhalter 1"/>
+          <p:cNvSpPr>
+            <a:spLocks noGrp="1" noRot="1" noChangeAspect="1"/>
+          </p:cNvSpPr>
+          <p:nvPr>
+            <p:ph type="sldImg"/>
+          </p:nvPr>
+        </p:nvSpPr>
+        <p:spPr/>
+      </p:sp>
+      <p:sp>
+        <p:nvSpPr>
+          <p:cNvPr id="3" name="Notizenplatzhalter 2"/>
+          <p:cNvSpPr>
+            <a:spLocks noGrp="1"/>
+          </p:cNvSpPr>
+          <p:nvPr>
+            <p:ph type="body" idx="1"/>
+          </p:nvPr>
+        </p:nvSpPr>
+        <p:spPr/>
+        <p:txBody>
+          <a:bodyPr/>
+          <a:lstStyle/>
+          <a:p>
+            <a:r>
+              <a:rPr lang="de-CH" b="1" dirty="0" smtClean="0"/>
+              <a:t>Basic</a:t>
+            </a:r>
+          </a:p>
+          <a:p>
+            <a:pPr marL="171450" indent="-171450">
+              <a:buFontTx/>
+              <a:buChar char="-"/>
+            </a:pPr>
+            <a:r>
+              <a:rPr lang="de-CH" baseline="0" dirty="0" smtClean="0"/>
+              <a:t>Grundlegende Lauffähigkeit des Systems testen.</a:t>
+            </a:r>
+          </a:p>
+          <a:p>
+            <a:pPr marL="171450" indent="-171450">
+              <a:buFontTx/>
+              <a:buChar char="-"/>
+            </a:pPr>
+            <a:r>
+              <a:rPr lang="de-CH" baseline="0" dirty="0" smtClean="0"/>
+              <a:t>Kein grosser Datentransfer.</a:t>
+            </a:r>
+          </a:p>
+          <a:p>
+            <a:pPr marL="171450" indent="-171450">
+              <a:buFontTx/>
+              <a:buChar char="-"/>
+            </a:pPr>
+            <a:endParaRPr lang="de-CH" baseline="0" dirty="0" smtClean="0"/>
+          </a:p>
+          <a:p>
+            <a:pPr marL="0" indent="0">
+              <a:buFontTx/>
+              <a:buNone/>
+            </a:pPr>
+            <a:r>
+              <a:rPr lang="de-CH" b="1" baseline="0" dirty="0" smtClean="0"/>
+              <a:t>Basic Extended</a:t>
+            </a:r>
+          </a:p>
+          <a:p>
+            <a:pPr marL="171450" indent="-171450">
+              <a:buFontTx/>
+              <a:buChar char="-"/>
+            </a:pPr>
+            <a:r>
+              <a:rPr lang="de-CH" baseline="0" dirty="0" smtClean="0"/>
+              <a:t>Schachbrettwände um Perspektive / Ausrichtung der Kameras im CAVE zu prüfen.</a:t>
+            </a:r>
+          </a:p>
+          <a:p>
+            <a:pPr marL="171450" indent="-171450">
+              <a:buFontTx/>
+              <a:buChar char="-"/>
+            </a:pPr>
+            <a:r>
+              <a:rPr lang="de-CH" baseline="0" dirty="0" smtClean="0"/>
+              <a:t>Physikalische Kugeln, um Positionsabgleich zu testen.</a:t>
+            </a:r>
+          </a:p>
+          <a:p>
+            <a:pPr marL="171450" indent="-171450">
+              <a:buFontTx/>
+              <a:buChar char="-"/>
+            </a:pPr>
+            <a:r>
+              <a:rPr lang="de-CH" baseline="0" dirty="0" smtClean="0"/>
+              <a:t>Per Knopfdruck Farbe der Kugeln ändern.</a:t>
+            </a:r>
+            <a:endParaRPr lang="en-US" dirty="0"/>
+          </a:p>
+        </p:txBody>
+      </p:sp>
+      <p:sp>
+        <p:nvSpPr>
+          <p:cNvPr id="4" name="Foliennummernplatzhalter 3"/>
+          <p:cNvSpPr>
+            <a:spLocks noGrp="1"/>
+          </p:cNvSpPr>
+          <p:nvPr>
+            <p:ph type="sldNum" sz="quarter" idx="10"/>
+          </p:nvPr>
+        </p:nvSpPr>
+        <p:spPr/>
+        <p:txBody>
+          <a:bodyPr/>
+          <a:lstStyle/>
+          <a:p>
+            <a:fld id="{37E44704-8E6D-4CF2-8CFA-A0F7BC751896}" type="slidenum">
+              <a:rPr lang="de-CH" smtClean="0"/>
+              <a:t>23</a:t>
+            </a:fld>
+            <a:endParaRPr lang="de-CH"/>
+          </a:p>
+        </p:txBody>
+      </p:sp>
+    </p:spTree>
+    <p:extLst>
+      <p:ext uri="{BB962C8B-B14F-4D97-AF65-F5344CB8AC3E}">
+        <p14:creationId xmlns:p14="http://schemas.microsoft.com/office/powerpoint/2010/main" val="3579398013"/>
+      </p:ext>
+    </p:extLst>
+  </p:cSld>
+  <p:clrMapOvr>
+    <a:masterClrMapping/>
+  </p:clrMapOvr>
+</p:notes>
+</file>
+
+<file path=ppt/notesSlides/notesSlide6.xml><?xml version="1.0" encoding="utf-8"?>
+<p:notes xmlns:a="http://schemas.openxmlformats.org/drawingml/2006/main" xmlns:r="http://schemas.openxmlformats.org/officeDocument/2006/relationships" xmlns:p="http://schemas.openxmlformats.org/presentationml/2006/main">
+  <p:cSld>
+    <p:spTree>
+      <p:nvGrpSpPr>
+        <p:cNvPr id="1" name=""/>
+        <p:cNvGrpSpPr/>
+        <p:nvPr/>
+      </p:nvGrpSpPr>
+      <p:grpSpPr>
+        <a:xfrm>
+          <a:off x="0" y="0"/>
+          <a:ext cx="0" cy="0"/>
+          <a:chOff x="0" y="0"/>
+          <a:chExt cx="0" cy="0"/>
+        </a:xfrm>
+      </p:grpSpPr>
+      <p:sp>
+        <p:nvSpPr>
+          <p:cNvPr id="2" name="Folienbildplatzhalter 1"/>
+          <p:cNvSpPr>
+            <a:spLocks noGrp="1" noRot="1" noChangeAspect="1"/>
+          </p:cNvSpPr>
+          <p:nvPr>
+            <p:ph type="sldImg"/>
+          </p:nvPr>
+        </p:nvSpPr>
+        <p:spPr/>
+      </p:sp>
+      <p:sp>
+        <p:nvSpPr>
+          <p:cNvPr id="3" name="Notizenplatzhalter 2"/>
+          <p:cNvSpPr>
+            <a:spLocks noGrp="1"/>
+          </p:cNvSpPr>
+          <p:nvPr>
+            <p:ph type="body" idx="1"/>
+          </p:nvPr>
+        </p:nvSpPr>
+        <p:spPr/>
+        <p:txBody>
+          <a:bodyPr/>
+          <a:lstStyle/>
+          <a:p>
+            <a:r>
+              <a:rPr lang="de-CH" b="1" dirty="0" err="1" smtClean="0"/>
+              <a:t>AngryBots</a:t>
+            </a:r>
+            <a:endParaRPr lang="de-CH" b="1" dirty="0" smtClean="0"/>
+          </a:p>
+          <a:p>
+            <a:pPr marL="171450" indent="-171450">
+              <a:buFontTx/>
+              <a:buChar char="-"/>
+            </a:pPr>
+            <a:r>
+              <a:rPr lang="de-CH" dirty="0" smtClean="0"/>
+              <a:t>Beispielprojekt</a:t>
+            </a:r>
+            <a:r>
+              <a:rPr lang="de-CH" baseline="0" dirty="0" smtClean="0"/>
+              <a:t> </a:t>
+            </a:r>
+            <a:r>
+              <a:rPr lang="de-CH" baseline="0" dirty="0" err="1" smtClean="0"/>
+              <a:t>Unity</a:t>
+            </a:r>
+            <a:r>
+              <a:rPr lang="de-CH" baseline="0" dirty="0" smtClean="0"/>
+              <a:t> 4.</a:t>
+            </a:r>
+          </a:p>
+          <a:p>
+            <a:pPr marL="171450" indent="-171450">
+              <a:buFontTx/>
+              <a:buChar char="-"/>
+            </a:pPr>
+            <a:r>
+              <a:rPr lang="de-CH" baseline="0" dirty="0" smtClean="0"/>
+              <a:t>Geeigneter Showcase der Möglichkeiten von </a:t>
+            </a:r>
+            <a:r>
+              <a:rPr lang="de-CH" baseline="0" dirty="0" err="1" smtClean="0"/>
+              <a:t>Unity</a:t>
+            </a:r>
+            <a:r>
+              <a:rPr lang="de-CH" baseline="0" dirty="0" smtClean="0"/>
+              <a:t> (Effekte, detaillierte Models, </a:t>
+            </a:r>
+            <a:r>
+              <a:rPr lang="de-CH" baseline="0" dirty="0" err="1" smtClean="0"/>
+              <a:t>Shaders</a:t>
+            </a:r>
+            <a:r>
+              <a:rPr lang="de-CH" baseline="0" dirty="0" smtClean="0"/>
+              <a:t>, Partikel, sonstige </a:t>
+            </a:r>
+            <a:r>
+              <a:rPr lang="de-CH" baseline="0" dirty="0" err="1" smtClean="0"/>
+              <a:t>Keyfeatures</a:t>
+            </a:r>
+            <a:r>
+              <a:rPr lang="de-CH" baseline="0" dirty="0" smtClean="0"/>
+              <a:t>).</a:t>
+            </a:r>
+          </a:p>
+          <a:p>
+            <a:pPr marL="171450" indent="-171450">
+              <a:buFontTx/>
+              <a:buChar char="-"/>
+            </a:pPr>
+            <a:endParaRPr lang="de-CH" baseline="0" dirty="0" smtClean="0"/>
+          </a:p>
+          <a:p>
+            <a:pPr marL="0" indent="0">
+              <a:buFontTx/>
+              <a:buNone/>
+            </a:pPr>
+            <a:r>
+              <a:rPr lang="de-CH" b="1" baseline="0" dirty="0" smtClean="0"/>
+              <a:t>Car Tutorial</a:t>
+            </a:r>
+          </a:p>
+          <a:p>
+            <a:pPr marL="171450" indent="-171450">
+              <a:buFontTx/>
+              <a:buChar char="-"/>
+            </a:pPr>
+            <a:r>
+              <a:rPr lang="de-CH" b="0" baseline="0" dirty="0" smtClean="0"/>
+              <a:t>Autorennspiel.</a:t>
+            </a:r>
+          </a:p>
+          <a:p>
+            <a:pPr marL="171450" indent="-171450">
+              <a:buFontTx/>
+              <a:buChar char="-"/>
+            </a:pPr>
+            <a:r>
+              <a:rPr lang="de-CH" b="0" baseline="0" dirty="0" smtClean="0"/>
+              <a:t>Physik testen.</a:t>
+            </a:r>
+          </a:p>
+        </p:txBody>
+      </p:sp>
+      <p:sp>
+        <p:nvSpPr>
+          <p:cNvPr id="4" name="Foliennummernplatzhalter 3"/>
+          <p:cNvSpPr>
+            <a:spLocks noGrp="1"/>
+          </p:cNvSpPr>
+          <p:nvPr>
+            <p:ph type="sldNum" sz="quarter" idx="10"/>
+          </p:nvPr>
+        </p:nvSpPr>
+        <p:spPr/>
+        <p:txBody>
+          <a:bodyPr/>
+          <a:lstStyle/>
+          <a:p>
+            <a:fld id="{37E44704-8E6D-4CF2-8CFA-A0F7BC751896}" type="slidenum">
+              <a:rPr lang="de-CH" smtClean="0"/>
+              <a:t>24</a:t>
+            </a:fld>
+            <a:endParaRPr lang="de-CH"/>
+          </a:p>
+        </p:txBody>
+      </p:sp>
+    </p:spTree>
+    <p:extLst>
+      <p:ext uri="{BB962C8B-B14F-4D97-AF65-F5344CB8AC3E}">
+        <p14:creationId xmlns:p14="http://schemas.microsoft.com/office/powerpoint/2010/main" val="2539930618"/>
+      </p:ext>
+    </p:extLst>
+  </p:cSld>
+  <p:clrMapOvr>
+    <a:masterClrMapping/>
+  </p:clrMapOvr>
+</p:notes>
+</file>
+
+<file path=ppt/notesSlides/notesSlide7.xml><?xml version="1.0" encoding="utf-8"?>
+<p:notes xmlns:a="http://schemas.openxmlformats.org/drawingml/2006/main" xmlns:r="http://schemas.openxmlformats.org/officeDocument/2006/relationships" xmlns:p="http://schemas.openxmlformats.org/presentationml/2006/main">
+  <p:cSld>
+    <p:spTree>
+      <p:nvGrpSpPr>
+        <p:cNvPr id="1" name=""/>
+        <p:cNvGrpSpPr/>
+        <p:nvPr/>
+      </p:nvGrpSpPr>
+      <p:grpSpPr>
+        <a:xfrm>
+          <a:off x="0" y="0"/>
+          <a:ext cx="0" cy="0"/>
+          <a:chOff x="0" y="0"/>
+          <a:chExt cx="0" cy="0"/>
+        </a:xfrm>
+      </p:grpSpPr>
+      <p:sp>
+        <p:nvSpPr>
+          <p:cNvPr id="2" name="Folienbildplatzhalter 1"/>
+          <p:cNvSpPr>
+            <a:spLocks noGrp="1" noRot="1" noChangeAspect="1"/>
+          </p:cNvSpPr>
+          <p:nvPr>
+            <p:ph type="sldImg"/>
+          </p:nvPr>
+        </p:nvSpPr>
+        <p:spPr/>
+      </p:sp>
+      <p:sp>
+        <p:nvSpPr>
+          <p:cNvPr id="3" name="Notizenplatzhalter 2"/>
+          <p:cNvSpPr>
+            <a:spLocks noGrp="1"/>
+          </p:cNvSpPr>
+          <p:nvPr>
+            <p:ph type="body" idx="1"/>
+          </p:nvPr>
+        </p:nvSpPr>
+        <p:spPr/>
+        <p:txBody>
+          <a:bodyPr/>
+          <a:lstStyle/>
+          <a:p>
+            <a:r>
+              <a:rPr lang="de-CH" dirty="0" smtClean="0"/>
+              <a:t>- 4 </a:t>
+            </a:r>
+            <a:r>
+              <a:rPr lang="de-CH" dirty="0" err="1" smtClean="0"/>
+              <a:t>Beamer</a:t>
+            </a:r>
+            <a:r>
+              <a:rPr lang="de-CH" dirty="0" smtClean="0"/>
+              <a:t>: Um </a:t>
+            </a:r>
+            <a:r>
+              <a:rPr lang="de-CH" dirty="0" err="1" smtClean="0"/>
+              <a:t>Stereoskpie</a:t>
+            </a:r>
+            <a:r>
+              <a:rPr lang="de-CH" dirty="0" smtClean="0"/>
+              <a:t> zu testen </a:t>
+            </a:r>
+            <a:r>
+              <a:rPr lang="de-CH" dirty="0" err="1" smtClean="0"/>
+              <a:t>Beamer</a:t>
+            </a:r>
+            <a:r>
+              <a:rPr lang="de-CH" dirty="0" smtClean="0"/>
+              <a:t> umbauen, mit Verzicht auf 1</a:t>
+            </a:r>
+            <a:r>
+              <a:rPr lang="de-CH" baseline="0" dirty="0" smtClean="0"/>
+              <a:t> Leinwand.</a:t>
+            </a:r>
+            <a:endParaRPr lang="en-US" dirty="0"/>
+          </a:p>
+        </p:txBody>
+      </p:sp>
+      <p:sp>
+        <p:nvSpPr>
+          <p:cNvPr id="4" name="Foliennummernplatzhalter 3"/>
+          <p:cNvSpPr>
+            <a:spLocks noGrp="1"/>
+          </p:cNvSpPr>
+          <p:nvPr>
+            <p:ph type="sldNum" sz="quarter" idx="10"/>
+          </p:nvPr>
+        </p:nvSpPr>
+        <p:spPr/>
+        <p:txBody>
+          <a:bodyPr/>
+          <a:lstStyle/>
+          <a:p>
+            <a:fld id="{37E44704-8E6D-4CF2-8CFA-A0F7BC751896}" type="slidenum">
+              <a:rPr lang="de-CH" smtClean="0"/>
+              <a:t>29</a:t>
+            </a:fld>
+            <a:endParaRPr lang="de-CH"/>
+          </a:p>
+        </p:txBody>
+      </p:sp>
+    </p:spTree>
+    <p:extLst>
+      <p:ext uri="{BB962C8B-B14F-4D97-AF65-F5344CB8AC3E}">
+        <p14:creationId xmlns:p14="http://schemas.microsoft.com/office/powerpoint/2010/main" val="934353338"/>
       </p:ext>
     </p:extLst>
   </p:cSld>
@@ -6770,14 +7601,7 @@
                 <a:latin typeface="Lucida Sans" pitchFamily="34" charset="0"/>
                 <a:cs typeface="Lucida Sans Unicode" pitchFamily="34" charset="0"/>
               </a:rPr>
-              <a:t> </a:t>
-            </a:r>
-            <a:r>
-              <a:rPr lang="de-CH" dirty="0" smtClean="0">
-                <a:latin typeface="Lucida Sans" pitchFamily="34" charset="0"/>
-                <a:cs typeface="Lucida Sans Unicode" pitchFamily="34" charset="0"/>
-              </a:rPr>
-              <a:t>in CAVE</a:t>
+              <a:t> in CAVE</a:t>
             </a:r>
           </a:p>
         </p:txBody>
@@ -6954,6 +7778,2375 @@
 </p:sld>
 </file>
 
+<file path=ppt/slides/slide10.xml><?xml version="1.0" encoding="utf-8"?>
+<p:sld xmlns:a="http://schemas.openxmlformats.org/drawingml/2006/main" xmlns:r="http://schemas.openxmlformats.org/officeDocument/2006/relationships" xmlns:p="http://schemas.openxmlformats.org/presentationml/2006/main">
+  <p:cSld>
+    <p:spTree>
+      <p:nvGrpSpPr>
+        <p:cNvPr id="1" name=""/>
+        <p:cNvGrpSpPr/>
+        <p:nvPr/>
+      </p:nvGrpSpPr>
+      <p:grpSpPr>
+        <a:xfrm>
+          <a:off x="0" y="0"/>
+          <a:ext cx="0" cy="0"/>
+          <a:chOff x="0" y="0"/>
+          <a:chExt cx="0" cy="0"/>
+        </a:xfrm>
+      </p:grpSpPr>
+      <p:sp>
+        <p:nvSpPr>
+          <p:cNvPr id="2" name="Titel 1"/>
+          <p:cNvSpPr>
+            <a:spLocks noGrp="1"/>
+          </p:cNvSpPr>
+          <p:nvPr>
+            <p:ph type="ctrTitle"/>
+          </p:nvPr>
+        </p:nvSpPr>
+        <p:spPr/>
+        <p:txBody>
+          <a:bodyPr/>
+          <a:lstStyle/>
+          <a:p>
+            <a:r>
+              <a:rPr lang="de-CH" dirty="0" smtClean="0"/>
+              <a:t>Voranalyse</a:t>
+            </a:r>
+            <a:endParaRPr lang="de-CH" dirty="0"/>
+          </a:p>
+        </p:txBody>
+      </p:sp>
+      <p:sp>
+        <p:nvSpPr>
+          <p:cNvPr id="3" name="Textplatzhalter 2"/>
+          <p:cNvSpPr>
+            <a:spLocks noGrp="1"/>
+          </p:cNvSpPr>
+          <p:nvPr>
+            <p:ph type="body" idx="1"/>
+          </p:nvPr>
+        </p:nvSpPr>
+        <p:spPr/>
+        <p:txBody>
+          <a:bodyPr/>
+          <a:lstStyle/>
+          <a:p>
+            <a:r>
+              <a:rPr lang="de-CH" dirty="0" smtClean="0"/>
+              <a:t>Varianten</a:t>
+            </a:r>
+            <a:endParaRPr lang="de-CH" dirty="0"/>
+          </a:p>
+        </p:txBody>
+      </p:sp>
+      <p:sp>
+        <p:nvSpPr>
+          <p:cNvPr id="4" name="Inhaltsplatzhalter 3"/>
+          <p:cNvSpPr>
+            <a:spLocks noGrp="1"/>
+          </p:cNvSpPr>
+          <p:nvPr>
+            <p:ph sz="half" idx="13"/>
+          </p:nvPr>
+        </p:nvSpPr>
+        <p:spPr/>
+        <p:txBody>
+          <a:bodyPr/>
+          <a:lstStyle/>
+          <a:p>
+            <a:r>
+              <a:rPr lang="de-CH" dirty="0" smtClean="0"/>
+              <a:t>Equalizer</a:t>
+            </a:r>
+          </a:p>
+          <a:p>
+            <a:endParaRPr lang="de-CH" dirty="0" smtClean="0"/>
+          </a:p>
+          <a:p>
+            <a:r>
+              <a:rPr lang="de-CH" dirty="0" smtClean="0"/>
+              <a:t>Chromium</a:t>
+            </a:r>
+          </a:p>
+          <a:p>
+            <a:endParaRPr lang="de-CH" dirty="0" smtClean="0"/>
+          </a:p>
+          <a:p>
+            <a:r>
+              <a:rPr lang="de-CH" dirty="0" smtClean="0"/>
+              <a:t>Eigene Lösung</a:t>
+            </a:r>
+          </a:p>
+          <a:p>
+            <a:endParaRPr lang="de-CH" dirty="0" smtClean="0"/>
+          </a:p>
+          <a:p>
+            <a:r>
+              <a:rPr lang="de-CH" dirty="0" smtClean="0"/>
+              <a:t>middleVR </a:t>
+            </a:r>
+          </a:p>
+          <a:p>
+            <a:pPr lvl="1"/>
+            <a:r>
+              <a:rPr lang="de-CH" dirty="0" smtClean="0"/>
+              <a:t>Bietet bereits Unity </a:t>
+            </a:r>
+            <a:r>
+              <a:rPr lang="de-CH" dirty="0" err="1" smtClean="0"/>
+              <a:t>Plugin</a:t>
+            </a:r>
+            <a:endParaRPr lang="de-CH" dirty="0" smtClean="0"/>
+          </a:p>
+          <a:p>
+            <a:pPr lvl="1"/>
+            <a:r>
+              <a:rPr lang="de-CH" dirty="0" smtClean="0"/>
+              <a:t>Unterstützt verschiedenste Geräte</a:t>
+            </a:r>
+          </a:p>
+          <a:p>
+            <a:pPr lvl="2"/>
+            <a:r>
+              <a:rPr lang="de-CH" dirty="0" err="1" smtClean="0"/>
+              <a:t>CAVE’s</a:t>
+            </a:r>
+            <a:r>
+              <a:rPr lang="de-CH" dirty="0" smtClean="0"/>
+              <a:t>, </a:t>
+            </a:r>
+            <a:r>
+              <a:rPr lang="de-CH" dirty="0" err="1" smtClean="0"/>
+              <a:t>Oculus</a:t>
+            </a:r>
+            <a:r>
+              <a:rPr lang="de-CH" dirty="0" smtClean="0"/>
+              <a:t> Rift, </a:t>
+            </a:r>
+            <a:r>
+              <a:rPr lang="de-CH" dirty="0" err="1" smtClean="0"/>
+              <a:t>Leap</a:t>
+            </a:r>
+            <a:r>
+              <a:rPr lang="de-CH" dirty="0" smtClean="0"/>
+              <a:t> </a:t>
+            </a:r>
+            <a:r>
+              <a:rPr lang="de-CH" dirty="0" err="1" smtClean="0"/>
+              <a:t>motion</a:t>
+            </a:r>
+            <a:r>
+              <a:rPr lang="de-CH" dirty="0" smtClean="0"/>
+              <a:t>, </a:t>
+            </a:r>
+            <a:r>
+              <a:rPr lang="de-CH" dirty="0" err="1" smtClean="0"/>
+              <a:t>etc</a:t>
+            </a:r>
+            <a:endParaRPr lang="de-CH" dirty="0" smtClean="0"/>
+          </a:p>
+          <a:p>
+            <a:pPr lvl="1"/>
+            <a:r>
+              <a:rPr lang="de-CH" dirty="0" smtClean="0"/>
+              <a:t>Aktuelle und moderne Software</a:t>
+            </a:r>
+          </a:p>
+          <a:p>
+            <a:pPr lvl="1"/>
+            <a:endParaRPr lang="de-CH" dirty="0" smtClean="0"/>
+          </a:p>
+          <a:p>
+            <a:endParaRPr lang="de-CH" dirty="0" smtClean="0"/>
+          </a:p>
+          <a:p>
+            <a:pPr lvl="2"/>
+            <a:endParaRPr lang="de-CH" dirty="0" smtClean="0"/>
+          </a:p>
+        </p:txBody>
+      </p:sp>
+    </p:spTree>
+    <p:extLst>
+      <p:ext uri="{BB962C8B-B14F-4D97-AF65-F5344CB8AC3E}">
+        <p14:creationId xmlns:p14="http://schemas.microsoft.com/office/powerpoint/2010/main" val="721413600"/>
+      </p:ext>
+    </p:extLst>
+  </p:cSld>
+  <p:clrMapOvr>
+    <a:masterClrMapping/>
+  </p:clrMapOvr>
+  <p:timing>
+    <p:tnLst>
+      <p:par>
+        <p:cTn id="1" dur="indefinite" restart="never" nodeType="tmRoot"/>
+      </p:par>
+    </p:tnLst>
+  </p:timing>
+</p:sld>
+</file>
+
+<file path=ppt/slides/slide11.xml><?xml version="1.0" encoding="utf-8"?>
+<p:sld xmlns:a="http://schemas.openxmlformats.org/drawingml/2006/main" xmlns:r="http://schemas.openxmlformats.org/officeDocument/2006/relationships" xmlns:p="http://schemas.openxmlformats.org/presentationml/2006/main">
+  <p:cSld>
+    <p:spTree>
+      <p:nvGrpSpPr>
+        <p:cNvPr id="1" name=""/>
+        <p:cNvGrpSpPr/>
+        <p:nvPr/>
+      </p:nvGrpSpPr>
+      <p:grpSpPr>
+        <a:xfrm>
+          <a:off x="0" y="0"/>
+          <a:ext cx="0" cy="0"/>
+          <a:chOff x="0" y="0"/>
+          <a:chExt cx="0" cy="0"/>
+        </a:xfrm>
+      </p:grpSpPr>
+      <p:sp>
+        <p:nvSpPr>
+          <p:cNvPr id="2" name="Titel 1"/>
+          <p:cNvSpPr>
+            <a:spLocks noGrp="1"/>
+          </p:cNvSpPr>
+          <p:nvPr>
+            <p:ph type="ctrTitle"/>
+          </p:nvPr>
+        </p:nvSpPr>
+        <p:spPr/>
+        <p:txBody>
+          <a:bodyPr/>
+          <a:lstStyle/>
+          <a:p>
+            <a:r>
+              <a:rPr lang="de-CH" dirty="0" smtClean="0"/>
+              <a:t>Voranalyse</a:t>
+            </a:r>
+            <a:endParaRPr lang="de-CH" dirty="0"/>
+          </a:p>
+        </p:txBody>
+      </p:sp>
+      <p:sp>
+        <p:nvSpPr>
+          <p:cNvPr id="3" name="Textplatzhalter 2"/>
+          <p:cNvSpPr>
+            <a:spLocks noGrp="1"/>
+          </p:cNvSpPr>
+          <p:nvPr>
+            <p:ph type="body" idx="1"/>
+          </p:nvPr>
+        </p:nvSpPr>
+        <p:spPr/>
+        <p:txBody>
+          <a:bodyPr/>
+          <a:lstStyle/>
+          <a:p>
+            <a:r>
+              <a:rPr lang="de-CH" dirty="0" smtClean="0"/>
+              <a:t>Gegenüberstellung</a:t>
+            </a:r>
+            <a:endParaRPr lang="de-CH" dirty="0"/>
+          </a:p>
+        </p:txBody>
+      </p:sp>
+      <p:sp>
+        <p:nvSpPr>
+          <p:cNvPr id="4" name="Inhaltsplatzhalter 3"/>
+          <p:cNvSpPr>
+            <a:spLocks noGrp="1"/>
+          </p:cNvSpPr>
+          <p:nvPr>
+            <p:ph sz="half" idx="13"/>
+          </p:nvPr>
+        </p:nvSpPr>
+        <p:spPr/>
+        <p:txBody>
+          <a:bodyPr/>
+          <a:lstStyle/>
+          <a:p>
+            <a:r>
+              <a:rPr lang="de-CH" dirty="0" smtClean="0"/>
+              <a:t>Equalizer</a:t>
+            </a:r>
+          </a:p>
+          <a:p>
+            <a:pPr lvl="1"/>
+            <a:r>
+              <a:rPr lang="de-CH" dirty="0" smtClean="0"/>
+              <a:t>Wrapper nur für Graphik vorhanden, Physik &amp; KI fehlen</a:t>
+            </a:r>
+          </a:p>
+          <a:p>
+            <a:pPr lvl="1"/>
+            <a:endParaRPr lang="de-CH" dirty="0"/>
+          </a:p>
+        </p:txBody>
+      </p:sp>
+    </p:spTree>
+    <p:extLst>
+      <p:ext uri="{BB962C8B-B14F-4D97-AF65-F5344CB8AC3E}">
+        <p14:creationId xmlns:p14="http://schemas.microsoft.com/office/powerpoint/2010/main" val="3831115017"/>
+      </p:ext>
+    </p:extLst>
+  </p:cSld>
+  <p:clrMapOvr>
+    <a:masterClrMapping/>
+  </p:clrMapOvr>
+  <p:timing>
+    <p:tnLst>
+      <p:par>
+        <p:cTn id="1" dur="indefinite" restart="never" nodeType="tmRoot"/>
+      </p:par>
+    </p:tnLst>
+  </p:timing>
+</p:sld>
+</file>
+
+<file path=ppt/slides/slide12.xml><?xml version="1.0" encoding="utf-8"?>
+<p:sld xmlns:a="http://schemas.openxmlformats.org/drawingml/2006/main" xmlns:r="http://schemas.openxmlformats.org/officeDocument/2006/relationships" xmlns:p="http://schemas.openxmlformats.org/presentationml/2006/main">
+  <p:cSld>
+    <p:spTree>
+      <p:nvGrpSpPr>
+        <p:cNvPr id="1" name=""/>
+        <p:cNvGrpSpPr/>
+        <p:nvPr/>
+      </p:nvGrpSpPr>
+      <p:grpSpPr>
+        <a:xfrm>
+          <a:off x="0" y="0"/>
+          <a:ext cx="0" cy="0"/>
+          <a:chOff x="0" y="0"/>
+          <a:chExt cx="0" cy="0"/>
+        </a:xfrm>
+      </p:grpSpPr>
+      <p:sp>
+        <p:nvSpPr>
+          <p:cNvPr id="2" name="Titel 1"/>
+          <p:cNvSpPr>
+            <a:spLocks noGrp="1"/>
+          </p:cNvSpPr>
+          <p:nvPr>
+            <p:ph type="ctrTitle"/>
+          </p:nvPr>
+        </p:nvSpPr>
+        <p:spPr/>
+        <p:txBody>
+          <a:bodyPr/>
+          <a:lstStyle/>
+          <a:p>
+            <a:r>
+              <a:rPr lang="de-CH" dirty="0" smtClean="0"/>
+              <a:t>Voranalyse</a:t>
+            </a:r>
+            <a:endParaRPr lang="de-CH" dirty="0"/>
+          </a:p>
+        </p:txBody>
+      </p:sp>
+      <p:sp>
+        <p:nvSpPr>
+          <p:cNvPr id="3" name="Textplatzhalter 2"/>
+          <p:cNvSpPr>
+            <a:spLocks noGrp="1"/>
+          </p:cNvSpPr>
+          <p:nvPr>
+            <p:ph type="body" idx="1"/>
+          </p:nvPr>
+        </p:nvSpPr>
+        <p:spPr/>
+        <p:txBody>
+          <a:bodyPr/>
+          <a:lstStyle/>
+          <a:p>
+            <a:r>
+              <a:rPr lang="de-CH" dirty="0" smtClean="0"/>
+              <a:t>Gegenüberstellung</a:t>
+            </a:r>
+            <a:endParaRPr lang="de-CH" dirty="0"/>
+          </a:p>
+        </p:txBody>
+      </p:sp>
+      <p:sp>
+        <p:nvSpPr>
+          <p:cNvPr id="4" name="Inhaltsplatzhalter 3"/>
+          <p:cNvSpPr>
+            <a:spLocks noGrp="1"/>
+          </p:cNvSpPr>
+          <p:nvPr>
+            <p:ph sz="half" idx="13"/>
+          </p:nvPr>
+        </p:nvSpPr>
+        <p:spPr/>
+        <p:txBody>
+          <a:bodyPr/>
+          <a:lstStyle/>
+          <a:p>
+            <a:r>
+              <a:rPr lang="de-CH" strike="dblStrike" dirty="0" smtClean="0"/>
+              <a:t>Equalizer</a:t>
+            </a:r>
+          </a:p>
+          <a:p>
+            <a:pPr lvl="1"/>
+            <a:r>
+              <a:rPr lang="de-CH" strike="dblStrike" dirty="0" smtClean="0"/>
+              <a:t>Wrapper nur für Graphik vorhanden, Physik &amp; KI fehlen</a:t>
+            </a:r>
+          </a:p>
+          <a:p>
+            <a:endParaRPr lang="de-CH" dirty="0" smtClean="0"/>
+          </a:p>
+          <a:p>
+            <a:r>
+              <a:rPr lang="de-CH" dirty="0" smtClean="0"/>
+              <a:t>Chromium</a:t>
+            </a:r>
+          </a:p>
+          <a:p>
+            <a:pPr lvl="1"/>
+            <a:r>
+              <a:rPr lang="de-CH" dirty="0" smtClean="0"/>
+              <a:t>Eingestellt, letztes Update 2006</a:t>
+            </a:r>
+          </a:p>
+          <a:p>
+            <a:pPr lvl="1"/>
+            <a:endParaRPr lang="de-CH" dirty="0"/>
+          </a:p>
+          <a:p>
+            <a:pPr lvl="1"/>
+            <a:endParaRPr lang="de-CH" dirty="0"/>
+          </a:p>
+        </p:txBody>
+      </p:sp>
+    </p:spTree>
+    <p:extLst>
+      <p:ext uri="{BB962C8B-B14F-4D97-AF65-F5344CB8AC3E}">
+        <p14:creationId xmlns:p14="http://schemas.microsoft.com/office/powerpoint/2010/main" val="1751337708"/>
+      </p:ext>
+    </p:extLst>
+  </p:cSld>
+  <p:clrMapOvr>
+    <a:masterClrMapping/>
+  </p:clrMapOvr>
+  <p:timing>
+    <p:tnLst>
+      <p:par>
+        <p:cTn id="1" dur="indefinite" restart="never" nodeType="tmRoot"/>
+      </p:par>
+    </p:tnLst>
+  </p:timing>
+</p:sld>
+</file>
+
+<file path=ppt/slides/slide13.xml><?xml version="1.0" encoding="utf-8"?>
+<p:sld xmlns:a="http://schemas.openxmlformats.org/drawingml/2006/main" xmlns:r="http://schemas.openxmlformats.org/officeDocument/2006/relationships" xmlns:p="http://schemas.openxmlformats.org/presentationml/2006/main">
+  <p:cSld>
+    <p:spTree>
+      <p:nvGrpSpPr>
+        <p:cNvPr id="1" name=""/>
+        <p:cNvGrpSpPr/>
+        <p:nvPr/>
+      </p:nvGrpSpPr>
+      <p:grpSpPr>
+        <a:xfrm>
+          <a:off x="0" y="0"/>
+          <a:ext cx="0" cy="0"/>
+          <a:chOff x="0" y="0"/>
+          <a:chExt cx="0" cy="0"/>
+        </a:xfrm>
+      </p:grpSpPr>
+      <p:sp>
+        <p:nvSpPr>
+          <p:cNvPr id="2" name="Titel 1"/>
+          <p:cNvSpPr>
+            <a:spLocks noGrp="1"/>
+          </p:cNvSpPr>
+          <p:nvPr>
+            <p:ph type="ctrTitle"/>
+          </p:nvPr>
+        </p:nvSpPr>
+        <p:spPr/>
+        <p:txBody>
+          <a:bodyPr/>
+          <a:lstStyle/>
+          <a:p>
+            <a:r>
+              <a:rPr lang="de-CH" dirty="0" smtClean="0"/>
+              <a:t>Voranalyse</a:t>
+            </a:r>
+            <a:endParaRPr lang="de-CH" dirty="0"/>
+          </a:p>
+        </p:txBody>
+      </p:sp>
+      <p:sp>
+        <p:nvSpPr>
+          <p:cNvPr id="3" name="Textplatzhalter 2"/>
+          <p:cNvSpPr>
+            <a:spLocks noGrp="1"/>
+          </p:cNvSpPr>
+          <p:nvPr>
+            <p:ph type="body" idx="1"/>
+          </p:nvPr>
+        </p:nvSpPr>
+        <p:spPr/>
+        <p:txBody>
+          <a:bodyPr/>
+          <a:lstStyle/>
+          <a:p>
+            <a:r>
+              <a:rPr lang="de-CH" dirty="0" smtClean="0"/>
+              <a:t>Gegenüberstellung</a:t>
+            </a:r>
+            <a:endParaRPr lang="de-CH" dirty="0"/>
+          </a:p>
+        </p:txBody>
+      </p:sp>
+      <p:sp>
+        <p:nvSpPr>
+          <p:cNvPr id="4" name="Inhaltsplatzhalter 3"/>
+          <p:cNvSpPr>
+            <a:spLocks noGrp="1"/>
+          </p:cNvSpPr>
+          <p:nvPr>
+            <p:ph sz="half" idx="13"/>
+          </p:nvPr>
+        </p:nvSpPr>
+        <p:spPr/>
+        <p:txBody>
+          <a:bodyPr/>
+          <a:lstStyle/>
+          <a:p>
+            <a:r>
+              <a:rPr lang="de-CH" strike="dblStrike" dirty="0" smtClean="0"/>
+              <a:t>Equalizer</a:t>
+            </a:r>
+          </a:p>
+          <a:p>
+            <a:pPr lvl="1"/>
+            <a:r>
+              <a:rPr lang="de-CH" strike="dblStrike" dirty="0" smtClean="0"/>
+              <a:t>Wrapper nur für Graphik vorhanden, Physik &amp; KI fehlen</a:t>
+            </a:r>
+          </a:p>
+          <a:p>
+            <a:endParaRPr lang="de-CH" dirty="0" smtClean="0"/>
+          </a:p>
+          <a:p>
+            <a:r>
+              <a:rPr lang="de-CH" strike="dblStrike" dirty="0" smtClean="0"/>
+              <a:t>Chromium</a:t>
+            </a:r>
+          </a:p>
+          <a:p>
+            <a:pPr lvl="1"/>
+            <a:r>
+              <a:rPr lang="de-CH" strike="dblStrike" dirty="0" smtClean="0"/>
+              <a:t>Eingestellt, letztes Update 2006</a:t>
+            </a:r>
+          </a:p>
+          <a:p>
+            <a:pPr lvl="1"/>
+            <a:endParaRPr lang="de-CH" dirty="0"/>
+          </a:p>
+          <a:p>
+            <a:r>
+              <a:rPr lang="de-CH" dirty="0" smtClean="0"/>
+              <a:t>middleVR</a:t>
+            </a:r>
+          </a:p>
+          <a:p>
+            <a:pPr lvl="1"/>
+            <a:r>
+              <a:rPr lang="de-CH" dirty="0" smtClean="0"/>
+              <a:t>Hohe Kosten</a:t>
+            </a:r>
+          </a:p>
+          <a:p>
+            <a:pPr lvl="1"/>
+            <a:r>
+              <a:rPr lang="de-CH" dirty="0" smtClean="0"/>
+              <a:t>Bietet Lösungen für Cluster und Multi-GPU</a:t>
+            </a:r>
+          </a:p>
+          <a:p>
+            <a:endParaRPr lang="de-CH" dirty="0"/>
+          </a:p>
+        </p:txBody>
+      </p:sp>
+      <p:pic>
+        <p:nvPicPr>
+          <p:cNvPr id="5" name="Grafik 4"/>
+          <p:cNvPicPr/>
+          <p:nvPr/>
+        </p:nvPicPr>
+        <p:blipFill>
+          <a:blip r:embed="rId2">
+            <a:extLst>
+              <a:ext uri="{28A0092B-C50C-407E-A947-70E740481C1C}">
+                <a14:useLocalDpi xmlns:a14="http://schemas.microsoft.com/office/drawing/2010/main" val="0"/>
+              </a:ext>
+            </a:extLst>
+          </a:blip>
+          <a:stretch>
+            <a:fillRect/>
+          </a:stretch>
+        </p:blipFill>
+        <p:spPr>
+          <a:xfrm>
+            <a:off x="178215" y="4213967"/>
+            <a:ext cx="190500" cy="190500"/>
+          </a:xfrm>
+          <a:prstGeom prst="rect">
+            <a:avLst/>
+          </a:prstGeom>
+        </p:spPr>
+      </p:pic>
+    </p:spTree>
+    <p:extLst>
+      <p:ext uri="{BB962C8B-B14F-4D97-AF65-F5344CB8AC3E}">
+        <p14:creationId xmlns:p14="http://schemas.microsoft.com/office/powerpoint/2010/main" val="2019222785"/>
+      </p:ext>
+    </p:extLst>
+  </p:cSld>
+  <p:clrMapOvr>
+    <a:masterClrMapping/>
+  </p:clrMapOvr>
+  <p:timing>
+    <p:tnLst>
+      <p:par>
+        <p:cTn id="1" dur="indefinite" restart="never" nodeType="tmRoot"/>
+      </p:par>
+    </p:tnLst>
+  </p:timing>
+</p:sld>
+</file>
+
+<file path=ppt/slides/slide14.xml><?xml version="1.0" encoding="utf-8"?>
+<p:sld xmlns:a="http://schemas.openxmlformats.org/drawingml/2006/main" xmlns:r="http://schemas.openxmlformats.org/officeDocument/2006/relationships" xmlns:p="http://schemas.openxmlformats.org/presentationml/2006/main">
+  <p:cSld>
+    <p:spTree>
+      <p:nvGrpSpPr>
+        <p:cNvPr id="1" name=""/>
+        <p:cNvGrpSpPr/>
+        <p:nvPr/>
+      </p:nvGrpSpPr>
+      <p:grpSpPr>
+        <a:xfrm>
+          <a:off x="0" y="0"/>
+          <a:ext cx="0" cy="0"/>
+          <a:chOff x="0" y="0"/>
+          <a:chExt cx="0" cy="0"/>
+        </a:xfrm>
+      </p:grpSpPr>
+      <p:sp>
+        <p:nvSpPr>
+          <p:cNvPr id="2" name="Titel 1"/>
+          <p:cNvSpPr>
+            <a:spLocks noGrp="1"/>
+          </p:cNvSpPr>
+          <p:nvPr>
+            <p:ph type="ctrTitle"/>
+          </p:nvPr>
+        </p:nvSpPr>
+        <p:spPr/>
+        <p:txBody>
+          <a:bodyPr/>
+          <a:lstStyle/>
+          <a:p>
+            <a:r>
+              <a:rPr lang="de-CH" dirty="0" smtClean="0"/>
+              <a:t>Voranalyse</a:t>
+            </a:r>
+            <a:endParaRPr lang="de-CH" dirty="0"/>
+          </a:p>
+        </p:txBody>
+      </p:sp>
+      <p:sp>
+        <p:nvSpPr>
+          <p:cNvPr id="3" name="Textplatzhalter 2"/>
+          <p:cNvSpPr>
+            <a:spLocks noGrp="1"/>
+          </p:cNvSpPr>
+          <p:nvPr>
+            <p:ph type="body" idx="1"/>
+          </p:nvPr>
+        </p:nvSpPr>
+        <p:spPr/>
+        <p:txBody>
+          <a:bodyPr/>
+          <a:lstStyle/>
+          <a:p>
+            <a:r>
+              <a:rPr lang="de-CH" dirty="0" smtClean="0"/>
+              <a:t>Gegenüberstellung</a:t>
+            </a:r>
+            <a:endParaRPr lang="de-CH" dirty="0"/>
+          </a:p>
+        </p:txBody>
+      </p:sp>
+      <p:sp>
+        <p:nvSpPr>
+          <p:cNvPr id="4" name="Inhaltsplatzhalter 3"/>
+          <p:cNvSpPr>
+            <a:spLocks noGrp="1"/>
+          </p:cNvSpPr>
+          <p:nvPr>
+            <p:ph sz="half" idx="13"/>
+          </p:nvPr>
+        </p:nvSpPr>
+        <p:spPr/>
+        <p:txBody>
+          <a:bodyPr/>
+          <a:lstStyle/>
+          <a:p>
+            <a:r>
+              <a:rPr lang="de-CH" strike="dblStrike" dirty="0" smtClean="0"/>
+              <a:t>Equalizer</a:t>
+            </a:r>
+          </a:p>
+          <a:p>
+            <a:pPr lvl="1"/>
+            <a:r>
+              <a:rPr lang="de-CH" strike="dblStrike" dirty="0" smtClean="0"/>
+              <a:t>Wrapper nur für Graphik vorhanden, Physik &amp; KI fehlen</a:t>
+            </a:r>
+          </a:p>
+          <a:p>
+            <a:endParaRPr lang="de-CH" dirty="0" smtClean="0"/>
+          </a:p>
+          <a:p>
+            <a:r>
+              <a:rPr lang="de-CH" strike="dblStrike" dirty="0" smtClean="0"/>
+              <a:t>Chromium</a:t>
+            </a:r>
+          </a:p>
+          <a:p>
+            <a:pPr lvl="1"/>
+            <a:r>
+              <a:rPr lang="de-CH" strike="dblStrike" dirty="0" smtClean="0"/>
+              <a:t>Eingestellt, letztes Update 2006</a:t>
+            </a:r>
+          </a:p>
+          <a:p>
+            <a:pPr lvl="1"/>
+            <a:endParaRPr lang="de-CH" dirty="0"/>
+          </a:p>
+          <a:p>
+            <a:r>
+              <a:rPr lang="de-CH" dirty="0" smtClean="0"/>
+              <a:t>middleVR</a:t>
+            </a:r>
+          </a:p>
+          <a:p>
+            <a:pPr lvl="1"/>
+            <a:r>
+              <a:rPr lang="de-CH" dirty="0" smtClean="0"/>
+              <a:t>Hohe Kosten</a:t>
+            </a:r>
+          </a:p>
+          <a:p>
+            <a:pPr lvl="1"/>
+            <a:r>
+              <a:rPr lang="de-CH" dirty="0" smtClean="0"/>
+              <a:t>Bietet Lösungen für Cluster und Multi-GPU</a:t>
+            </a:r>
+          </a:p>
+          <a:p>
+            <a:pPr lvl="1"/>
+            <a:endParaRPr lang="de-CH" dirty="0" smtClean="0"/>
+          </a:p>
+          <a:p>
+            <a:r>
+              <a:rPr lang="de-CH" dirty="0" smtClean="0"/>
+              <a:t>Eigene Lösung</a:t>
+            </a:r>
+          </a:p>
+          <a:p>
+            <a:pPr lvl="1"/>
+            <a:r>
+              <a:rPr lang="de-CH" dirty="0" smtClean="0"/>
+              <a:t>Keine Restrektionen </a:t>
+            </a:r>
+          </a:p>
+          <a:p>
+            <a:endParaRPr lang="de-CH" dirty="0"/>
+          </a:p>
+        </p:txBody>
+      </p:sp>
+      <p:pic>
+        <p:nvPicPr>
+          <p:cNvPr id="5" name="Grafik 4"/>
+          <p:cNvPicPr/>
+          <p:nvPr/>
+        </p:nvPicPr>
+        <p:blipFill>
+          <a:blip r:embed="rId2">
+            <a:extLst>
+              <a:ext uri="{28A0092B-C50C-407E-A947-70E740481C1C}">
+                <a14:useLocalDpi xmlns:a14="http://schemas.microsoft.com/office/drawing/2010/main" val="0"/>
+              </a:ext>
+            </a:extLst>
+          </a:blip>
+          <a:stretch>
+            <a:fillRect/>
+          </a:stretch>
+        </p:blipFill>
+        <p:spPr>
+          <a:xfrm>
+            <a:off x="178215" y="4213967"/>
+            <a:ext cx="190500" cy="190500"/>
+          </a:xfrm>
+          <a:prstGeom prst="rect">
+            <a:avLst/>
+          </a:prstGeom>
+        </p:spPr>
+      </p:pic>
+      <p:pic>
+        <p:nvPicPr>
+          <p:cNvPr id="6" name="Grafik 5"/>
+          <p:cNvPicPr/>
+          <p:nvPr/>
+        </p:nvPicPr>
+        <p:blipFill>
+          <a:blip r:embed="rId2">
+            <a:extLst>
+              <a:ext uri="{28A0092B-C50C-407E-A947-70E740481C1C}">
+                <a14:useLocalDpi xmlns:a14="http://schemas.microsoft.com/office/drawing/2010/main" val="0"/>
+              </a:ext>
+            </a:extLst>
+          </a:blip>
+          <a:stretch>
+            <a:fillRect/>
+          </a:stretch>
+        </p:blipFill>
+        <p:spPr>
+          <a:xfrm>
+            <a:off x="178215" y="5528595"/>
+            <a:ext cx="190500" cy="190500"/>
+          </a:xfrm>
+          <a:prstGeom prst="rect">
+            <a:avLst/>
+          </a:prstGeom>
+        </p:spPr>
+      </p:pic>
+    </p:spTree>
+    <p:extLst>
+      <p:ext uri="{BB962C8B-B14F-4D97-AF65-F5344CB8AC3E}">
+        <p14:creationId xmlns:p14="http://schemas.microsoft.com/office/powerpoint/2010/main" val="4250249929"/>
+      </p:ext>
+    </p:extLst>
+  </p:cSld>
+  <p:clrMapOvr>
+    <a:masterClrMapping/>
+  </p:clrMapOvr>
+  <p:timing>
+    <p:tnLst>
+      <p:par>
+        <p:cTn id="1" dur="indefinite" restart="never" nodeType="tmRoot"/>
+      </p:par>
+    </p:tnLst>
+  </p:timing>
+</p:sld>
+</file>
+
+<file path=ppt/slides/slide15.xml><?xml version="1.0" encoding="utf-8"?>
+<p:sld xmlns:a="http://schemas.openxmlformats.org/drawingml/2006/main" xmlns:r="http://schemas.openxmlformats.org/officeDocument/2006/relationships" xmlns:p="http://schemas.openxmlformats.org/presentationml/2006/main">
+  <p:cSld>
+    <p:spTree>
+      <p:nvGrpSpPr>
+        <p:cNvPr id="1" name=""/>
+        <p:cNvGrpSpPr/>
+        <p:nvPr/>
+      </p:nvGrpSpPr>
+      <p:grpSpPr>
+        <a:xfrm>
+          <a:off x="0" y="0"/>
+          <a:ext cx="0" cy="0"/>
+          <a:chOff x="0" y="0"/>
+          <a:chExt cx="0" cy="0"/>
+        </a:xfrm>
+      </p:grpSpPr>
+      <p:sp>
+        <p:nvSpPr>
+          <p:cNvPr id="2" name="Titel 1"/>
+          <p:cNvSpPr>
+            <a:spLocks noGrp="1"/>
+          </p:cNvSpPr>
+          <p:nvPr>
+            <p:ph type="ctrTitle"/>
+          </p:nvPr>
+        </p:nvSpPr>
+        <p:spPr/>
+        <p:txBody>
+          <a:bodyPr/>
+          <a:lstStyle/>
+          <a:p>
+            <a:r>
+              <a:rPr lang="de-CH" dirty="0" smtClean="0"/>
+              <a:t>Voranalyse</a:t>
+            </a:r>
+            <a:endParaRPr lang="de-CH" dirty="0"/>
+          </a:p>
+        </p:txBody>
+      </p:sp>
+      <p:sp>
+        <p:nvSpPr>
+          <p:cNvPr id="3" name="Textplatzhalter 2"/>
+          <p:cNvSpPr>
+            <a:spLocks noGrp="1"/>
+          </p:cNvSpPr>
+          <p:nvPr>
+            <p:ph type="body" idx="1"/>
+          </p:nvPr>
+        </p:nvSpPr>
+        <p:spPr/>
+        <p:txBody>
+          <a:bodyPr/>
+          <a:lstStyle/>
+          <a:p>
+            <a:r>
+              <a:rPr lang="de-CH" dirty="0" smtClean="0"/>
+              <a:t>Entscheid</a:t>
+            </a:r>
+            <a:endParaRPr lang="de-CH" dirty="0"/>
+          </a:p>
+        </p:txBody>
+      </p:sp>
+      <p:pic>
+        <p:nvPicPr>
+          <p:cNvPr id="3074" name="Picture 2" descr="http://i.ytimg.com/vi/kNsPR8KR-Ac/maxresdefault.jpg"/>
+          <p:cNvPicPr>
+            <a:picLocks noGrp="1" noChangeAspect="1" noChangeArrowheads="1"/>
+          </p:cNvPicPr>
+          <p:nvPr>
+            <p:ph sz="half" idx="13"/>
+          </p:nvPr>
+        </p:nvPicPr>
+        <p:blipFill>
+          <a:blip r:embed="rId2">
+            <a:extLst>
+              <a:ext uri="{28A0092B-C50C-407E-A947-70E740481C1C}">
+                <a14:useLocalDpi xmlns:a14="http://schemas.microsoft.com/office/drawing/2010/main" val="0"/>
+              </a:ext>
+            </a:extLst>
+          </a:blip>
+          <a:srcRect/>
+          <a:stretch>
+            <a:fillRect/>
+          </a:stretch>
+        </p:blipFill>
+        <p:spPr bwMode="auto">
+          <a:xfrm>
+            <a:off x="559716" y="4320000"/>
+            <a:ext cx="2994190" cy="1778549"/>
+          </a:xfrm>
+          <a:prstGeom prst="rect">
+            <a:avLst/>
+          </a:prstGeom>
+          <a:noFill/>
+          <a:extLst>
+            <a:ext uri="{909E8E84-426E-40DD-AFC4-6F175D3DCCD1}">
+              <a14:hiddenFill xmlns:a14="http://schemas.microsoft.com/office/drawing/2010/main">
+                <a:solidFill>
+                  <a:srgbClr val="FFFFFF"/>
+                </a:solidFill>
+              </a14:hiddenFill>
+            </a:ext>
+          </a:extLst>
+        </p:spPr>
+      </p:pic>
+      <p:pic>
+        <p:nvPicPr>
+          <p:cNvPr id="3078" name="Picture 6" descr="http://www.gripati.com/files/unity-code-screen.png"/>
+          <p:cNvPicPr>
+            <a:picLocks noChangeAspect="1" noChangeArrowheads="1"/>
+          </p:cNvPicPr>
+          <p:nvPr/>
+        </p:nvPicPr>
+        <p:blipFill>
+          <a:blip r:embed="rId3">
+            <a:extLst>
+              <a:ext uri="{28A0092B-C50C-407E-A947-70E740481C1C}">
+                <a14:useLocalDpi xmlns:a14="http://schemas.microsoft.com/office/drawing/2010/main" val="0"/>
+              </a:ext>
+            </a:extLst>
+          </a:blip>
+          <a:srcRect/>
+          <a:stretch>
+            <a:fillRect/>
+          </a:stretch>
+        </p:blipFill>
+        <p:spPr bwMode="auto">
+          <a:xfrm>
+            <a:off x="4038445" y="1440000"/>
+            <a:ext cx="4518284" cy="2880000"/>
+          </a:xfrm>
+          <a:prstGeom prst="rect">
+            <a:avLst/>
+          </a:prstGeom>
+          <a:noFill/>
+          <a:extLst>
+            <a:ext uri="{909E8E84-426E-40DD-AFC4-6F175D3DCCD1}">
+              <a14:hiddenFill xmlns:a14="http://schemas.microsoft.com/office/drawing/2010/main">
+                <a:solidFill>
+                  <a:srgbClr val="FFFFFF"/>
+                </a:solidFill>
+              </a14:hiddenFill>
+            </a:ext>
+          </a:extLst>
+        </p:spPr>
+      </p:pic>
+    </p:spTree>
+    <p:extLst>
+      <p:ext uri="{BB962C8B-B14F-4D97-AF65-F5344CB8AC3E}">
+        <p14:creationId xmlns:p14="http://schemas.microsoft.com/office/powerpoint/2010/main" val="2194756079"/>
+      </p:ext>
+    </p:extLst>
+  </p:cSld>
+  <p:clrMapOvr>
+    <a:masterClrMapping/>
+  </p:clrMapOvr>
+  <p:timing>
+    <p:tnLst>
+      <p:par>
+        <p:cTn id="1" dur="indefinite" restart="never" nodeType="tmRoot"/>
+      </p:par>
+    </p:tnLst>
+  </p:timing>
+</p:sld>
+</file>
+
+<file path=ppt/slides/slide16.xml><?xml version="1.0" encoding="utf-8"?>
+<p:sld xmlns:a="http://schemas.openxmlformats.org/drawingml/2006/main" xmlns:r="http://schemas.openxmlformats.org/officeDocument/2006/relationships" xmlns:p="http://schemas.openxmlformats.org/presentationml/2006/main">
+  <p:cSld>
+    <p:spTree>
+      <p:nvGrpSpPr>
+        <p:cNvPr id="1" name=""/>
+        <p:cNvGrpSpPr/>
+        <p:nvPr/>
+      </p:nvGrpSpPr>
+      <p:grpSpPr>
+        <a:xfrm>
+          <a:off x="0" y="0"/>
+          <a:ext cx="0" cy="0"/>
+          <a:chOff x="0" y="0"/>
+          <a:chExt cx="0" cy="0"/>
+        </a:xfrm>
+      </p:grpSpPr>
+      <p:sp>
+        <p:nvSpPr>
+          <p:cNvPr id="5" name="Titel 4"/>
+          <p:cNvSpPr>
+            <a:spLocks noGrp="1"/>
+          </p:cNvSpPr>
+          <p:nvPr>
+            <p:ph type="ctrTitle"/>
+          </p:nvPr>
+        </p:nvSpPr>
+        <p:spPr/>
+        <p:txBody>
+          <a:bodyPr/>
+          <a:lstStyle/>
+          <a:p>
+            <a:r>
+              <a:rPr lang="de-CH" dirty="0" smtClean="0"/>
+              <a:t>Ausgangslage </a:t>
+            </a:r>
+            <a:r>
+              <a:rPr lang="de-CH" dirty="0" err="1" smtClean="0"/>
+              <a:t>Prototyping</a:t>
+            </a:r>
+            <a:endParaRPr lang="de-CH" dirty="0"/>
+          </a:p>
+        </p:txBody>
+      </p:sp>
+      <p:sp>
+        <p:nvSpPr>
+          <p:cNvPr id="6" name="Untertitel 5"/>
+          <p:cNvSpPr>
+            <a:spLocks noGrp="1"/>
+          </p:cNvSpPr>
+          <p:nvPr>
+            <p:ph type="subTitle" idx="1"/>
+          </p:nvPr>
+        </p:nvSpPr>
+        <p:spPr/>
+        <p:txBody>
+          <a:bodyPr/>
+          <a:lstStyle/>
+          <a:p>
+            <a:endParaRPr lang="de-CH"/>
+          </a:p>
+        </p:txBody>
+      </p:sp>
+    </p:spTree>
+    <p:extLst>
+      <p:ext uri="{BB962C8B-B14F-4D97-AF65-F5344CB8AC3E}">
+        <p14:creationId xmlns:p14="http://schemas.microsoft.com/office/powerpoint/2010/main" val="649087481"/>
+      </p:ext>
+    </p:extLst>
+  </p:cSld>
+  <p:clrMapOvr>
+    <a:masterClrMapping/>
+  </p:clrMapOvr>
+  <p:timing>
+    <p:tnLst>
+      <p:par>
+        <p:cTn id="1" dur="indefinite" restart="never" nodeType="tmRoot"/>
+      </p:par>
+    </p:tnLst>
+  </p:timing>
+</p:sld>
+</file>
+
+<file path=ppt/slides/slide17.xml><?xml version="1.0" encoding="utf-8"?>
+<p:sld xmlns:a="http://schemas.openxmlformats.org/drawingml/2006/main" xmlns:r="http://schemas.openxmlformats.org/officeDocument/2006/relationships" xmlns:p="http://schemas.openxmlformats.org/presentationml/2006/main">
+  <p:cSld>
+    <p:spTree>
+      <p:nvGrpSpPr>
+        <p:cNvPr id="1" name=""/>
+        <p:cNvGrpSpPr/>
+        <p:nvPr/>
+      </p:nvGrpSpPr>
+      <p:grpSpPr>
+        <a:xfrm>
+          <a:off x="0" y="0"/>
+          <a:ext cx="0" cy="0"/>
+          <a:chOff x="0" y="0"/>
+          <a:chExt cx="0" cy="0"/>
+        </a:xfrm>
+      </p:grpSpPr>
+      <p:pic>
+        <p:nvPicPr>
+          <p:cNvPr id="4" name="Inhaltsplatzhalter 3"/>
+          <p:cNvPicPr>
+            <a:picLocks noGrp="1" noChangeAspect="1"/>
+          </p:cNvPicPr>
+          <p:nvPr>
+            <p:ph sz="half" idx="1"/>
+          </p:nvPr>
+        </p:nvPicPr>
+        <p:blipFill>
+          <a:blip r:embed="rId3">
+            <a:extLst>
+              <a:ext uri="{28A0092B-C50C-407E-A947-70E740481C1C}">
+                <a14:useLocalDpi xmlns:a14="http://schemas.microsoft.com/office/drawing/2010/main" val="0"/>
+              </a:ext>
+            </a:extLst>
+          </a:blip>
+          <a:stretch>
+            <a:fillRect/>
+          </a:stretch>
+        </p:blipFill>
+        <p:spPr>
+          <a:xfrm>
+            <a:off x="1098484" y="1439863"/>
+            <a:ext cx="6839083" cy="4679950"/>
+          </a:xfrm>
+        </p:spPr>
+      </p:pic>
+      <p:sp>
+        <p:nvSpPr>
+          <p:cNvPr id="3" name="Titel 2"/>
+          <p:cNvSpPr>
+            <a:spLocks noGrp="1"/>
+          </p:cNvSpPr>
+          <p:nvPr>
+            <p:ph type="ctrTitle"/>
+          </p:nvPr>
+        </p:nvSpPr>
+        <p:spPr/>
+        <p:txBody>
+          <a:bodyPr/>
+          <a:lstStyle/>
+          <a:p>
+            <a:r>
+              <a:rPr lang="de-CH" dirty="0"/>
+              <a:t>Ausgangslage </a:t>
+            </a:r>
+            <a:r>
+              <a:rPr lang="de-CH" dirty="0" err="1"/>
+              <a:t>Prototyping</a:t>
+            </a:r>
+            <a:endParaRPr lang="de-CH" dirty="0"/>
+          </a:p>
+        </p:txBody>
+      </p:sp>
+    </p:spTree>
+    <p:extLst>
+      <p:ext uri="{BB962C8B-B14F-4D97-AF65-F5344CB8AC3E}">
+        <p14:creationId xmlns:p14="http://schemas.microsoft.com/office/powerpoint/2010/main" val="3006203620"/>
+      </p:ext>
+    </p:extLst>
+  </p:cSld>
+  <p:clrMapOvr>
+    <a:masterClrMapping/>
+  </p:clrMapOvr>
+  <p:timing>
+    <p:tnLst>
+      <p:par>
+        <p:cTn id="1" dur="indefinite" restart="never" nodeType="tmRoot"/>
+      </p:par>
+    </p:tnLst>
+  </p:timing>
+</p:sld>
+</file>
+
+<file path=ppt/slides/slide18.xml><?xml version="1.0" encoding="utf-8"?>
+<p:sld xmlns:a="http://schemas.openxmlformats.org/drawingml/2006/main" xmlns:r="http://schemas.openxmlformats.org/officeDocument/2006/relationships" xmlns:p="http://schemas.openxmlformats.org/presentationml/2006/main">
+  <p:cSld>
+    <p:spTree>
+      <p:nvGrpSpPr>
+        <p:cNvPr id="1" name=""/>
+        <p:cNvGrpSpPr/>
+        <p:nvPr/>
+      </p:nvGrpSpPr>
+      <p:grpSpPr>
+        <a:xfrm>
+          <a:off x="0" y="0"/>
+          <a:ext cx="0" cy="0"/>
+          <a:chOff x="0" y="0"/>
+          <a:chExt cx="0" cy="0"/>
+        </a:xfrm>
+      </p:grpSpPr>
+      <p:sp>
+        <p:nvSpPr>
+          <p:cNvPr id="7" name="Titel 6"/>
+          <p:cNvSpPr>
+            <a:spLocks noGrp="1"/>
+          </p:cNvSpPr>
+          <p:nvPr>
+            <p:ph type="ctrTitle"/>
+          </p:nvPr>
+        </p:nvSpPr>
+        <p:spPr/>
+        <p:txBody>
+          <a:bodyPr/>
+          <a:lstStyle/>
+          <a:p>
+            <a:r>
+              <a:rPr lang="de-CH" dirty="0"/>
+              <a:t>Ausgangslage </a:t>
+            </a:r>
+            <a:r>
+              <a:rPr lang="de-CH" dirty="0" err="1"/>
+              <a:t>Prototyping</a:t>
+            </a:r>
+            <a:endParaRPr lang="de-CH" dirty="0"/>
+          </a:p>
+        </p:txBody>
+      </p:sp>
+      <p:graphicFrame>
+        <p:nvGraphicFramePr>
+          <p:cNvPr id="2" name="Inhaltsplatzhalter 1"/>
+          <p:cNvGraphicFramePr>
+            <a:graphicFrameLocks noGrp="1"/>
+          </p:cNvGraphicFramePr>
+          <p:nvPr>
+            <p:ph sz="half" idx="13"/>
+            <p:extLst/>
+          </p:nvPr>
+        </p:nvGraphicFramePr>
+        <p:xfrm>
+          <a:off x="468313" y="1980000"/>
+          <a:ext cx="3959225" cy="2494280"/>
+        </p:xfrm>
+        <a:graphic>
+          <a:graphicData uri="http://schemas.openxmlformats.org/drawingml/2006/table">
+            <a:tbl>
+              <a:tblPr firstRow="1" bandRow="1">
+                <a:tableStyleId>{5C22544A-7EE6-4342-B048-85BDC9FD1C3A}</a:tableStyleId>
+              </a:tblPr>
+              <a:tblGrid>
+                <a:gridCol w="3959225"/>
+              </a:tblGrid>
+              <a:tr h="370840">
+                <a:tc>
+                  <a:txBody>
+                    <a:bodyPr/>
+                    <a:lstStyle/>
+                    <a:p>
+                      <a:endParaRPr lang="de-CH" dirty="0"/>
+                    </a:p>
+                  </a:txBody>
+                  <a:tcPr/>
+                </a:tc>
+              </a:tr>
+              <a:tr h="370840">
+                <a:tc>
+                  <a:txBody>
+                    <a:bodyPr/>
+                    <a:lstStyle/>
+                    <a:p>
+                      <a:pPr marL="285750" indent="-285750">
+                        <a:buFont typeface="Arial" panose="020B0604020202020204" pitchFamily="34" charset="0"/>
+                        <a:buChar char="•"/>
+                      </a:pPr>
+                      <a:r>
+                        <a:rPr lang="de-CH" dirty="0" smtClean="0"/>
+                        <a:t>Verteiltes Rendering</a:t>
+                      </a:r>
+                      <a:endParaRPr lang="de-CH" dirty="0"/>
+                    </a:p>
+                  </a:txBody>
+                  <a:tcPr/>
+                </a:tc>
+              </a:tr>
+              <a:tr h="370840">
+                <a:tc>
+                  <a:txBody>
+                    <a:bodyPr/>
+                    <a:lstStyle/>
+                    <a:p>
+                      <a:pPr marL="285750" marR="0" indent="-285750" algn="l" defTabSz="457200" rtl="0" eaLnBrk="1" fontAlgn="auto" latinLnBrk="0" hangingPunct="1">
+                        <a:lnSpc>
+                          <a:spcPct val="100000"/>
+                        </a:lnSpc>
+                        <a:spcBef>
+                          <a:spcPts val="0"/>
+                        </a:spcBef>
+                        <a:spcAft>
+                          <a:spcPts val="0"/>
+                        </a:spcAft>
+                        <a:buClrTx/>
+                        <a:buSzTx/>
+                        <a:buFont typeface="Arial" panose="020B0604020202020204" pitchFamily="34" charset="0"/>
+                        <a:buChar char="•"/>
+                        <a:tabLst/>
+                        <a:defRPr/>
+                      </a:pPr>
+                      <a:r>
+                        <a:rPr lang="de-CH" dirty="0" smtClean="0"/>
+                        <a:t>Keine Netzwerk-Einschränkungen</a:t>
+                      </a:r>
+                    </a:p>
+                  </a:txBody>
+                  <a:tcPr/>
+                </a:tc>
+              </a:tr>
+              <a:tr h="370840">
+                <a:tc>
+                  <a:txBody>
+                    <a:bodyPr/>
+                    <a:lstStyle/>
+                    <a:p>
+                      <a:endParaRPr lang="de-CH"/>
+                    </a:p>
+                  </a:txBody>
+                  <a:tcPr/>
+                </a:tc>
+              </a:tr>
+              <a:tr h="370840">
+                <a:tc>
+                  <a:txBody>
+                    <a:bodyPr/>
+                    <a:lstStyle/>
+                    <a:p>
+                      <a:endParaRPr lang="de-CH" dirty="0"/>
+                    </a:p>
+                  </a:txBody>
+                  <a:tcPr/>
+                </a:tc>
+              </a:tr>
+              <a:tr h="370840">
+                <a:tc>
+                  <a:txBody>
+                    <a:bodyPr/>
+                    <a:lstStyle/>
+                    <a:p>
+                      <a:endParaRPr lang="de-CH" dirty="0"/>
+                    </a:p>
+                  </a:txBody>
+                  <a:tcPr/>
+                </a:tc>
+              </a:tr>
+            </a:tbl>
+          </a:graphicData>
+        </a:graphic>
+      </p:graphicFrame>
+      <p:graphicFrame>
+        <p:nvGraphicFramePr>
+          <p:cNvPr id="3" name="Inhaltsplatzhalter 2"/>
+          <p:cNvGraphicFramePr>
+            <a:graphicFrameLocks noGrp="1"/>
+          </p:cNvGraphicFramePr>
+          <p:nvPr>
+            <p:ph sz="half" idx="15"/>
+            <p:extLst/>
+          </p:nvPr>
+        </p:nvGraphicFramePr>
+        <p:xfrm>
+          <a:off x="4589463" y="1980000"/>
+          <a:ext cx="4051300" cy="2225040"/>
+        </p:xfrm>
+        <a:graphic>
+          <a:graphicData uri="http://schemas.openxmlformats.org/drawingml/2006/table">
+            <a:tbl>
+              <a:tblPr firstRow="1" bandRow="1">
+                <a:tableStyleId>{5C22544A-7EE6-4342-B048-85BDC9FD1C3A}</a:tableStyleId>
+              </a:tblPr>
+              <a:tblGrid>
+                <a:gridCol w="4051300"/>
+              </a:tblGrid>
+              <a:tr h="370840">
+                <a:tc>
+                  <a:txBody>
+                    <a:bodyPr/>
+                    <a:lstStyle/>
+                    <a:p>
+                      <a:endParaRPr lang="de-CH" dirty="0"/>
+                    </a:p>
+                  </a:txBody>
+                  <a:tcPr/>
+                </a:tc>
+              </a:tr>
+              <a:tr h="370840">
+                <a:tc>
+                  <a:txBody>
+                    <a:bodyPr/>
+                    <a:lstStyle/>
+                    <a:p>
+                      <a:pPr marL="285750" marR="0" indent="-285750" algn="l" defTabSz="457200" rtl="0" eaLnBrk="1" fontAlgn="auto" latinLnBrk="0" hangingPunct="1">
+                        <a:lnSpc>
+                          <a:spcPct val="100000"/>
+                        </a:lnSpc>
+                        <a:spcBef>
+                          <a:spcPts val="0"/>
+                        </a:spcBef>
+                        <a:spcAft>
+                          <a:spcPts val="0"/>
+                        </a:spcAft>
+                        <a:buClrTx/>
+                        <a:buSzTx/>
+                        <a:buFont typeface="Arial" panose="020B0604020202020204" pitchFamily="34" charset="0"/>
+                        <a:buChar char="•"/>
+                        <a:tabLst/>
+                        <a:defRPr/>
+                      </a:pPr>
+                      <a:r>
+                        <a:rPr lang="de-CH" dirty="0" smtClean="0"/>
+                        <a:t>Synchronisierung</a:t>
+                      </a:r>
+                    </a:p>
+                  </a:txBody>
+                  <a:tcPr/>
+                </a:tc>
+              </a:tr>
+              <a:tr h="370840">
+                <a:tc>
+                  <a:txBody>
+                    <a:bodyPr/>
+                    <a:lstStyle/>
+                    <a:p>
+                      <a:pPr marL="285750" indent="-285750">
+                        <a:buFont typeface="Arial" panose="020B0604020202020204" pitchFamily="34" charset="0"/>
+                        <a:buChar char="•"/>
+                      </a:pPr>
+                      <a:r>
+                        <a:rPr lang="de-CH" dirty="0" smtClean="0"/>
+                        <a:t>Flaschenhals CPU</a:t>
+                      </a:r>
+                      <a:endParaRPr lang="de-CH" dirty="0"/>
+                    </a:p>
+                  </a:txBody>
+                  <a:tcPr/>
+                </a:tc>
+              </a:tr>
+              <a:tr h="370840">
+                <a:tc>
+                  <a:txBody>
+                    <a:bodyPr/>
+                    <a:lstStyle/>
+                    <a:p>
+                      <a:pPr marL="285750" marR="0" indent="-285750" algn="l" defTabSz="457200" rtl="0" eaLnBrk="1" fontAlgn="auto" latinLnBrk="0" hangingPunct="1">
+                        <a:lnSpc>
+                          <a:spcPct val="100000"/>
+                        </a:lnSpc>
+                        <a:spcBef>
+                          <a:spcPts val="0"/>
+                        </a:spcBef>
+                        <a:spcAft>
+                          <a:spcPts val="0"/>
+                        </a:spcAft>
+                        <a:buClrTx/>
+                        <a:buSzTx/>
+                        <a:buFont typeface="Arial" panose="020B0604020202020204" pitchFamily="34" charset="0"/>
+                        <a:buChar char="•"/>
+                        <a:tabLst/>
+                        <a:defRPr/>
+                      </a:pPr>
+                      <a:r>
+                        <a:rPr lang="de-CH" dirty="0" smtClean="0"/>
+                        <a:t>Anzahl</a:t>
+                      </a:r>
+                      <a:r>
+                        <a:rPr lang="de-CH" baseline="0" dirty="0" smtClean="0"/>
+                        <a:t> Screens beschränkt</a:t>
+                      </a:r>
+                      <a:endParaRPr lang="de-CH" dirty="0" smtClean="0"/>
+                    </a:p>
+                  </a:txBody>
+                  <a:tcPr/>
+                </a:tc>
+              </a:tr>
+              <a:tr h="370840">
+                <a:tc>
+                  <a:txBody>
+                    <a:bodyPr/>
+                    <a:lstStyle/>
+                    <a:p>
+                      <a:pPr marL="0" marR="0" indent="0" algn="l" defTabSz="457200" rtl="0" eaLnBrk="1" fontAlgn="auto" latinLnBrk="0" hangingPunct="1">
+                        <a:lnSpc>
+                          <a:spcPct val="100000"/>
+                        </a:lnSpc>
+                        <a:spcBef>
+                          <a:spcPts val="0"/>
+                        </a:spcBef>
+                        <a:spcAft>
+                          <a:spcPts val="0"/>
+                        </a:spcAft>
+                        <a:buClrTx/>
+                        <a:buSzTx/>
+                        <a:buFontTx/>
+                        <a:buNone/>
+                        <a:tabLst/>
+                        <a:defRPr/>
+                      </a:pPr>
+                      <a:endParaRPr lang="de-CH" dirty="0" smtClean="0"/>
+                    </a:p>
+                  </a:txBody>
+                  <a:tcPr/>
+                </a:tc>
+              </a:tr>
+              <a:tr h="370840">
+                <a:tc>
+                  <a:txBody>
+                    <a:bodyPr/>
+                    <a:lstStyle/>
+                    <a:p>
+                      <a:endParaRPr lang="de-CH" dirty="0"/>
+                    </a:p>
+                  </a:txBody>
+                  <a:tcPr/>
+                </a:tc>
+              </a:tr>
+            </a:tbl>
+          </a:graphicData>
+        </a:graphic>
+      </p:graphicFrame>
+      <p:sp>
+        <p:nvSpPr>
+          <p:cNvPr id="12" name="Textplatzhalter 2"/>
+          <p:cNvSpPr txBox="1">
+            <a:spLocks/>
+          </p:cNvSpPr>
+          <p:nvPr/>
+        </p:nvSpPr>
+        <p:spPr>
+          <a:xfrm>
+            <a:off x="468000" y="1440000"/>
+            <a:ext cx="8100000" cy="540000"/>
+          </a:xfrm>
+          <a:prstGeom prst="rect">
+            <a:avLst/>
+          </a:prstGeom>
+        </p:spPr>
+        <p:txBody>
+          <a:bodyPr lIns="0" rIns="0" anchor="t" anchorCtr="0"/>
+          <a:lstStyle>
+            <a:lvl1pPr marL="0" indent="0" algn="l" defTabSz="457200" rtl="0" eaLnBrk="1" fontAlgn="base" hangingPunct="1">
+              <a:spcBef>
+                <a:spcPct val="20000"/>
+              </a:spcBef>
+              <a:spcAft>
+                <a:spcPct val="0"/>
+              </a:spcAft>
+              <a:buFont typeface="Arial" pitchFamily="34" charset="0"/>
+              <a:buNone/>
+              <a:defRPr sz="1800" b="0" i="0" kern="1200" baseline="0">
+                <a:solidFill>
+                  <a:srgbClr val="697D91"/>
+                </a:solidFill>
+                <a:latin typeface="Lucida Sans"/>
+                <a:ea typeface="MS PGothic" pitchFamily="34" charset="-128"/>
+                <a:cs typeface="Lucida Sans"/>
+              </a:defRPr>
+            </a:lvl1pPr>
+            <a:lvl2pPr marL="457200" indent="0" algn="l" defTabSz="457200" rtl="0" eaLnBrk="1" fontAlgn="base" hangingPunct="1">
+              <a:spcBef>
+                <a:spcPct val="20000"/>
+              </a:spcBef>
+              <a:spcAft>
+                <a:spcPct val="0"/>
+              </a:spcAft>
+              <a:buFont typeface="Arial" pitchFamily="34" charset="0"/>
+              <a:buNone/>
+              <a:defRPr sz="2000" b="1" kern="1200">
+                <a:solidFill>
+                  <a:schemeClr val="tx1"/>
+                </a:solidFill>
+                <a:latin typeface="+mn-lt"/>
+                <a:ea typeface="MS PGothic" pitchFamily="34" charset="-128"/>
+                <a:cs typeface="+mn-cs"/>
+              </a:defRPr>
+            </a:lvl2pPr>
+            <a:lvl3pPr marL="914400" indent="0" algn="l" defTabSz="457200" rtl="0" eaLnBrk="1" fontAlgn="base" hangingPunct="1">
+              <a:spcBef>
+                <a:spcPct val="20000"/>
+              </a:spcBef>
+              <a:spcAft>
+                <a:spcPct val="0"/>
+              </a:spcAft>
+              <a:buFont typeface="Arial" pitchFamily="34" charset="0"/>
+              <a:buNone/>
+              <a:defRPr sz="1800" b="1" kern="1200">
+                <a:solidFill>
+                  <a:schemeClr val="tx1"/>
+                </a:solidFill>
+                <a:latin typeface="+mn-lt"/>
+                <a:ea typeface="MS PGothic" pitchFamily="34" charset="-128"/>
+                <a:cs typeface="+mn-cs"/>
+              </a:defRPr>
+            </a:lvl3pPr>
+            <a:lvl4pPr marL="1371600" indent="0" algn="l" defTabSz="457200" rtl="0" eaLnBrk="1" fontAlgn="base" hangingPunct="1">
+              <a:spcBef>
+                <a:spcPct val="20000"/>
+              </a:spcBef>
+              <a:spcAft>
+                <a:spcPct val="0"/>
+              </a:spcAft>
+              <a:buFont typeface="Arial" pitchFamily="34" charset="0"/>
+              <a:buNone/>
+              <a:defRPr sz="1600" b="1" kern="1200">
+                <a:solidFill>
+                  <a:schemeClr val="tx1"/>
+                </a:solidFill>
+                <a:latin typeface="+mn-lt"/>
+                <a:ea typeface="MS PGothic" pitchFamily="34" charset="-128"/>
+                <a:cs typeface="+mn-cs"/>
+              </a:defRPr>
+            </a:lvl4pPr>
+            <a:lvl5pPr marL="1828800" indent="0" algn="l" defTabSz="457200" rtl="0" eaLnBrk="1" fontAlgn="base" hangingPunct="1">
+              <a:spcBef>
+                <a:spcPct val="20000"/>
+              </a:spcBef>
+              <a:spcAft>
+                <a:spcPct val="0"/>
+              </a:spcAft>
+              <a:buFont typeface="Arial" pitchFamily="34" charset="0"/>
+              <a:buNone/>
+              <a:defRPr sz="1600" b="1" kern="1200">
+                <a:solidFill>
+                  <a:schemeClr val="tx1"/>
+                </a:solidFill>
+                <a:latin typeface="+mn-lt"/>
+                <a:ea typeface="MS PGothic" pitchFamily="34" charset="-128"/>
+                <a:cs typeface="+mn-cs"/>
+              </a:defRPr>
+            </a:lvl5pPr>
+            <a:lvl6pPr marL="2286000" indent="0" algn="l" defTabSz="457200" rtl="0" eaLnBrk="1" latinLnBrk="0" hangingPunct="1">
+              <a:spcBef>
+                <a:spcPct val="20000"/>
+              </a:spcBef>
+              <a:buFont typeface="Arial"/>
+              <a:buNone/>
+              <a:defRPr sz="1600" b="1" kern="1200">
+                <a:solidFill>
+                  <a:schemeClr val="tx1"/>
+                </a:solidFill>
+                <a:latin typeface="+mn-lt"/>
+                <a:ea typeface="+mn-ea"/>
+                <a:cs typeface="+mn-cs"/>
+              </a:defRPr>
+            </a:lvl6pPr>
+            <a:lvl7pPr marL="2743200" indent="0" algn="l" defTabSz="457200" rtl="0" eaLnBrk="1" latinLnBrk="0" hangingPunct="1">
+              <a:spcBef>
+                <a:spcPct val="20000"/>
+              </a:spcBef>
+              <a:buFont typeface="Arial"/>
+              <a:buNone/>
+              <a:defRPr sz="1600" b="1" kern="1200">
+                <a:solidFill>
+                  <a:schemeClr val="tx1"/>
+                </a:solidFill>
+                <a:latin typeface="+mn-lt"/>
+                <a:ea typeface="+mn-ea"/>
+                <a:cs typeface="+mn-cs"/>
+              </a:defRPr>
+            </a:lvl7pPr>
+            <a:lvl8pPr marL="3200400" indent="0" algn="l" defTabSz="457200" rtl="0" eaLnBrk="1" latinLnBrk="0" hangingPunct="1">
+              <a:spcBef>
+                <a:spcPct val="20000"/>
+              </a:spcBef>
+              <a:buFont typeface="Arial"/>
+              <a:buNone/>
+              <a:defRPr sz="1600" b="1" kern="1200">
+                <a:solidFill>
+                  <a:schemeClr val="tx1"/>
+                </a:solidFill>
+                <a:latin typeface="+mn-lt"/>
+                <a:ea typeface="+mn-ea"/>
+                <a:cs typeface="+mn-cs"/>
+              </a:defRPr>
+            </a:lvl8pPr>
+            <a:lvl9pPr marL="3657600" indent="0" algn="l" defTabSz="457200" rtl="0" eaLnBrk="1" latinLnBrk="0" hangingPunct="1">
+              <a:spcBef>
+                <a:spcPct val="20000"/>
+              </a:spcBef>
+              <a:buFont typeface="Arial"/>
+              <a:buNone/>
+              <a:defRPr sz="1600" b="1" kern="1200">
+                <a:solidFill>
+                  <a:schemeClr val="tx1"/>
+                </a:solidFill>
+                <a:latin typeface="+mn-lt"/>
+                <a:ea typeface="+mn-ea"/>
+                <a:cs typeface="+mn-cs"/>
+              </a:defRPr>
+            </a:lvl9pPr>
+          </a:lstStyle>
+          <a:p>
+            <a:r>
+              <a:rPr lang="de-CH" b="1" dirty="0"/>
+              <a:t>Multi-GPU</a:t>
+            </a:r>
+            <a:r>
+              <a:rPr lang="de-CH" dirty="0"/>
+              <a:t> (</a:t>
+            </a:r>
+            <a:r>
+              <a:rPr lang="de-CH" dirty="0" smtClean="0"/>
+              <a:t>Mehrere Instanzen)</a:t>
+            </a:r>
+            <a:endParaRPr lang="de-CH" dirty="0"/>
+          </a:p>
+        </p:txBody>
+      </p:sp>
+      <p:pic>
+        <p:nvPicPr>
+          <p:cNvPr id="4" name="Grafik 3"/>
+          <p:cNvPicPr>
+            <a:picLocks noChangeAspect="1"/>
+          </p:cNvPicPr>
+          <p:nvPr/>
+        </p:nvPicPr>
+        <p:blipFill>
+          <a:blip r:embed="rId3">
+            <a:extLst>
+              <a:ext uri="{28A0092B-C50C-407E-A947-70E740481C1C}">
+                <a14:useLocalDpi xmlns:a14="http://schemas.microsoft.com/office/drawing/2010/main" val="0"/>
+              </a:ext>
+            </a:extLst>
+          </a:blip>
+          <a:stretch>
+            <a:fillRect/>
+          </a:stretch>
+        </p:blipFill>
+        <p:spPr>
+          <a:xfrm>
+            <a:off x="2343117" y="2014184"/>
+            <a:ext cx="288000" cy="288000"/>
+          </a:xfrm>
+          <a:prstGeom prst="rect">
+            <a:avLst/>
+          </a:prstGeom>
+        </p:spPr>
+      </p:pic>
+      <p:pic>
+        <p:nvPicPr>
+          <p:cNvPr id="8" name="Grafik 7"/>
+          <p:cNvPicPr>
+            <a:picLocks noChangeAspect="1"/>
+          </p:cNvPicPr>
+          <p:nvPr/>
+        </p:nvPicPr>
+        <p:blipFill>
+          <a:blip r:embed="rId4">
+            <a:extLst>
+              <a:ext uri="{28A0092B-C50C-407E-A947-70E740481C1C}">
+                <a14:useLocalDpi xmlns:a14="http://schemas.microsoft.com/office/drawing/2010/main" val="0"/>
+              </a:ext>
+            </a:extLst>
+          </a:blip>
+          <a:stretch>
+            <a:fillRect/>
+          </a:stretch>
+        </p:blipFill>
+        <p:spPr>
+          <a:xfrm>
+            <a:off x="6409491" y="2014038"/>
+            <a:ext cx="288000" cy="288000"/>
+          </a:xfrm>
+          <a:prstGeom prst="rect">
+            <a:avLst/>
+          </a:prstGeom>
+        </p:spPr>
+      </p:pic>
+    </p:spTree>
+    <p:extLst>
+      <p:ext uri="{BB962C8B-B14F-4D97-AF65-F5344CB8AC3E}">
+        <p14:creationId xmlns:p14="http://schemas.microsoft.com/office/powerpoint/2010/main" val="4030608882"/>
+      </p:ext>
+    </p:extLst>
+  </p:cSld>
+  <p:clrMapOvr>
+    <a:masterClrMapping/>
+  </p:clrMapOvr>
+  <p:timing>
+    <p:tnLst>
+      <p:par>
+        <p:cTn id="1" dur="indefinite" restart="never" nodeType="tmRoot"/>
+      </p:par>
+    </p:tnLst>
+  </p:timing>
+</p:sld>
+</file>
+
+<file path=ppt/slides/slide19.xml><?xml version="1.0" encoding="utf-8"?>
+<p:sld xmlns:a="http://schemas.openxmlformats.org/drawingml/2006/main" xmlns:r="http://schemas.openxmlformats.org/officeDocument/2006/relationships" xmlns:p="http://schemas.openxmlformats.org/presentationml/2006/main">
+  <p:cSld>
+    <p:spTree>
+      <p:nvGrpSpPr>
+        <p:cNvPr id="1" name=""/>
+        <p:cNvGrpSpPr/>
+        <p:nvPr/>
+      </p:nvGrpSpPr>
+      <p:grpSpPr>
+        <a:xfrm>
+          <a:off x="0" y="0"/>
+          <a:ext cx="0" cy="0"/>
+          <a:chOff x="0" y="0"/>
+          <a:chExt cx="0" cy="0"/>
+        </a:xfrm>
+      </p:grpSpPr>
+      <p:sp>
+        <p:nvSpPr>
+          <p:cNvPr id="7" name="Titel 6"/>
+          <p:cNvSpPr>
+            <a:spLocks noGrp="1"/>
+          </p:cNvSpPr>
+          <p:nvPr>
+            <p:ph type="ctrTitle"/>
+          </p:nvPr>
+        </p:nvSpPr>
+        <p:spPr/>
+        <p:txBody>
+          <a:bodyPr/>
+          <a:lstStyle/>
+          <a:p>
+            <a:r>
+              <a:rPr lang="de-CH" dirty="0"/>
+              <a:t>Ausgangslage </a:t>
+            </a:r>
+            <a:r>
+              <a:rPr lang="de-CH" dirty="0" err="1"/>
+              <a:t>Prototyping</a:t>
+            </a:r>
+            <a:endParaRPr lang="de-CH" dirty="0"/>
+          </a:p>
+        </p:txBody>
+      </p:sp>
+      <p:graphicFrame>
+        <p:nvGraphicFramePr>
+          <p:cNvPr id="2" name="Inhaltsplatzhalter 1"/>
+          <p:cNvGraphicFramePr>
+            <a:graphicFrameLocks noGrp="1"/>
+          </p:cNvGraphicFramePr>
+          <p:nvPr>
+            <p:ph sz="half" idx="13"/>
+            <p:extLst/>
+          </p:nvPr>
+        </p:nvGraphicFramePr>
+        <p:xfrm>
+          <a:off x="468313" y="1980000"/>
+          <a:ext cx="3959225" cy="2225040"/>
+        </p:xfrm>
+        <a:graphic>
+          <a:graphicData uri="http://schemas.openxmlformats.org/drawingml/2006/table">
+            <a:tbl>
+              <a:tblPr firstRow="1" bandRow="1">
+                <a:tableStyleId>{5C22544A-7EE6-4342-B048-85BDC9FD1C3A}</a:tableStyleId>
+              </a:tblPr>
+              <a:tblGrid>
+                <a:gridCol w="3959225"/>
+              </a:tblGrid>
+              <a:tr h="370840">
+                <a:tc>
+                  <a:txBody>
+                    <a:bodyPr/>
+                    <a:lstStyle/>
+                    <a:p>
+                      <a:endParaRPr lang="de-CH" dirty="0"/>
+                    </a:p>
+                  </a:txBody>
+                  <a:tcPr/>
+                </a:tc>
+              </a:tr>
+              <a:tr h="370840">
+                <a:tc>
+                  <a:txBody>
+                    <a:bodyPr/>
+                    <a:lstStyle/>
+                    <a:p>
+                      <a:pPr marL="285750" indent="-285750">
+                        <a:buFont typeface="Arial" panose="020B0604020202020204" pitchFamily="34" charset="0"/>
+                        <a:buChar char="•"/>
+                      </a:pPr>
+                      <a:r>
+                        <a:rPr lang="de-CH" dirty="0" smtClean="0"/>
+                        <a:t>Verteiltes Rendering</a:t>
+                      </a:r>
+                      <a:endParaRPr lang="de-CH" dirty="0"/>
+                    </a:p>
+                  </a:txBody>
+                  <a:tcPr/>
+                </a:tc>
+              </a:tr>
+              <a:tr h="370840">
+                <a:tc>
+                  <a:txBody>
+                    <a:bodyPr/>
+                    <a:lstStyle/>
+                    <a:p>
+                      <a:pPr marL="285750" indent="-285750">
+                        <a:buFont typeface="Arial" panose="020B0604020202020204" pitchFamily="34" charset="0"/>
+                        <a:buChar char="•"/>
+                      </a:pPr>
+                      <a:r>
+                        <a:rPr lang="de-CH" dirty="0" smtClean="0"/>
+                        <a:t>Skalierbarkeit</a:t>
+                      </a:r>
+                      <a:endParaRPr lang="de-CH" dirty="0"/>
+                    </a:p>
+                  </a:txBody>
+                  <a:tcPr/>
+                </a:tc>
+              </a:tr>
+              <a:tr h="370840">
+                <a:tc>
+                  <a:txBody>
+                    <a:bodyPr/>
+                    <a:lstStyle/>
+                    <a:p>
+                      <a:endParaRPr lang="de-CH"/>
+                    </a:p>
+                  </a:txBody>
+                  <a:tcPr/>
+                </a:tc>
+              </a:tr>
+              <a:tr h="370840">
+                <a:tc>
+                  <a:txBody>
+                    <a:bodyPr/>
+                    <a:lstStyle/>
+                    <a:p>
+                      <a:endParaRPr lang="de-CH" dirty="0"/>
+                    </a:p>
+                  </a:txBody>
+                  <a:tcPr/>
+                </a:tc>
+              </a:tr>
+              <a:tr h="370840">
+                <a:tc>
+                  <a:txBody>
+                    <a:bodyPr/>
+                    <a:lstStyle/>
+                    <a:p>
+                      <a:endParaRPr lang="de-CH" dirty="0"/>
+                    </a:p>
+                  </a:txBody>
+                  <a:tcPr/>
+                </a:tc>
+              </a:tr>
+            </a:tbl>
+          </a:graphicData>
+        </a:graphic>
+      </p:graphicFrame>
+      <p:graphicFrame>
+        <p:nvGraphicFramePr>
+          <p:cNvPr id="3" name="Inhaltsplatzhalter 2"/>
+          <p:cNvGraphicFramePr>
+            <a:graphicFrameLocks noGrp="1"/>
+          </p:cNvGraphicFramePr>
+          <p:nvPr>
+            <p:ph sz="half" idx="15"/>
+            <p:extLst/>
+          </p:nvPr>
+        </p:nvGraphicFramePr>
+        <p:xfrm>
+          <a:off x="4589463" y="1980000"/>
+          <a:ext cx="4051300" cy="2494280"/>
+        </p:xfrm>
+        <a:graphic>
+          <a:graphicData uri="http://schemas.openxmlformats.org/drawingml/2006/table">
+            <a:tbl>
+              <a:tblPr firstRow="1" bandRow="1">
+                <a:tableStyleId>{5C22544A-7EE6-4342-B048-85BDC9FD1C3A}</a:tableStyleId>
+              </a:tblPr>
+              <a:tblGrid>
+                <a:gridCol w="4051300"/>
+              </a:tblGrid>
+              <a:tr h="370840">
+                <a:tc>
+                  <a:txBody>
+                    <a:bodyPr/>
+                    <a:lstStyle/>
+                    <a:p>
+                      <a:endParaRPr lang="de-CH" dirty="0"/>
+                    </a:p>
+                  </a:txBody>
+                  <a:tcPr/>
+                </a:tc>
+              </a:tr>
+              <a:tr h="370840">
+                <a:tc>
+                  <a:txBody>
+                    <a:bodyPr/>
+                    <a:lstStyle/>
+                    <a:p>
+                      <a:pPr marL="285750" indent="-285750">
+                        <a:buFont typeface="Arial" panose="020B0604020202020204" pitchFamily="34" charset="0"/>
+                        <a:buChar char="•"/>
+                      </a:pPr>
+                      <a:r>
+                        <a:rPr lang="de-CH" dirty="0" smtClean="0"/>
+                        <a:t>Synchronisierung</a:t>
+                      </a:r>
+                      <a:endParaRPr lang="de-CH" dirty="0"/>
+                    </a:p>
+                  </a:txBody>
+                  <a:tcPr/>
+                </a:tc>
+              </a:tr>
+              <a:tr h="370840">
+                <a:tc>
+                  <a:txBody>
+                    <a:bodyPr/>
+                    <a:lstStyle/>
+                    <a:p>
+                      <a:pPr marL="285750" indent="-285750">
+                        <a:buFont typeface="Arial" panose="020B0604020202020204" pitchFamily="34" charset="0"/>
+                        <a:buChar char="•"/>
+                      </a:pPr>
+                      <a:r>
+                        <a:rPr lang="de-CH" dirty="0" smtClean="0"/>
+                        <a:t>Daten übers Netzwerk übertragen</a:t>
+                      </a:r>
+                      <a:endParaRPr lang="de-CH" dirty="0"/>
+                    </a:p>
+                  </a:txBody>
+                  <a:tcPr/>
+                </a:tc>
+              </a:tr>
+              <a:tr h="370840">
+                <a:tc>
+                  <a:txBody>
+                    <a:bodyPr/>
+                    <a:lstStyle/>
+                    <a:p>
+                      <a:pPr marL="285750" indent="-285750">
+                        <a:buFont typeface="Arial" panose="020B0604020202020204" pitchFamily="34" charset="0"/>
+                        <a:buChar char="•"/>
+                      </a:pPr>
+                      <a:endParaRPr lang="de-CH" dirty="0"/>
+                    </a:p>
+                  </a:txBody>
+                  <a:tcPr/>
+                </a:tc>
+              </a:tr>
+              <a:tr h="370840">
+                <a:tc>
+                  <a:txBody>
+                    <a:bodyPr/>
+                    <a:lstStyle/>
+                    <a:p>
+                      <a:endParaRPr lang="de-CH" dirty="0"/>
+                    </a:p>
+                  </a:txBody>
+                  <a:tcPr/>
+                </a:tc>
+              </a:tr>
+              <a:tr h="370840">
+                <a:tc>
+                  <a:txBody>
+                    <a:bodyPr/>
+                    <a:lstStyle/>
+                    <a:p>
+                      <a:endParaRPr lang="de-CH" dirty="0"/>
+                    </a:p>
+                  </a:txBody>
+                  <a:tcPr/>
+                </a:tc>
+              </a:tr>
+            </a:tbl>
+          </a:graphicData>
+        </a:graphic>
+      </p:graphicFrame>
+      <p:sp>
+        <p:nvSpPr>
+          <p:cNvPr id="12" name="Textplatzhalter 2"/>
+          <p:cNvSpPr txBox="1">
+            <a:spLocks/>
+          </p:cNvSpPr>
+          <p:nvPr/>
+        </p:nvSpPr>
+        <p:spPr>
+          <a:xfrm>
+            <a:off x="468000" y="1440000"/>
+            <a:ext cx="8100000" cy="540000"/>
+          </a:xfrm>
+          <a:prstGeom prst="rect">
+            <a:avLst/>
+          </a:prstGeom>
+        </p:spPr>
+        <p:txBody>
+          <a:bodyPr lIns="0" rIns="0" anchor="t" anchorCtr="0"/>
+          <a:lstStyle>
+            <a:lvl1pPr marL="0" indent="0" algn="l" defTabSz="457200" rtl="0" eaLnBrk="1" fontAlgn="base" hangingPunct="1">
+              <a:spcBef>
+                <a:spcPct val="20000"/>
+              </a:spcBef>
+              <a:spcAft>
+                <a:spcPct val="0"/>
+              </a:spcAft>
+              <a:buFont typeface="Arial" pitchFamily="34" charset="0"/>
+              <a:buNone/>
+              <a:defRPr sz="1800" b="0" i="0" kern="1200" baseline="0">
+                <a:solidFill>
+                  <a:srgbClr val="697D91"/>
+                </a:solidFill>
+                <a:latin typeface="Lucida Sans"/>
+                <a:ea typeface="MS PGothic" pitchFamily="34" charset="-128"/>
+                <a:cs typeface="Lucida Sans"/>
+              </a:defRPr>
+            </a:lvl1pPr>
+            <a:lvl2pPr marL="457200" indent="0" algn="l" defTabSz="457200" rtl="0" eaLnBrk="1" fontAlgn="base" hangingPunct="1">
+              <a:spcBef>
+                <a:spcPct val="20000"/>
+              </a:spcBef>
+              <a:spcAft>
+                <a:spcPct val="0"/>
+              </a:spcAft>
+              <a:buFont typeface="Arial" pitchFamily="34" charset="0"/>
+              <a:buNone/>
+              <a:defRPr sz="2000" b="1" kern="1200">
+                <a:solidFill>
+                  <a:schemeClr val="tx1"/>
+                </a:solidFill>
+                <a:latin typeface="+mn-lt"/>
+                <a:ea typeface="MS PGothic" pitchFamily="34" charset="-128"/>
+                <a:cs typeface="+mn-cs"/>
+              </a:defRPr>
+            </a:lvl2pPr>
+            <a:lvl3pPr marL="914400" indent="0" algn="l" defTabSz="457200" rtl="0" eaLnBrk="1" fontAlgn="base" hangingPunct="1">
+              <a:spcBef>
+                <a:spcPct val="20000"/>
+              </a:spcBef>
+              <a:spcAft>
+                <a:spcPct val="0"/>
+              </a:spcAft>
+              <a:buFont typeface="Arial" pitchFamily="34" charset="0"/>
+              <a:buNone/>
+              <a:defRPr sz="1800" b="1" kern="1200">
+                <a:solidFill>
+                  <a:schemeClr val="tx1"/>
+                </a:solidFill>
+                <a:latin typeface="+mn-lt"/>
+                <a:ea typeface="MS PGothic" pitchFamily="34" charset="-128"/>
+                <a:cs typeface="+mn-cs"/>
+              </a:defRPr>
+            </a:lvl3pPr>
+            <a:lvl4pPr marL="1371600" indent="0" algn="l" defTabSz="457200" rtl="0" eaLnBrk="1" fontAlgn="base" hangingPunct="1">
+              <a:spcBef>
+                <a:spcPct val="20000"/>
+              </a:spcBef>
+              <a:spcAft>
+                <a:spcPct val="0"/>
+              </a:spcAft>
+              <a:buFont typeface="Arial" pitchFamily="34" charset="0"/>
+              <a:buNone/>
+              <a:defRPr sz="1600" b="1" kern="1200">
+                <a:solidFill>
+                  <a:schemeClr val="tx1"/>
+                </a:solidFill>
+                <a:latin typeface="+mn-lt"/>
+                <a:ea typeface="MS PGothic" pitchFamily="34" charset="-128"/>
+                <a:cs typeface="+mn-cs"/>
+              </a:defRPr>
+            </a:lvl4pPr>
+            <a:lvl5pPr marL="1828800" indent="0" algn="l" defTabSz="457200" rtl="0" eaLnBrk="1" fontAlgn="base" hangingPunct="1">
+              <a:spcBef>
+                <a:spcPct val="20000"/>
+              </a:spcBef>
+              <a:spcAft>
+                <a:spcPct val="0"/>
+              </a:spcAft>
+              <a:buFont typeface="Arial" pitchFamily="34" charset="0"/>
+              <a:buNone/>
+              <a:defRPr sz="1600" b="1" kern="1200">
+                <a:solidFill>
+                  <a:schemeClr val="tx1"/>
+                </a:solidFill>
+                <a:latin typeface="+mn-lt"/>
+                <a:ea typeface="MS PGothic" pitchFamily="34" charset="-128"/>
+                <a:cs typeface="+mn-cs"/>
+              </a:defRPr>
+            </a:lvl5pPr>
+            <a:lvl6pPr marL="2286000" indent="0" algn="l" defTabSz="457200" rtl="0" eaLnBrk="1" latinLnBrk="0" hangingPunct="1">
+              <a:spcBef>
+                <a:spcPct val="20000"/>
+              </a:spcBef>
+              <a:buFont typeface="Arial"/>
+              <a:buNone/>
+              <a:defRPr sz="1600" b="1" kern="1200">
+                <a:solidFill>
+                  <a:schemeClr val="tx1"/>
+                </a:solidFill>
+                <a:latin typeface="+mn-lt"/>
+                <a:ea typeface="+mn-ea"/>
+                <a:cs typeface="+mn-cs"/>
+              </a:defRPr>
+            </a:lvl6pPr>
+            <a:lvl7pPr marL="2743200" indent="0" algn="l" defTabSz="457200" rtl="0" eaLnBrk="1" latinLnBrk="0" hangingPunct="1">
+              <a:spcBef>
+                <a:spcPct val="20000"/>
+              </a:spcBef>
+              <a:buFont typeface="Arial"/>
+              <a:buNone/>
+              <a:defRPr sz="1600" b="1" kern="1200">
+                <a:solidFill>
+                  <a:schemeClr val="tx1"/>
+                </a:solidFill>
+                <a:latin typeface="+mn-lt"/>
+                <a:ea typeface="+mn-ea"/>
+                <a:cs typeface="+mn-cs"/>
+              </a:defRPr>
+            </a:lvl7pPr>
+            <a:lvl8pPr marL="3200400" indent="0" algn="l" defTabSz="457200" rtl="0" eaLnBrk="1" latinLnBrk="0" hangingPunct="1">
+              <a:spcBef>
+                <a:spcPct val="20000"/>
+              </a:spcBef>
+              <a:buFont typeface="Arial"/>
+              <a:buNone/>
+              <a:defRPr sz="1600" b="1" kern="1200">
+                <a:solidFill>
+                  <a:schemeClr val="tx1"/>
+                </a:solidFill>
+                <a:latin typeface="+mn-lt"/>
+                <a:ea typeface="+mn-ea"/>
+                <a:cs typeface="+mn-cs"/>
+              </a:defRPr>
+            </a:lvl8pPr>
+            <a:lvl9pPr marL="3657600" indent="0" algn="l" defTabSz="457200" rtl="0" eaLnBrk="1" latinLnBrk="0" hangingPunct="1">
+              <a:spcBef>
+                <a:spcPct val="20000"/>
+              </a:spcBef>
+              <a:buFont typeface="Arial"/>
+              <a:buNone/>
+              <a:defRPr sz="1600" b="1" kern="1200">
+                <a:solidFill>
+                  <a:schemeClr val="tx1"/>
+                </a:solidFill>
+                <a:latin typeface="+mn-lt"/>
+                <a:ea typeface="+mn-ea"/>
+                <a:cs typeface="+mn-cs"/>
+              </a:defRPr>
+            </a:lvl9pPr>
+          </a:lstStyle>
+          <a:p>
+            <a:r>
+              <a:rPr lang="de-CH" b="1" dirty="0" smtClean="0"/>
+              <a:t>Clustering</a:t>
+            </a:r>
+            <a:r>
+              <a:rPr lang="de-CH" dirty="0" smtClean="0"/>
+              <a:t> (Mehrere Instanzen)</a:t>
+            </a:r>
+            <a:endParaRPr lang="de-CH" dirty="0"/>
+          </a:p>
+        </p:txBody>
+      </p:sp>
+      <p:pic>
+        <p:nvPicPr>
+          <p:cNvPr id="4" name="Grafik 3"/>
+          <p:cNvPicPr>
+            <a:picLocks noChangeAspect="1"/>
+          </p:cNvPicPr>
+          <p:nvPr/>
+        </p:nvPicPr>
+        <p:blipFill>
+          <a:blip r:embed="rId2">
+            <a:extLst>
+              <a:ext uri="{28A0092B-C50C-407E-A947-70E740481C1C}">
+                <a14:useLocalDpi xmlns:a14="http://schemas.microsoft.com/office/drawing/2010/main" val="0"/>
+              </a:ext>
+            </a:extLst>
+          </a:blip>
+          <a:stretch>
+            <a:fillRect/>
+          </a:stretch>
+        </p:blipFill>
+        <p:spPr>
+          <a:xfrm>
+            <a:off x="2343117" y="2014184"/>
+            <a:ext cx="288000" cy="288000"/>
+          </a:xfrm>
+          <a:prstGeom prst="rect">
+            <a:avLst/>
+          </a:prstGeom>
+        </p:spPr>
+      </p:pic>
+      <p:pic>
+        <p:nvPicPr>
+          <p:cNvPr id="8" name="Grafik 7"/>
+          <p:cNvPicPr>
+            <a:picLocks noChangeAspect="1"/>
+          </p:cNvPicPr>
+          <p:nvPr/>
+        </p:nvPicPr>
+        <p:blipFill>
+          <a:blip r:embed="rId3">
+            <a:extLst>
+              <a:ext uri="{28A0092B-C50C-407E-A947-70E740481C1C}">
+                <a14:useLocalDpi xmlns:a14="http://schemas.microsoft.com/office/drawing/2010/main" val="0"/>
+              </a:ext>
+            </a:extLst>
+          </a:blip>
+          <a:stretch>
+            <a:fillRect/>
+          </a:stretch>
+        </p:blipFill>
+        <p:spPr>
+          <a:xfrm>
+            <a:off x="6409491" y="2014038"/>
+            <a:ext cx="288000" cy="288000"/>
+          </a:xfrm>
+          <a:prstGeom prst="rect">
+            <a:avLst/>
+          </a:prstGeom>
+        </p:spPr>
+      </p:pic>
+    </p:spTree>
+    <p:extLst>
+      <p:ext uri="{BB962C8B-B14F-4D97-AF65-F5344CB8AC3E}">
+        <p14:creationId xmlns:p14="http://schemas.microsoft.com/office/powerpoint/2010/main" val="1255270368"/>
+      </p:ext>
+    </p:extLst>
+  </p:cSld>
+  <p:clrMapOvr>
+    <a:masterClrMapping/>
+  </p:clrMapOvr>
+  <p:timing>
+    <p:tnLst>
+      <p:par>
+        <p:cTn id="1" dur="indefinite" restart="never" nodeType="tmRoot"/>
+      </p:par>
+    </p:tnLst>
+  </p:timing>
+</p:sld>
+</file>
+
 <file path=ppt/slides/slide2.xml><?xml version="1.0" encoding="utf-8"?>
 <p:sld xmlns:a="http://schemas.openxmlformats.org/drawingml/2006/main" xmlns:r="http://schemas.openxmlformats.org/officeDocument/2006/relationships" xmlns:p="http://schemas.openxmlformats.org/presentationml/2006/main">
   <p:cSld>
@@ -7060,20 +10253,2503 @@
             </a:r>
             <a:r>
               <a:rPr lang="de-CH" dirty="0" smtClean="0"/>
-              <a:t> </a:t>
-            </a:r>
-            <a:r>
-              <a:rPr lang="de-CH" dirty="0" smtClean="0"/>
-              <a:t>in CAVE</a:t>
+              <a:t> in CAVE</a:t>
             </a:r>
             <a:endParaRPr lang="de-CH" dirty="0"/>
           </a:p>
         </p:txBody>
       </p:sp>
+      <p:pic>
+        <p:nvPicPr>
+          <p:cNvPr id="4" name="Audio 3">
+            <a:hlinkClick r:id="" action="ppaction://media"/>
+          </p:cNvPr>
+          <p:cNvPicPr>
+            <a:picLocks noChangeAspect="1"/>
+          </p:cNvPicPr>
+          <p:nvPr>
+            <a:audioFile r:link="rId2"/>
+            <p:extLst>
+              <p:ext uri="{DAA4B4D4-6D71-4841-9C94-3DE7FCFB9230}">
+                <p14:media xmlns:p14="http://schemas.microsoft.com/office/powerpoint/2010/main" r:embed="rId1"/>
+              </p:ext>
+            </p:extLst>
+          </p:nvPr>
+        </p:nvPicPr>
+        <p:blipFill>
+          <a:blip r:embed="rId4"/>
+          <a:stretch>
+            <a:fillRect/>
+          </a:stretch>
+        </p:blipFill>
+        <p:spPr>
+          <a:xfrm>
+            <a:off x="8318500" y="6032500"/>
+            <a:ext cx="609600" cy="609600"/>
+          </a:xfrm>
+          <a:prstGeom prst="rect">
+            <a:avLst/>
+          </a:prstGeom>
+        </p:spPr>
+      </p:pic>
     </p:spTree>
     <p:extLst>
       <p:ext uri="{BB962C8B-B14F-4D97-AF65-F5344CB8AC3E}">
         <p14:creationId xmlns:p14="http://schemas.microsoft.com/office/powerpoint/2010/main" val="3531740184"/>
+      </p:ext>
+    </p:extLst>
+  </p:cSld>
+  <p:clrMapOvr>
+    <a:masterClrMapping/>
+  </p:clrMapOvr>
+  <mc:AlternateContent xmlns:mc="http://schemas.openxmlformats.org/markup-compatibility/2006">
+    <mc:Choice xmlns:p14="http://schemas.microsoft.com/office/powerpoint/2010/main" Requires="p14">
+      <p:transition spd="slow" p14:dur="2000" advTm="845"/>
+    </mc:Choice>
+    <mc:Fallback>
+      <p:transition spd="slow" advTm="845"/>
+    </mc:Fallback>
+  </mc:AlternateContent>
+  <p:timing>
+    <p:tnLst>
+      <p:par>
+        <p:cTn id="1" dur="indefinite" restart="never" nodeType="tmRoot">
+          <p:childTnLst>
+            <p:seq concurrent="1" nextAc="seek">
+              <p:cTn id="2" dur="indefinite" nodeType="mainSeq">
+                <p:childTnLst>
+                  <p:par>
+                    <p:cTn id="3" fill="hold">
+                      <p:stCondLst>
+                        <p:cond delay="indefinite"/>
+                        <p:cond evt="onBegin" delay="0">
+                          <p:tn val="2"/>
+                        </p:cond>
+                      </p:stCondLst>
+                      <p:childTnLst>
+                        <p:par>
+                          <p:cTn id="4" fill="hold">
+                            <p:stCondLst>
+                              <p:cond delay="0"/>
+                            </p:stCondLst>
+                            <p:childTnLst>
+                              <p:par>
+                                <p:cTn id="5" presetID="1" presetClass="mediacall" presetSubtype="0" fill="hold" nodeType="afterEffect">
+                                  <p:stCondLst>
+                                    <p:cond delay="0"/>
+                                  </p:stCondLst>
+                                  <p:childTnLst>
+                                    <p:cmd type="call" cmd="playFrom(0.0)">
+                                      <p:cBhvr>
+                                        <p:cTn id="6" dur="1" fill="hold"/>
+                                        <p:tgtEl>
+                                          <p:spTgt spid="4"/>
+                                        </p:tgtEl>
+                                      </p:cBhvr>
+                                    </p:cmd>
+                                  </p:childTnLst>
+                                </p:cTn>
+                              </p:par>
+                            </p:childTnLst>
+                          </p:cTn>
+                        </p:par>
+                      </p:childTnLst>
+                    </p:cTn>
+                  </p:par>
+                </p:childTnLst>
+              </p:cTn>
+              <p:prevCondLst>
+                <p:cond evt="onPrev" delay="0">
+                  <p:tgtEl>
+                    <p:sldTgt/>
+                  </p:tgtEl>
+                </p:cond>
+              </p:prevCondLst>
+              <p:nextCondLst>
+                <p:cond evt="onNext" delay="0">
+                  <p:tgtEl>
+                    <p:sldTgt/>
+                  </p:tgtEl>
+                </p:cond>
+              </p:nextCondLst>
+            </p:seq>
+            <p:audio isNarration="1">
+              <p:cMediaNode vol="80000" showWhenStopped="0">
+                <p:cTn id="7" fill="hold" display="0">
+                  <p:stCondLst>
+                    <p:cond delay="indefinite"/>
+                  </p:stCondLst>
+                  <p:endCondLst>
+                    <p:cond evt="onStopAudio" delay="0">
+                      <p:tgtEl>
+                        <p:sldTgt/>
+                      </p:tgtEl>
+                    </p:cond>
+                  </p:endCondLst>
+                </p:cTn>
+                <p:tgtEl>
+                  <p:spTgt spid="4"/>
+                </p:tgtEl>
+              </p:cMediaNode>
+            </p:audio>
+          </p:childTnLst>
+        </p:cTn>
+      </p:par>
+    </p:tnLst>
+  </p:timing>
+</p:sld>
+</file>
+
+<file path=ppt/slides/slide20.xml><?xml version="1.0" encoding="utf-8"?>
+<p:sld xmlns:a="http://schemas.openxmlformats.org/drawingml/2006/main" xmlns:r="http://schemas.openxmlformats.org/officeDocument/2006/relationships" xmlns:p="http://schemas.openxmlformats.org/presentationml/2006/main">
+  <p:cSld>
+    <p:spTree>
+      <p:nvGrpSpPr>
+        <p:cNvPr id="1" name=""/>
+        <p:cNvGrpSpPr/>
+        <p:nvPr/>
+      </p:nvGrpSpPr>
+      <p:grpSpPr>
+        <a:xfrm>
+          <a:off x="0" y="0"/>
+          <a:ext cx="0" cy="0"/>
+          <a:chOff x="0" y="0"/>
+          <a:chExt cx="0" cy="0"/>
+        </a:xfrm>
+      </p:grpSpPr>
+      <p:sp>
+        <p:nvSpPr>
+          <p:cNvPr id="7" name="Titel 6"/>
+          <p:cNvSpPr>
+            <a:spLocks noGrp="1"/>
+          </p:cNvSpPr>
+          <p:nvPr>
+            <p:ph type="ctrTitle"/>
+          </p:nvPr>
+        </p:nvSpPr>
+        <p:spPr/>
+        <p:txBody>
+          <a:bodyPr/>
+          <a:lstStyle/>
+          <a:p>
+            <a:r>
+              <a:rPr lang="de-CH" dirty="0"/>
+              <a:t>Ausgangslage </a:t>
+            </a:r>
+            <a:r>
+              <a:rPr lang="de-CH" dirty="0" err="1"/>
+              <a:t>Prototyping</a:t>
+            </a:r>
+            <a:endParaRPr lang="de-CH" dirty="0"/>
+          </a:p>
+        </p:txBody>
+      </p:sp>
+      <p:graphicFrame>
+        <p:nvGraphicFramePr>
+          <p:cNvPr id="2" name="Inhaltsplatzhalter 1"/>
+          <p:cNvGraphicFramePr>
+            <a:graphicFrameLocks noGrp="1"/>
+          </p:cNvGraphicFramePr>
+          <p:nvPr>
+            <p:ph sz="half" idx="13"/>
+            <p:extLst/>
+          </p:nvPr>
+        </p:nvGraphicFramePr>
+        <p:xfrm>
+          <a:off x="468313" y="1980000"/>
+          <a:ext cx="3959225" cy="2494280"/>
+        </p:xfrm>
+        <a:graphic>
+          <a:graphicData uri="http://schemas.openxmlformats.org/drawingml/2006/table">
+            <a:tbl>
+              <a:tblPr firstRow="1" bandRow="1">
+                <a:tableStyleId>{5C22544A-7EE6-4342-B048-85BDC9FD1C3A}</a:tableStyleId>
+              </a:tblPr>
+              <a:tblGrid>
+                <a:gridCol w="3959225"/>
+              </a:tblGrid>
+              <a:tr h="370840">
+                <a:tc>
+                  <a:txBody>
+                    <a:bodyPr/>
+                    <a:lstStyle/>
+                    <a:p>
+                      <a:endParaRPr lang="de-CH" dirty="0"/>
+                    </a:p>
+                  </a:txBody>
+                  <a:tcPr/>
+                </a:tc>
+              </a:tr>
+              <a:tr h="370840">
+                <a:tc>
+                  <a:txBody>
+                    <a:bodyPr/>
+                    <a:lstStyle/>
+                    <a:p>
+                      <a:pPr marL="285750" indent="-285750">
+                        <a:buFont typeface="Arial" panose="020B0604020202020204" pitchFamily="34" charset="0"/>
+                        <a:buChar char="•"/>
+                      </a:pPr>
+                      <a:r>
+                        <a:rPr lang="de-CH" dirty="0" smtClean="0"/>
+                        <a:t>Keine Synchronisierung</a:t>
+                      </a:r>
+                      <a:endParaRPr lang="de-CH" dirty="0"/>
+                    </a:p>
+                  </a:txBody>
+                  <a:tcPr/>
+                </a:tc>
+              </a:tr>
+              <a:tr h="370840">
+                <a:tc>
+                  <a:txBody>
+                    <a:bodyPr/>
+                    <a:lstStyle/>
+                    <a:p>
+                      <a:pPr marL="285750" marR="0" indent="-285750" algn="l" defTabSz="457200" rtl="0" eaLnBrk="1" fontAlgn="auto" latinLnBrk="0" hangingPunct="1">
+                        <a:lnSpc>
+                          <a:spcPct val="100000"/>
+                        </a:lnSpc>
+                        <a:spcBef>
+                          <a:spcPts val="0"/>
+                        </a:spcBef>
+                        <a:spcAft>
+                          <a:spcPts val="0"/>
+                        </a:spcAft>
+                        <a:buClrTx/>
+                        <a:buSzTx/>
+                        <a:buFont typeface="Arial" panose="020B0604020202020204" pitchFamily="34" charset="0"/>
+                        <a:buChar char="•"/>
+                        <a:tabLst/>
+                        <a:defRPr/>
+                      </a:pPr>
+                      <a:r>
+                        <a:rPr lang="de-CH" dirty="0" smtClean="0"/>
+                        <a:t>Treiber verteilt Last</a:t>
+                      </a:r>
+                      <a:r>
+                        <a:rPr lang="de-CH" baseline="0" dirty="0" smtClean="0"/>
+                        <a:t> auf alle GPUs</a:t>
+                      </a:r>
+                      <a:endParaRPr lang="de-CH" dirty="0" smtClean="0"/>
+                    </a:p>
+                  </a:txBody>
+                  <a:tcPr/>
+                </a:tc>
+              </a:tr>
+              <a:tr h="370840">
+                <a:tc>
+                  <a:txBody>
+                    <a:bodyPr/>
+                    <a:lstStyle/>
+                    <a:p>
+                      <a:endParaRPr lang="de-CH" dirty="0"/>
+                    </a:p>
+                  </a:txBody>
+                  <a:tcPr/>
+                </a:tc>
+              </a:tr>
+              <a:tr h="370840">
+                <a:tc>
+                  <a:txBody>
+                    <a:bodyPr/>
+                    <a:lstStyle/>
+                    <a:p>
+                      <a:endParaRPr lang="de-CH" dirty="0"/>
+                    </a:p>
+                  </a:txBody>
+                  <a:tcPr/>
+                </a:tc>
+              </a:tr>
+              <a:tr h="370840">
+                <a:tc>
+                  <a:txBody>
+                    <a:bodyPr/>
+                    <a:lstStyle/>
+                    <a:p>
+                      <a:endParaRPr lang="de-CH" dirty="0"/>
+                    </a:p>
+                  </a:txBody>
+                  <a:tcPr/>
+                </a:tc>
+              </a:tr>
+            </a:tbl>
+          </a:graphicData>
+        </a:graphic>
+      </p:graphicFrame>
+      <p:graphicFrame>
+        <p:nvGraphicFramePr>
+          <p:cNvPr id="3" name="Inhaltsplatzhalter 2"/>
+          <p:cNvGraphicFramePr>
+            <a:graphicFrameLocks noGrp="1"/>
+          </p:cNvGraphicFramePr>
+          <p:nvPr>
+            <p:ph sz="half" idx="15"/>
+            <p:extLst/>
+          </p:nvPr>
+        </p:nvGraphicFramePr>
+        <p:xfrm>
+          <a:off x="4589463" y="1980000"/>
+          <a:ext cx="4051300" cy="2225040"/>
+        </p:xfrm>
+        <a:graphic>
+          <a:graphicData uri="http://schemas.openxmlformats.org/drawingml/2006/table">
+            <a:tbl>
+              <a:tblPr firstRow="1" bandRow="1">
+                <a:tableStyleId>{5C22544A-7EE6-4342-B048-85BDC9FD1C3A}</a:tableStyleId>
+              </a:tblPr>
+              <a:tblGrid>
+                <a:gridCol w="4051300"/>
+              </a:tblGrid>
+              <a:tr h="370840">
+                <a:tc>
+                  <a:txBody>
+                    <a:bodyPr/>
+                    <a:lstStyle/>
+                    <a:p>
+                      <a:endParaRPr lang="de-CH" dirty="0"/>
+                    </a:p>
+                  </a:txBody>
+                  <a:tcPr/>
+                </a:tc>
+              </a:tr>
+              <a:tr h="370840">
+                <a:tc>
+                  <a:txBody>
+                    <a:bodyPr/>
+                    <a:lstStyle/>
+                    <a:p>
+                      <a:pPr marL="285750" marR="0" indent="-285750" algn="l" defTabSz="457200" rtl="0" eaLnBrk="1" fontAlgn="auto" latinLnBrk="0" hangingPunct="1">
+                        <a:lnSpc>
+                          <a:spcPct val="100000"/>
+                        </a:lnSpc>
+                        <a:spcBef>
+                          <a:spcPts val="0"/>
+                        </a:spcBef>
+                        <a:spcAft>
+                          <a:spcPts val="0"/>
+                        </a:spcAft>
+                        <a:buClrTx/>
+                        <a:buSzTx/>
+                        <a:buFont typeface="Arial" panose="020B0604020202020204" pitchFamily="34" charset="0"/>
+                        <a:buChar char="•"/>
+                        <a:tabLst/>
+                        <a:defRPr/>
+                      </a:pPr>
+                      <a:r>
+                        <a:rPr lang="de-CH" dirty="0" smtClean="0"/>
+                        <a:t>Anzahl Screens beschränkt</a:t>
+                      </a:r>
+                    </a:p>
+                  </a:txBody>
+                  <a:tcPr/>
+                </a:tc>
+              </a:tr>
+              <a:tr h="370840">
+                <a:tc>
+                  <a:txBody>
+                    <a:bodyPr/>
+                    <a:lstStyle/>
+                    <a:p>
+                      <a:pPr marL="285750" indent="-285750">
+                        <a:buFont typeface="Arial" panose="020B0604020202020204" pitchFamily="34" charset="0"/>
+                        <a:buChar char="•"/>
+                      </a:pPr>
+                      <a:r>
+                        <a:rPr lang="de-CH" dirty="0" smtClean="0"/>
+                        <a:t>Anschaffung</a:t>
+                      </a:r>
+                      <a:r>
+                        <a:rPr lang="de-CH" baseline="0" dirty="0" smtClean="0"/>
+                        <a:t> </a:t>
+                      </a:r>
+                      <a:r>
+                        <a:rPr lang="de-CH" baseline="0" dirty="0" err="1" smtClean="0"/>
+                        <a:t>Quadro</a:t>
+                      </a:r>
+                      <a:r>
+                        <a:rPr lang="de-CH" baseline="0" dirty="0" smtClean="0"/>
+                        <a:t> Karten</a:t>
+                      </a:r>
+                      <a:endParaRPr lang="de-CH" dirty="0"/>
+                    </a:p>
+                  </a:txBody>
+                  <a:tcPr/>
+                </a:tc>
+              </a:tr>
+              <a:tr h="370840">
+                <a:tc>
+                  <a:txBody>
+                    <a:bodyPr/>
+                    <a:lstStyle/>
+                    <a:p>
+                      <a:pPr marL="0" marR="0" indent="0" algn="l" defTabSz="457200" rtl="0" eaLnBrk="1" fontAlgn="auto" latinLnBrk="0" hangingPunct="1">
+                        <a:lnSpc>
+                          <a:spcPct val="100000"/>
+                        </a:lnSpc>
+                        <a:spcBef>
+                          <a:spcPts val="0"/>
+                        </a:spcBef>
+                        <a:spcAft>
+                          <a:spcPts val="0"/>
+                        </a:spcAft>
+                        <a:buClrTx/>
+                        <a:buSzTx/>
+                        <a:buFont typeface="Arial" panose="020B0604020202020204" pitchFamily="34" charset="0"/>
+                        <a:buNone/>
+                        <a:tabLst/>
+                        <a:defRPr/>
+                      </a:pPr>
+                      <a:endParaRPr lang="de-CH" dirty="0" smtClean="0"/>
+                    </a:p>
+                  </a:txBody>
+                  <a:tcPr/>
+                </a:tc>
+              </a:tr>
+              <a:tr h="370840">
+                <a:tc>
+                  <a:txBody>
+                    <a:bodyPr/>
+                    <a:lstStyle/>
+                    <a:p>
+                      <a:pPr marL="0" marR="0" indent="0" algn="l" defTabSz="457200" rtl="0" eaLnBrk="1" fontAlgn="auto" latinLnBrk="0" hangingPunct="1">
+                        <a:lnSpc>
+                          <a:spcPct val="100000"/>
+                        </a:lnSpc>
+                        <a:spcBef>
+                          <a:spcPts val="0"/>
+                        </a:spcBef>
+                        <a:spcAft>
+                          <a:spcPts val="0"/>
+                        </a:spcAft>
+                        <a:buClrTx/>
+                        <a:buSzTx/>
+                        <a:buFontTx/>
+                        <a:buNone/>
+                        <a:tabLst/>
+                        <a:defRPr/>
+                      </a:pPr>
+                      <a:endParaRPr lang="de-CH" dirty="0" smtClean="0"/>
+                    </a:p>
+                  </a:txBody>
+                  <a:tcPr/>
+                </a:tc>
+              </a:tr>
+              <a:tr h="370840">
+                <a:tc>
+                  <a:txBody>
+                    <a:bodyPr/>
+                    <a:lstStyle/>
+                    <a:p>
+                      <a:endParaRPr lang="de-CH" dirty="0"/>
+                    </a:p>
+                  </a:txBody>
+                  <a:tcPr/>
+                </a:tc>
+              </a:tr>
+            </a:tbl>
+          </a:graphicData>
+        </a:graphic>
+      </p:graphicFrame>
+      <p:sp>
+        <p:nvSpPr>
+          <p:cNvPr id="12" name="Textplatzhalter 2"/>
+          <p:cNvSpPr txBox="1">
+            <a:spLocks/>
+          </p:cNvSpPr>
+          <p:nvPr/>
+        </p:nvSpPr>
+        <p:spPr>
+          <a:xfrm>
+            <a:off x="468000" y="1440000"/>
+            <a:ext cx="8100000" cy="540000"/>
+          </a:xfrm>
+          <a:prstGeom prst="rect">
+            <a:avLst/>
+          </a:prstGeom>
+        </p:spPr>
+        <p:txBody>
+          <a:bodyPr lIns="0" rIns="0" anchor="t" anchorCtr="0"/>
+          <a:lstStyle>
+            <a:lvl1pPr marL="0" indent="0" algn="l" defTabSz="457200" rtl="0" eaLnBrk="1" fontAlgn="base" hangingPunct="1">
+              <a:spcBef>
+                <a:spcPct val="20000"/>
+              </a:spcBef>
+              <a:spcAft>
+                <a:spcPct val="0"/>
+              </a:spcAft>
+              <a:buFont typeface="Arial" pitchFamily="34" charset="0"/>
+              <a:buNone/>
+              <a:defRPr sz="1800" b="0" i="0" kern="1200" baseline="0">
+                <a:solidFill>
+                  <a:srgbClr val="697D91"/>
+                </a:solidFill>
+                <a:latin typeface="Lucida Sans"/>
+                <a:ea typeface="MS PGothic" pitchFamily="34" charset="-128"/>
+                <a:cs typeface="Lucida Sans"/>
+              </a:defRPr>
+            </a:lvl1pPr>
+            <a:lvl2pPr marL="457200" indent="0" algn="l" defTabSz="457200" rtl="0" eaLnBrk="1" fontAlgn="base" hangingPunct="1">
+              <a:spcBef>
+                <a:spcPct val="20000"/>
+              </a:spcBef>
+              <a:spcAft>
+                <a:spcPct val="0"/>
+              </a:spcAft>
+              <a:buFont typeface="Arial" pitchFamily="34" charset="0"/>
+              <a:buNone/>
+              <a:defRPr sz="2000" b="1" kern="1200">
+                <a:solidFill>
+                  <a:schemeClr val="tx1"/>
+                </a:solidFill>
+                <a:latin typeface="+mn-lt"/>
+                <a:ea typeface="MS PGothic" pitchFamily="34" charset="-128"/>
+                <a:cs typeface="+mn-cs"/>
+              </a:defRPr>
+            </a:lvl2pPr>
+            <a:lvl3pPr marL="914400" indent="0" algn="l" defTabSz="457200" rtl="0" eaLnBrk="1" fontAlgn="base" hangingPunct="1">
+              <a:spcBef>
+                <a:spcPct val="20000"/>
+              </a:spcBef>
+              <a:spcAft>
+                <a:spcPct val="0"/>
+              </a:spcAft>
+              <a:buFont typeface="Arial" pitchFamily="34" charset="0"/>
+              <a:buNone/>
+              <a:defRPr sz="1800" b="1" kern="1200">
+                <a:solidFill>
+                  <a:schemeClr val="tx1"/>
+                </a:solidFill>
+                <a:latin typeface="+mn-lt"/>
+                <a:ea typeface="MS PGothic" pitchFamily="34" charset="-128"/>
+                <a:cs typeface="+mn-cs"/>
+              </a:defRPr>
+            </a:lvl3pPr>
+            <a:lvl4pPr marL="1371600" indent="0" algn="l" defTabSz="457200" rtl="0" eaLnBrk="1" fontAlgn="base" hangingPunct="1">
+              <a:spcBef>
+                <a:spcPct val="20000"/>
+              </a:spcBef>
+              <a:spcAft>
+                <a:spcPct val="0"/>
+              </a:spcAft>
+              <a:buFont typeface="Arial" pitchFamily="34" charset="0"/>
+              <a:buNone/>
+              <a:defRPr sz="1600" b="1" kern="1200">
+                <a:solidFill>
+                  <a:schemeClr val="tx1"/>
+                </a:solidFill>
+                <a:latin typeface="+mn-lt"/>
+                <a:ea typeface="MS PGothic" pitchFamily="34" charset="-128"/>
+                <a:cs typeface="+mn-cs"/>
+              </a:defRPr>
+            </a:lvl4pPr>
+            <a:lvl5pPr marL="1828800" indent="0" algn="l" defTabSz="457200" rtl="0" eaLnBrk="1" fontAlgn="base" hangingPunct="1">
+              <a:spcBef>
+                <a:spcPct val="20000"/>
+              </a:spcBef>
+              <a:spcAft>
+                <a:spcPct val="0"/>
+              </a:spcAft>
+              <a:buFont typeface="Arial" pitchFamily="34" charset="0"/>
+              <a:buNone/>
+              <a:defRPr sz="1600" b="1" kern="1200">
+                <a:solidFill>
+                  <a:schemeClr val="tx1"/>
+                </a:solidFill>
+                <a:latin typeface="+mn-lt"/>
+                <a:ea typeface="MS PGothic" pitchFamily="34" charset="-128"/>
+                <a:cs typeface="+mn-cs"/>
+              </a:defRPr>
+            </a:lvl5pPr>
+            <a:lvl6pPr marL="2286000" indent="0" algn="l" defTabSz="457200" rtl="0" eaLnBrk="1" latinLnBrk="0" hangingPunct="1">
+              <a:spcBef>
+                <a:spcPct val="20000"/>
+              </a:spcBef>
+              <a:buFont typeface="Arial"/>
+              <a:buNone/>
+              <a:defRPr sz="1600" b="1" kern="1200">
+                <a:solidFill>
+                  <a:schemeClr val="tx1"/>
+                </a:solidFill>
+                <a:latin typeface="+mn-lt"/>
+                <a:ea typeface="+mn-ea"/>
+                <a:cs typeface="+mn-cs"/>
+              </a:defRPr>
+            </a:lvl6pPr>
+            <a:lvl7pPr marL="2743200" indent="0" algn="l" defTabSz="457200" rtl="0" eaLnBrk="1" latinLnBrk="0" hangingPunct="1">
+              <a:spcBef>
+                <a:spcPct val="20000"/>
+              </a:spcBef>
+              <a:buFont typeface="Arial"/>
+              <a:buNone/>
+              <a:defRPr sz="1600" b="1" kern="1200">
+                <a:solidFill>
+                  <a:schemeClr val="tx1"/>
+                </a:solidFill>
+                <a:latin typeface="+mn-lt"/>
+                <a:ea typeface="+mn-ea"/>
+                <a:cs typeface="+mn-cs"/>
+              </a:defRPr>
+            </a:lvl7pPr>
+            <a:lvl8pPr marL="3200400" indent="0" algn="l" defTabSz="457200" rtl="0" eaLnBrk="1" latinLnBrk="0" hangingPunct="1">
+              <a:spcBef>
+                <a:spcPct val="20000"/>
+              </a:spcBef>
+              <a:buFont typeface="Arial"/>
+              <a:buNone/>
+              <a:defRPr sz="1600" b="1" kern="1200">
+                <a:solidFill>
+                  <a:schemeClr val="tx1"/>
+                </a:solidFill>
+                <a:latin typeface="+mn-lt"/>
+                <a:ea typeface="+mn-ea"/>
+                <a:cs typeface="+mn-cs"/>
+              </a:defRPr>
+            </a:lvl8pPr>
+            <a:lvl9pPr marL="3657600" indent="0" algn="l" defTabSz="457200" rtl="0" eaLnBrk="1" latinLnBrk="0" hangingPunct="1">
+              <a:spcBef>
+                <a:spcPct val="20000"/>
+              </a:spcBef>
+              <a:buFont typeface="Arial"/>
+              <a:buNone/>
+              <a:defRPr sz="1600" b="1" kern="1200">
+                <a:solidFill>
+                  <a:schemeClr val="tx1"/>
+                </a:solidFill>
+                <a:latin typeface="+mn-lt"/>
+                <a:ea typeface="+mn-ea"/>
+                <a:cs typeface="+mn-cs"/>
+              </a:defRPr>
+            </a:lvl9pPr>
+          </a:lstStyle>
+          <a:p>
+            <a:r>
+              <a:rPr lang="de-CH" b="1" dirty="0" err="1" smtClean="0"/>
+              <a:t>Mosaic</a:t>
+            </a:r>
+            <a:r>
+              <a:rPr lang="de-CH" dirty="0" smtClean="0"/>
+              <a:t> (Eine Instanz)</a:t>
+            </a:r>
+            <a:endParaRPr lang="de-CH" dirty="0"/>
+          </a:p>
+        </p:txBody>
+      </p:sp>
+      <p:pic>
+        <p:nvPicPr>
+          <p:cNvPr id="4" name="Grafik 3"/>
+          <p:cNvPicPr>
+            <a:picLocks noChangeAspect="1"/>
+          </p:cNvPicPr>
+          <p:nvPr/>
+        </p:nvPicPr>
+        <p:blipFill>
+          <a:blip r:embed="rId2">
+            <a:extLst>
+              <a:ext uri="{28A0092B-C50C-407E-A947-70E740481C1C}">
+                <a14:useLocalDpi xmlns:a14="http://schemas.microsoft.com/office/drawing/2010/main" val="0"/>
+              </a:ext>
+            </a:extLst>
+          </a:blip>
+          <a:stretch>
+            <a:fillRect/>
+          </a:stretch>
+        </p:blipFill>
+        <p:spPr>
+          <a:xfrm>
+            <a:off x="2343117" y="2014184"/>
+            <a:ext cx="288000" cy="288000"/>
+          </a:xfrm>
+          <a:prstGeom prst="rect">
+            <a:avLst/>
+          </a:prstGeom>
+        </p:spPr>
+      </p:pic>
+      <p:pic>
+        <p:nvPicPr>
+          <p:cNvPr id="8" name="Grafik 7"/>
+          <p:cNvPicPr>
+            <a:picLocks noChangeAspect="1"/>
+          </p:cNvPicPr>
+          <p:nvPr/>
+        </p:nvPicPr>
+        <p:blipFill>
+          <a:blip r:embed="rId3">
+            <a:extLst>
+              <a:ext uri="{28A0092B-C50C-407E-A947-70E740481C1C}">
+                <a14:useLocalDpi xmlns:a14="http://schemas.microsoft.com/office/drawing/2010/main" val="0"/>
+              </a:ext>
+            </a:extLst>
+          </a:blip>
+          <a:stretch>
+            <a:fillRect/>
+          </a:stretch>
+        </p:blipFill>
+        <p:spPr>
+          <a:xfrm>
+            <a:off x="6409491" y="2014038"/>
+            <a:ext cx="288000" cy="288000"/>
+          </a:xfrm>
+          <a:prstGeom prst="rect">
+            <a:avLst/>
+          </a:prstGeom>
+        </p:spPr>
+      </p:pic>
+    </p:spTree>
+    <p:extLst>
+      <p:ext uri="{BB962C8B-B14F-4D97-AF65-F5344CB8AC3E}">
+        <p14:creationId xmlns:p14="http://schemas.microsoft.com/office/powerpoint/2010/main" val="3263620475"/>
+      </p:ext>
+    </p:extLst>
+  </p:cSld>
+  <p:clrMapOvr>
+    <a:masterClrMapping/>
+  </p:clrMapOvr>
+  <p:timing>
+    <p:tnLst>
+      <p:par>
+        <p:cTn id="1" dur="indefinite" restart="never" nodeType="tmRoot"/>
+      </p:par>
+    </p:tnLst>
+  </p:timing>
+</p:sld>
+</file>
+
+<file path=ppt/slides/slide21.xml><?xml version="1.0" encoding="utf-8"?>
+<p:sld xmlns:a="http://schemas.openxmlformats.org/drawingml/2006/main" xmlns:r="http://schemas.openxmlformats.org/officeDocument/2006/relationships" xmlns:p="http://schemas.openxmlformats.org/presentationml/2006/main">
+  <p:cSld>
+    <p:spTree>
+      <p:nvGrpSpPr>
+        <p:cNvPr id="1" name=""/>
+        <p:cNvGrpSpPr/>
+        <p:nvPr/>
+      </p:nvGrpSpPr>
+      <p:grpSpPr>
+        <a:xfrm>
+          <a:off x="0" y="0"/>
+          <a:ext cx="0" cy="0"/>
+          <a:chOff x="0" y="0"/>
+          <a:chExt cx="0" cy="0"/>
+        </a:xfrm>
+      </p:grpSpPr>
+      <p:sp>
+        <p:nvSpPr>
+          <p:cNvPr id="7" name="Titel 6"/>
+          <p:cNvSpPr>
+            <a:spLocks noGrp="1"/>
+          </p:cNvSpPr>
+          <p:nvPr>
+            <p:ph type="ctrTitle"/>
+          </p:nvPr>
+        </p:nvSpPr>
+        <p:spPr/>
+        <p:txBody>
+          <a:bodyPr/>
+          <a:lstStyle/>
+          <a:p>
+            <a:r>
+              <a:rPr lang="de-CH" dirty="0"/>
+              <a:t>Ausgangslage </a:t>
+            </a:r>
+            <a:r>
+              <a:rPr lang="de-CH" dirty="0" err="1"/>
+              <a:t>Prototyping</a:t>
+            </a:r>
+            <a:endParaRPr lang="de-CH" dirty="0"/>
+          </a:p>
+        </p:txBody>
+      </p:sp>
+      <p:graphicFrame>
+        <p:nvGraphicFramePr>
+          <p:cNvPr id="2" name="Inhaltsplatzhalter 1"/>
+          <p:cNvGraphicFramePr>
+            <a:graphicFrameLocks noGrp="1"/>
+          </p:cNvGraphicFramePr>
+          <p:nvPr>
+            <p:ph sz="half" idx="13"/>
+            <p:extLst/>
+          </p:nvPr>
+        </p:nvGraphicFramePr>
+        <p:xfrm>
+          <a:off x="468313" y="1980000"/>
+          <a:ext cx="3959225" cy="2225040"/>
+        </p:xfrm>
+        <a:graphic>
+          <a:graphicData uri="http://schemas.openxmlformats.org/drawingml/2006/table">
+            <a:tbl>
+              <a:tblPr firstRow="1" bandRow="1">
+                <a:tableStyleId>{5C22544A-7EE6-4342-B048-85BDC9FD1C3A}</a:tableStyleId>
+              </a:tblPr>
+              <a:tblGrid>
+                <a:gridCol w="3959225"/>
+              </a:tblGrid>
+              <a:tr h="370840">
+                <a:tc>
+                  <a:txBody>
+                    <a:bodyPr/>
+                    <a:lstStyle/>
+                    <a:p>
+                      <a:endParaRPr lang="de-CH" dirty="0"/>
+                    </a:p>
+                  </a:txBody>
+                  <a:tcPr/>
+                </a:tc>
+              </a:tr>
+              <a:tr h="370840">
+                <a:tc>
+                  <a:txBody>
+                    <a:bodyPr/>
+                    <a:lstStyle/>
+                    <a:p>
+                      <a:pPr marL="285750" indent="-285750">
+                        <a:buFont typeface="Arial" panose="020B0604020202020204" pitchFamily="34" charset="0"/>
+                        <a:buChar char="•"/>
+                      </a:pPr>
+                      <a:r>
+                        <a:rPr lang="de-CH" dirty="0" smtClean="0"/>
+                        <a:t>Keine Synchronisierung</a:t>
+                      </a:r>
+                      <a:endParaRPr lang="de-CH" dirty="0"/>
+                    </a:p>
+                  </a:txBody>
+                  <a:tcPr/>
+                </a:tc>
+              </a:tr>
+              <a:tr h="370840">
+                <a:tc>
+                  <a:txBody>
+                    <a:bodyPr/>
+                    <a:lstStyle/>
+                    <a:p>
+                      <a:pPr marL="285750" marR="0" indent="-285750" algn="l" defTabSz="457200" rtl="0" eaLnBrk="1" fontAlgn="auto" latinLnBrk="0" hangingPunct="1">
+                        <a:lnSpc>
+                          <a:spcPct val="100000"/>
+                        </a:lnSpc>
+                        <a:spcBef>
+                          <a:spcPts val="0"/>
+                        </a:spcBef>
+                        <a:spcAft>
+                          <a:spcPts val="0"/>
+                        </a:spcAft>
+                        <a:buClrTx/>
+                        <a:buSzTx/>
+                        <a:buFont typeface="Arial" panose="020B0604020202020204" pitchFamily="34" charset="0"/>
+                        <a:buChar char="•"/>
+                        <a:tabLst/>
+                        <a:defRPr/>
+                      </a:pPr>
+                      <a:endParaRPr lang="de-CH" dirty="0" smtClean="0"/>
+                    </a:p>
+                  </a:txBody>
+                  <a:tcPr/>
+                </a:tc>
+              </a:tr>
+              <a:tr h="370840">
+                <a:tc>
+                  <a:txBody>
+                    <a:bodyPr/>
+                    <a:lstStyle/>
+                    <a:p>
+                      <a:endParaRPr lang="de-CH" dirty="0"/>
+                    </a:p>
+                  </a:txBody>
+                  <a:tcPr/>
+                </a:tc>
+              </a:tr>
+              <a:tr h="370840">
+                <a:tc>
+                  <a:txBody>
+                    <a:bodyPr/>
+                    <a:lstStyle/>
+                    <a:p>
+                      <a:endParaRPr lang="de-CH" dirty="0"/>
+                    </a:p>
+                  </a:txBody>
+                  <a:tcPr/>
+                </a:tc>
+              </a:tr>
+              <a:tr h="370840">
+                <a:tc>
+                  <a:txBody>
+                    <a:bodyPr/>
+                    <a:lstStyle/>
+                    <a:p>
+                      <a:endParaRPr lang="de-CH" dirty="0"/>
+                    </a:p>
+                  </a:txBody>
+                  <a:tcPr/>
+                </a:tc>
+              </a:tr>
+            </a:tbl>
+          </a:graphicData>
+        </a:graphic>
+      </p:graphicFrame>
+      <p:graphicFrame>
+        <p:nvGraphicFramePr>
+          <p:cNvPr id="3" name="Inhaltsplatzhalter 2"/>
+          <p:cNvGraphicFramePr>
+            <a:graphicFrameLocks noGrp="1"/>
+          </p:cNvGraphicFramePr>
+          <p:nvPr>
+            <p:ph sz="half" idx="15"/>
+            <p:extLst/>
+          </p:nvPr>
+        </p:nvGraphicFramePr>
+        <p:xfrm>
+          <a:off x="4589463" y="1980000"/>
+          <a:ext cx="4051300" cy="2494280"/>
+        </p:xfrm>
+        <a:graphic>
+          <a:graphicData uri="http://schemas.openxmlformats.org/drawingml/2006/table">
+            <a:tbl>
+              <a:tblPr firstRow="1" bandRow="1">
+                <a:tableStyleId>{5C22544A-7EE6-4342-B048-85BDC9FD1C3A}</a:tableStyleId>
+              </a:tblPr>
+              <a:tblGrid>
+                <a:gridCol w="4051300"/>
+              </a:tblGrid>
+              <a:tr h="370840">
+                <a:tc>
+                  <a:txBody>
+                    <a:bodyPr/>
+                    <a:lstStyle/>
+                    <a:p>
+                      <a:endParaRPr lang="de-CH" dirty="0"/>
+                    </a:p>
+                  </a:txBody>
+                  <a:tcPr/>
+                </a:tc>
+              </a:tr>
+              <a:tr h="370840">
+                <a:tc>
+                  <a:txBody>
+                    <a:bodyPr/>
+                    <a:lstStyle/>
+                    <a:p>
+                      <a:pPr marL="285750" marR="0" indent="-285750" algn="l" defTabSz="457200" rtl="0" eaLnBrk="1" fontAlgn="auto" latinLnBrk="0" hangingPunct="1">
+                        <a:lnSpc>
+                          <a:spcPct val="100000"/>
+                        </a:lnSpc>
+                        <a:spcBef>
+                          <a:spcPts val="0"/>
+                        </a:spcBef>
+                        <a:spcAft>
+                          <a:spcPts val="0"/>
+                        </a:spcAft>
+                        <a:buClrTx/>
+                        <a:buSzTx/>
+                        <a:buFont typeface="Arial" panose="020B0604020202020204" pitchFamily="34" charset="0"/>
+                        <a:buChar char="•"/>
+                        <a:tabLst/>
+                        <a:defRPr/>
+                      </a:pPr>
+                      <a:r>
+                        <a:rPr lang="de-CH" dirty="0" smtClean="0"/>
+                        <a:t>Anzahl Screens beschränkt</a:t>
+                      </a:r>
+                    </a:p>
+                  </a:txBody>
+                  <a:tcPr/>
+                </a:tc>
+              </a:tr>
+              <a:tr h="370840">
+                <a:tc>
+                  <a:txBody>
+                    <a:bodyPr/>
+                    <a:lstStyle/>
+                    <a:p>
+                      <a:pPr marL="285750" indent="-285750">
+                        <a:buFont typeface="Arial" panose="020B0604020202020204" pitchFamily="34" charset="0"/>
+                        <a:buChar char="•"/>
+                      </a:pPr>
+                      <a:r>
+                        <a:rPr lang="de-CH" dirty="0" smtClean="0"/>
+                        <a:t>Last nur auf einer GPU</a:t>
+                      </a:r>
+                      <a:endParaRPr lang="de-CH" dirty="0"/>
+                    </a:p>
+                  </a:txBody>
+                  <a:tcPr/>
+                </a:tc>
+              </a:tr>
+              <a:tr h="370840">
+                <a:tc>
+                  <a:txBody>
+                    <a:bodyPr/>
+                    <a:lstStyle/>
+                    <a:p>
+                      <a:pPr marL="285750" marR="0" indent="-285750" algn="l" defTabSz="457200" rtl="0" eaLnBrk="1" fontAlgn="auto" latinLnBrk="0" hangingPunct="1">
+                        <a:lnSpc>
+                          <a:spcPct val="100000"/>
+                        </a:lnSpc>
+                        <a:spcBef>
+                          <a:spcPts val="0"/>
+                        </a:spcBef>
+                        <a:spcAft>
+                          <a:spcPts val="0"/>
+                        </a:spcAft>
+                        <a:buClrTx/>
+                        <a:buSzTx/>
+                        <a:buFont typeface="Arial" panose="020B0604020202020204" pitchFamily="34" charset="0"/>
+                        <a:buChar char="•"/>
+                        <a:tabLst/>
+                        <a:defRPr/>
+                      </a:pPr>
+                      <a:r>
+                        <a:rPr lang="de-CH" dirty="0" smtClean="0"/>
+                        <a:t>Keine native Fullscreen Funktionalität</a:t>
+                      </a:r>
+                    </a:p>
+                  </a:txBody>
+                  <a:tcPr/>
+                </a:tc>
+              </a:tr>
+              <a:tr h="370840">
+                <a:tc>
+                  <a:txBody>
+                    <a:bodyPr/>
+                    <a:lstStyle/>
+                    <a:p>
+                      <a:pPr marL="0" marR="0" indent="0" algn="l" defTabSz="457200" rtl="0" eaLnBrk="1" fontAlgn="auto" latinLnBrk="0" hangingPunct="1">
+                        <a:lnSpc>
+                          <a:spcPct val="100000"/>
+                        </a:lnSpc>
+                        <a:spcBef>
+                          <a:spcPts val="0"/>
+                        </a:spcBef>
+                        <a:spcAft>
+                          <a:spcPts val="0"/>
+                        </a:spcAft>
+                        <a:buClrTx/>
+                        <a:buSzTx/>
+                        <a:buFontTx/>
+                        <a:buNone/>
+                        <a:tabLst/>
+                        <a:defRPr/>
+                      </a:pPr>
+                      <a:endParaRPr lang="de-CH" dirty="0" smtClean="0"/>
+                    </a:p>
+                  </a:txBody>
+                  <a:tcPr/>
+                </a:tc>
+              </a:tr>
+              <a:tr h="370840">
+                <a:tc>
+                  <a:txBody>
+                    <a:bodyPr/>
+                    <a:lstStyle/>
+                    <a:p>
+                      <a:endParaRPr lang="de-CH" dirty="0"/>
+                    </a:p>
+                  </a:txBody>
+                  <a:tcPr/>
+                </a:tc>
+              </a:tr>
+            </a:tbl>
+          </a:graphicData>
+        </a:graphic>
+      </p:graphicFrame>
+      <p:sp>
+        <p:nvSpPr>
+          <p:cNvPr id="12" name="Textplatzhalter 2"/>
+          <p:cNvSpPr txBox="1">
+            <a:spLocks/>
+          </p:cNvSpPr>
+          <p:nvPr/>
+        </p:nvSpPr>
+        <p:spPr>
+          <a:xfrm>
+            <a:off x="468000" y="1440000"/>
+            <a:ext cx="8100000" cy="540000"/>
+          </a:xfrm>
+          <a:prstGeom prst="rect">
+            <a:avLst/>
+          </a:prstGeom>
+        </p:spPr>
+        <p:txBody>
+          <a:bodyPr lIns="0" rIns="0" anchor="t" anchorCtr="0"/>
+          <a:lstStyle>
+            <a:lvl1pPr marL="0" indent="0" algn="l" defTabSz="457200" rtl="0" eaLnBrk="1" fontAlgn="base" hangingPunct="1">
+              <a:spcBef>
+                <a:spcPct val="20000"/>
+              </a:spcBef>
+              <a:spcAft>
+                <a:spcPct val="0"/>
+              </a:spcAft>
+              <a:buFont typeface="Arial" pitchFamily="34" charset="0"/>
+              <a:buNone/>
+              <a:defRPr sz="1800" b="0" i="0" kern="1200" baseline="0">
+                <a:solidFill>
+                  <a:srgbClr val="697D91"/>
+                </a:solidFill>
+                <a:latin typeface="Lucida Sans"/>
+                <a:ea typeface="MS PGothic" pitchFamily="34" charset="-128"/>
+                <a:cs typeface="Lucida Sans"/>
+              </a:defRPr>
+            </a:lvl1pPr>
+            <a:lvl2pPr marL="457200" indent="0" algn="l" defTabSz="457200" rtl="0" eaLnBrk="1" fontAlgn="base" hangingPunct="1">
+              <a:spcBef>
+                <a:spcPct val="20000"/>
+              </a:spcBef>
+              <a:spcAft>
+                <a:spcPct val="0"/>
+              </a:spcAft>
+              <a:buFont typeface="Arial" pitchFamily="34" charset="0"/>
+              <a:buNone/>
+              <a:defRPr sz="2000" b="1" kern="1200">
+                <a:solidFill>
+                  <a:schemeClr val="tx1"/>
+                </a:solidFill>
+                <a:latin typeface="+mn-lt"/>
+                <a:ea typeface="MS PGothic" pitchFamily="34" charset="-128"/>
+                <a:cs typeface="+mn-cs"/>
+              </a:defRPr>
+            </a:lvl2pPr>
+            <a:lvl3pPr marL="914400" indent="0" algn="l" defTabSz="457200" rtl="0" eaLnBrk="1" fontAlgn="base" hangingPunct="1">
+              <a:spcBef>
+                <a:spcPct val="20000"/>
+              </a:spcBef>
+              <a:spcAft>
+                <a:spcPct val="0"/>
+              </a:spcAft>
+              <a:buFont typeface="Arial" pitchFamily="34" charset="0"/>
+              <a:buNone/>
+              <a:defRPr sz="1800" b="1" kern="1200">
+                <a:solidFill>
+                  <a:schemeClr val="tx1"/>
+                </a:solidFill>
+                <a:latin typeface="+mn-lt"/>
+                <a:ea typeface="MS PGothic" pitchFamily="34" charset="-128"/>
+                <a:cs typeface="+mn-cs"/>
+              </a:defRPr>
+            </a:lvl3pPr>
+            <a:lvl4pPr marL="1371600" indent="0" algn="l" defTabSz="457200" rtl="0" eaLnBrk="1" fontAlgn="base" hangingPunct="1">
+              <a:spcBef>
+                <a:spcPct val="20000"/>
+              </a:spcBef>
+              <a:spcAft>
+                <a:spcPct val="0"/>
+              </a:spcAft>
+              <a:buFont typeface="Arial" pitchFamily="34" charset="0"/>
+              <a:buNone/>
+              <a:defRPr sz="1600" b="1" kern="1200">
+                <a:solidFill>
+                  <a:schemeClr val="tx1"/>
+                </a:solidFill>
+                <a:latin typeface="+mn-lt"/>
+                <a:ea typeface="MS PGothic" pitchFamily="34" charset="-128"/>
+                <a:cs typeface="+mn-cs"/>
+              </a:defRPr>
+            </a:lvl4pPr>
+            <a:lvl5pPr marL="1828800" indent="0" algn="l" defTabSz="457200" rtl="0" eaLnBrk="1" fontAlgn="base" hangingPunct="1">
+              <a:spcBef>
+                <a:spcPct val="20000"/>
+              </a:spcBef>
+              <a:spcAft>
+                <a:spcPct val="0"/>
+              </a:spcAft>
+              <a:buFont typeface="Arial" pitchFamily="34" charset="0"/>
+              <a:buNone/>
+              <a:defRPr sz="1600" b="1" kern="1200">
+                <a:solidFill>
+                  <a:schemeClr val="tx1"/>
+                </a:solidFill>
+                <a:latin typeface="+mn-lt"/>
+                <a:ea typeface="MS PGothic" pitchFamily="34" charset="-128"/>
+                <a:cs typeface="+mn-cs"/>
+              </a:defRPr>
+            </a:lvl5pPr>
+            <a:lvl6pPr marL="2286000" indent="0" algn="l" defTabSz="457200" rtl="0" eaLnBrk="1" latinLnBrk="0" hangingPunct="1">
+              <a:spcBef>
+                <a:spcPct val="20000"/>
+              </a:spcBef>
+              <a:buFont typeface="Arial"/>
+              <a:buNone/>
+              <a:defRPr sz="1600" b="1" kern="1200">
+                <a:solidFill>
+                  <a:schemeClr val="tx1"/>
+                </a:solidFill>
+                <a:latin typeface="+mn-lt"/>
+                <a:ea typeface="+mn-ea"/>
+                <a:cs typeface="+mn-cs"/>
+              </a:defRPr>
+            </a:lvl6pPr>
+            <a:lvl7pPr marL="2743200" indent="0" algn="l" defTabSz="457200" rtl="0" eaLnBrk="1" latinLnBrk="0" hangingPunct="1">
+              <a:spcBef>
+                <a:spcPct val="20000"/>
+              </a:spcBef>
+              <a:buFont typeface="Arial"/>
+              <a:buNone/>
+              <a:defRPr sz="1600" b="1" kern="1200">
+                <a:solidFill>
+                  <a:schemeClr val="tx1"/>
+                </a:solidFill>
+                <a:latin typeface="+mn-lt"/>
+                <a:ea typeface="+mn-ea"/>
+                <a:cs typeface="+mn-cs"/>
+              </a:defRPr>
+            </a:lvl7pPr>
+            <a:lvl8pPr marL="3200400" indent="0" algn="l" defTabSz="457200" rtl="0" eaLnBrk="1" latinLnBrk="0" hangingPunct="1">
+              <a:spcBef>
+                <a:spcPct val="20000"/>
+              </a:spcBef>
+              <a:buFont typeface="Arial"/>
+              <a:buNone/>
+              <a:defRPr sz="1600" b="1" kern="1200">
+                <a:solidFill>
+                  <a:schemeClr val="tx1"/>
+                </a:solidFill>
+                <a:latin typeface="+mn-lt"/>
+                <a:ea typeface="+mn-ea"/>
+                <a:cs typeface="+mn-cs"/>
+              </a:defRPr>
+            </a:lvl8pPr>
+            <a:lvl9pPr marL="3657600" indent="0" algn="l" defTabSz="457200" rtl="0" eaLnBrk="1" latinLnBrk="0" hangingPunct="1">
+              <a:spcBef>
+                <a:spcPct val="20000"/>
+              </a:spcBef>
+              <a:buFont typeface="Arial"/>
+              <a:buNone/>
+              <a:defRPr sz="1600" b="1" kern="1200">
+                <a:solidFill>
+                  <a:schemeClr val="tx1"/>
+                </a:solidFill>
+                <a:latin typeface="+mn-lt"/>
+                <a:ea typeface="+mn-ea"/>
+                <a:cs typeface="+mn-cs"/>
+              </a:defRPr>
+            </a:lvl9pPr>
+          </a:lstStyle>
+          <a:p>
+            <a:r>
+              <a:rPr lang="de-CH" b="1" dirty="0" err="1" smtClean="0"/>
+              <a:t>GeForces</a:t>
+            </a:r>
+            <a:r>
+              <a:rPr lang="de-CH" b="1" dirty="0" smtClean="0"/>
+              <a:t> </a:t>
+            </a:r>
+            <a:r>
+              <a:rPr lang="de-CH" dirty="0" smtClean="0"/>
+              <a:t>(Eine Instanz)</a:t>
+            </a:r>
+            <a:endParaRPr lang="de-CH" dirty="0"/>
+          </a:p>
+        </p:txBody>
+      </p:sp>
+      <p:pic>
+        <p:nvPicPr>
+          <p:cNvPr id="4" name="Grafik 3"/>
+          <p:cNvPicPr>
+            <a:picLocks noChangeAspect="1"/>
+          </p:cNvPicPr>
+          <p:nvPr/>
+        </p:nvPicPr>
+        <p:blipFill>
+          <a:blip r:embed="rId3">
+            <a:extLst>
+              <a:ext uri="{28A0092B-C50C-407E-A947-70E740481C1C}">
+                <a14:useLocalDpi xmlns:a14="http://schemas.microsoft.com/office/drawing/2010/main" val="0"/>
+              </a:ext>
+            </a:extLst>
+          </a:blip>
+          <a:stretch>
+            <a:fillRect/>
+          </a:stretch>
+        </p:blipFill>
+        <p:spPr>
+          <a:xfrm>
+            <a:off x="2343117" y="2014184"/>
+            <a:ext cx="288000" cy="288000"/>
+          </a:xfrm>
+          <a:prstGeom prst="rect">
+            <a:avLst/>
+          </a:prstGeom>
+        </p:spPr>
+      </p:pic>
+      <p:pic>
+        <p:nvPicPr>
+          <p:cNvPr id="8" name="Grafik 7"/>
+          <p:cNvPicPr>
+            <a:picLocks noChangeAspect="1"/>
+          </p:cNvPicPr>
+          <p:nvPr/>
+        </p:nvPicPr>
+        <p:blipFill>
+          <a:blip r:embed="rId4">
+            <a:extLst>
+              <a:ext uri="{28A0092B-C50C-407E-A947-70E740481C1C}">
+                <a14:useLocalDpi xmlns:a14="http://schemas.microsoft.com/office/drawing/2010/main" val="0"/>
+              </a:ext>
+            </a:extLst>
+          </a:blip>
+          <a:stretch>
+            <a:fillRect/>
+          </a:stretch>
+        </p:blipFill>
+        <p:spPr>
+          <a:xfrm>
+            <a:off x="6409491" y="2014038"/>
+            <a:ext cx="288000" cy="288000"/>
+          </a:xfrm>
+          <a:prstGeom prst="rect">
+            <a:avLst/>
+          </a:prstGeom>
+        </p:spPr>
+      </p:pic>
+    </p:spTree>
+    <p:extLst>
+      <p:ext uri="{BB962C8B-B14F-4D97-AF65-F5344CB8AC3E}">
+        <p14:creationId xmlns:p14="http://schemas.microsoft.com/office/powerpoint/2010/main" val="1635993027"/>
+      </p:ext>
+    </p:extLst>
+  </p:cSld>
+  <p:clrMapOvr>
+    <a:masterClrMapping/>
+  </p:clrMapOvr>
+  <p:timing>
+    <p:tnLst>
+      <p:par>
+        <p:cTn id="1" dur="indefinite" restart="never" nodeType="tmRoot"/>
+      </p:par>
+    </p:tnLst>
+  </p:timing>
+</p:sld>
+</file>
+
+<file path=ppt/slides/slide22.xml><?xml version="1.0" encoding="utf-8"?>
+<p:sld xmlns:a="http://schemas.openxmlformats.org/drawingml/2006/main" xmlns:r="http://schemas.openxmlformats.org/officeDocument/2006/relationships" xmlns:p="http://schemas.openxmlformats.org/presentationml/2006/main">
+  <p:cSld>
+    <p:spTree>
+      <p:nvGrpSpPr>
+        <p:cNvPr id="1" name=""/>
+        <p:cNvGrpSpPr/>
+        <p:nvPr/>
+      </p:nvGrpSpPr>
+      <p:grpSpPr>
+        <a:xfrm>
+          <a:off x="0" y="0"/>
+          <a:ext cx="0" cy="0"/>
+          <a:chOff x="0" y="0"/>
+          <a:chExt cx="0" cy="0"/>
+        </a:xfrm>
+      </p:grpSpPr>
+      <p:sp>
+        <p:nvSpPr>
+          <p:cNvPr id="5" name="Titel 4"/>
+          <p:cNvSpPr>
+            <a:spLocks noGrp="1"/>
+          </p:cNvSpPr>
+          <p:nvPr>
+            <p:ph type="ctrTitle"/>
+          </p:nvPr>
+        </p:nvSpPr>
+        <p:spPr/>
+        <p:txBody>
+          <a:bodyPr/>
+          <a:lstStyle/>
+          <a:p>
+            <a:r>
+              <a:rPr lang="de-CH" dirty="0" err="1" smtClean="0"/>
+              <a:t>Prototyping</a:t>
+            </a:r>
+            <a:r>
+              <a:rPr lang="de-CH" dirty="0" smtClean="0"/>
+              <a:t> im CAVE</a:t>
+            </a:r>
+            <a:endParaRPr lang="de-CH" dirty="0"/>
+          </a:p>
+        </p:txBody>
+      </p:sp>
+      <p:sp>
+        <p:nvSpPr>
+          <p:cNvPr id="6" name="Untertitel 5"/>
+          <p:cNvSpPr>
+            <a:spLocks noGrp="1"/>
+          </p:cNvSpPr>
+          <p:nvPr>
+            <p:ph type="subTitle" idx="1"/>
+          </p:nvPr>
+        </p:nvSpPr>
+        <p:spPr/>
+        <p:txBody>
+          <a:bodyPr/>
+          <a:lstStyle/>
+          <a:p>
+            <a:endParaRPr lang="de-CH"/>
+          </a:p>
+        </p:txBody>
+      </p:sp>
+    </p:spTree>
+    <p:extLst>
+      <p:ext uri="{BB962C8B-B14F-4D97-AF65-F5344CB8AC3E}">
+        <p14:creationId xmlns:p14="http://schemas.microsoft.com/office/powerpoint/2010/main" val="1292292001"/>
+      </p:ext>
+    </p:extLst>
+  </p:cSld>
+  <p:clrMapOvr>
+    <a:masterClrMapping/>
+  </p:clrMapOvr>
+  <p:timing>
+    <p:tnLst>
+      <p:par>
+        <p:cTn id="1" dur="indefinite" restart="never" nodeType="tmRoot"/>
+      </p:par>
+    </p:tnLst>
+  </p:timing>
+</p:sld>
+</file>
+
+<file path=ppt/slides/slide23.xml><?xml version="1.0" encoding="utf-8"?>
+<p:sld xmlns:a="http://schemas.openxmlformats.org/drawingml/2006/main" xmlns:r="http://schemas.openxmlformats.org/officeDocument/2006/relationships" xmlns:p="http://schemas.openxmlformats.org/presentationml/2006/main">
+  <p:cSld>
+    <p:spTree>
+      <p:nvGrpSpPr>
+        <p:cNvPr id="1" name=""/>
+        <p:cNvGrpSpPr/>
+        <p:nvPr/>
+      </p:nvGrpSpPr>
+      <p:grpSpPr>
+        <a:xfrm>
+          <a:off x="0" y="0"/>
+          <a:ext cx="0" cy="0"/>
+          <a:chOff x="0" y="0"/>
+          <a:chExt cx="0" cy="0"/>
+        </a:xfrm>
+      </p:grpSpPr>
+      <p:sp>
+        <p:nvSpPr>
+          <p:cNvPr id="2" name="Titel 1"/>
+          <p:cNvSpPr>
+            <a:spLocks noGrp="1"/>
+          </p:cNvSpPr>
+          <p:nvPr>
+            <p:ph type="ctrTitle"/>
+          </p:nvPr>
+        </p:nvSpPr>
+        <p:spPr/>
+        <p:txBody>
+          <a:bodyPr/>
+          <a:lstStyle/>
+          <a:p>
+            <a:r>
+              <a:rPr lang="de-CH" dirty="0" err="1"/>
+              <a:t>Prototyping</a:t>
+            </a:r>
+            <a:r>
+              <a:rPr lang="de-CH" dirty="0"/>
+              <a:t> im CAVE</a:t>
+            </a:r>
+          </a:p>
+        </p:txBody>
+      </p:sp>
+      <p:sp>
+        <p:nvSpPr>
+          <p:cNvPr id="3" name="Textplatzhalter 2"/>
+          <p:cNvSpPr>
+            <a:spLocks noGrp="1"/>
+          </p:cNvSpPr>
+          <p:nvPr>
+            <p:ph type="body" idx="1"/>
+          </p:nvPr>
+        </p:nvSpPr>
+        <p:spPr/>
+        <p:txBody>
+          <a:bodyPr/>
+          <a:lstStyle/>
+          <a:p>
+            <a:r>
+              <a:rPr lang="de-CH" dirty="0" smtClean="0"/>
+              <a:t>Basic</a:t>
+            </a:r>
+            <a:endParaRPr lang="de-CH" dirty="0"/>
+          </a:p>
+        </p:txBody>
+      </p:sp>
+      <p:pic>
+        <p:nvPicPr>
+          <p:cNvPr id="7" name="Inhaltsplatzhalter 6"/>
+          <p:cNvPicPr>
+            <a:picLocks noGrp="1"/>
+          </p:cNvPicPr>
+          <p:nvPr>
+            <p:ph sz="half" idx="13"/>
+          </p:nvPr>
+        </p:nvPicPr>
+        <p:blipFill>
+          <a:blip r:embed="rId3">
+            <a:extLst>
+              <a:ext uri="{28A0092B-C50C-407E-A947-70E740481C1C}">
+                <a14:useLocalDpi xmlns:a14="http://schemas.microsoft.com/office/drawing/2010/main" val="0"/>
+              </a:ext>
+            </a:extLst>
+          </a:blip>
+          <a:stretch>
+            <a:fillRect/>
+          </a:stretch>
+        </p:blipFill>
+        <p:spPr>
+          <a:xfrm>
+            <a:off x="468312" y="1980000"/>
+            <a:ext cx="4050000" cy="2800800"/>
+          </a:xfrm>
+        </p:spPr>
+      </p:pic>
+      <p:sp>
+        <p:nvSpPr>
+          <p:cNvPr id="5" name="Textplatzhalter 4"/>
+          <p:cNvSpPr>
+            <a:spLocks noGrp="1"/>
+          </p:cNvSpPr>
+          <p:nvPr>
+            <p:ph type="body" idx="14"/>
+          </p:nvPr>
+        </p:nvSpPr>
+        <p:spPr/>
+        <p:txBody>
+          <a:bodyPr/>
+          <a:lstStyle/>
+          <a:p>
+            <a:r>
+              <a:rPr lang="de-CH" dirty="0" smtClean="0"/>
+              <a:t>Basic Extended</a:t>
+            </a:r>
+            <a:endParaRPr lang="de-CH" dirty="0"/>
+          </a:p>
+        </p:txBody>
+      </p:sp>
+      <p:pic>
+        <p:nvPicPr>
+          <p:cNvPr id="8" name="Inhaltsplatzhalter 7"/>
+          <p:cNvPicPr>
+            <a:picLocks noGrp="1" noChangeAspect="1"/>
+          </p:cNvPicPr>
+          <p:nvPr>
+            <p:ph sz="half" idx="15"/>
+          </p:nvPr>
+        </p:nvPicPr>
+        <p:blipFill>
+          <a:blip r:embed="rId4">
+            <a:extLst>
+              <a:ext uri="{28A0092B-C50C-407E-A947-70E740481C1C}">
+                <a14:useLocalDpi xmlns:a14="http://schemas.microsoft.com/office/drawing/2010/main" val="0"/>
+              </a:ext>
+            </a:extLst>
+          </a:blip>
+          <a:stretch>
+            <a:fillRect/>
+          </a:stretch>
+        </p:blipFill>
+        <p:spPr>
+          <a:xfrm>
+            <a:off x="4589463" y="1980000"/>
+            <a:ext cx="4051300" cy="2799911"/>
+          </a:xfrm>
+        </p:spPr>
+      </p:pic>
+    </p:spTree>
+    <p:extLst>
+      <p:ext uri="{BB962C8B-B14F-4D97-AF65-F5344CB8AC3E}">
+        <p14:creationId xmlns:p14="http://schemas.microsoft.com/office/powerpoint/2010/main" val="2205757713"/>
+      </p:ext>
+    </p:extLst>
+  </p:cSld>
+  <p:clrMapOvr>
+    <a:masterClrMapping/>
+  </p:clrMapOvr>
+  <p:timing>
+    <p:tnLst>
+      <p:par>
+        <p:cTn id="1" dur="indefinite" restart="never" nodeType="tmRoot"/>
+      </p:par>
+    </p:tnLst>
+  </p:timing>
+</p:sld>
+</file>
+
+<file path=ppt/slides/slide24.xml><?xml version="1.0" encoding="utf-8"?>
+<p:sld xmlns:a="http://schemas.openxmlformats.org/drawingml/2006/main" xmlns:r="http://schemas.openxmlformats.org/officeDocument/2006/relationships" xmlns:p="http://schemas.openxmlformats.org/presentationml/2006/main">
+  <p:cSld>
+    <p:spTree>
+      <p:nvGrpSpPr>
+        <p:cNvPr id="1" name=""/>
+        <p:cNvGrpSpPr/>
+        <p:nvPr/>
+      </p:nvGrpSpPr>
+      <p:grpSpPr>
+        <a:xfrm>
+          <a:off x="0" y="0"/>
+          <a:ext cx="0" cy="0"/>
+          <a:chOff x="0" y="0"/>
+          <a:chExt cx="0" cy="0"/>
+        </a:xfrm>
+      </p:grpSpPr>
+      <p:sp>
+        <p:nvSpPr>
+          <p:cNvPr id="2" name="Titel 1"/>
+          <p:cNvSpPr>
+            <a:spLocks noGrp="1"/>
+          </p:cNvSpPr>
+          <p:nvPr>
+            <p:ph type="ctrTitle"/>
+          </p:nvPr>
+        </p:nvSpPr>
+        <p:spPr/>
+        <p:txBody>
+          <a:bodyPr/>
+          <a:lstStyle/>
+          <a:p>
+            <a:r>
+              <a:rPr lang="de-CH" dirty="0" err="1"/>
+              <a:t>Prototyping</a:t>
+            </a:r>
+            <a:r>
+              <a:rPr lang="de-CH" dirty="0"/>
+              <a:t> im CAVE</a:t>
+            </a:r>
+          </a:p>
+        </p:txBody>
+      </p:sp>
+      <p:sp>
+        <p:nvSpPr>
+          <p:cNvPr id="3" name="Textplatzhalter 2"/>
+          <p:cNvSpPr>
+            <a:spLocks noGrp="1"/>
+          </p:cNvSpPr>
+          <p:nvPr>
+            <p:ph type="body" idx="1"/>
+          </p:nvPr>
+        </p:nvSpPr>
+        <p:spPr/>
+        <p:txBody>
+          <a:bodyPr/>
+          <a:lstStyle/>
+          <a:p>
+            <a:r>
+              <a:rPr lang="de-CH" dirty="0" err="1" smtClean="0"/>
+              <a:t>AngryBots</a:t>
+            </a:r>
+            <a:endParaRPr lang="de-CH" dirty="0"/>
+          </a:p>
+        </p:txBody>
+      </p:sp>
+      <p:pic>
+        <p:nvPicPr>
+          <p:cNvPr id="7" name="Inhaltsplatzhalter 6"/>
+          <p:cNvPicPr>
+            <a:picLocks noGrp="1"/>
+          </p:cNvPicPr>
+          <p:nvPr>
+            <p:ph sz="half" idx="13"/>
+          </p:nvPr>
+        </p:nvPicPr>
+        <p:blipFill rotWithShape="1">
+          <a:blip r:embed="rId3">
+            <a:extLst>
+              <a:ext uri="{28A0092B-C50C-407E-A947-70E740481C1C}">
+                <a14:useLocalDpi xmlns:a14="http://schemas.microsoft.com/office/drawing/2010/main" val="0"/>
+              </a:ext>
+            </a:extLst>
+          </a:blip>
+          <a:srcRect l="14067" t="1130" r="15412" b="773"/>
+          <a:stretch/>
+        </p:blipFill>
+        <p:spPr>
+          <a:xfrm>
+            <a:off x="468000" y="1980000"/>
+            <a:ext cx="4050000" cy="2800800"/>
+          </a:xfrm>
+        </p:spPr>
+      </p:pic>
+      <p:sp>
+        <p:nvSpPr>
+          <p:cNvPr id="5" name="Textplatzhalter 4"/>
+          <p:cNvSpPr>
+            <a:spLocks noGrp="1"/>
+          </p:cNvSpPr>
+          <p:nvPr>
+            <p:ph type="body" idx="14"/>
+          </p:nvPr>
+        </p:nvSpPr>
+        <p:spPr/>
+        <p:txBody>
+          <a:bodyPr/>
+          <a:lstStyle/>
+          <a:p>
+            <a:r>
+              <a:rPr lang="de-CH" dirty="0" smtClean="0"/>
+              <a:t>Car Tutorial</a:t>
+            </a:r>
+            <a:endParaRPr lang="de-CH" dirty="0"/>
+          </a:p>
+        </p:txBody>
+      </p:sp>
+      <p:pic>
+        <p:nvPicPr>
+          <p:cNvPr id="8" name="Inhaltsplatzhalter 7"/>
+          <p:cNvPicPr>
+            <a:picLocks noGrp="1"/>
+          </p:cNvPicPr>
+          <p:nvPr>
+            <p:ph sz="half" idx="15"/>
+          </p:nvPr>
+        </p:nvPicPr>
+        <p:blipFill>
+          <a:blip r:embed="rId4">
+            <a:extLst>
+              <a:ext uri="{28A0092B-C50C-407E-A947-70E740481C1C}">
+                <a14:useLocalDpi xmlns:a14="http://schemas.microsoft.com/office/drawing/2010/main" val="0"/>
+              </a:ext>
+            </a:extLst>
+          </a:blip>
+          <a:stretch>
+            <a:fillRect/>
+          </a:stretch>
+        </p:blipFill>
+        <p:spPr>
+          <a:xfrm>
+            <a:off x="4590000" y="1980000"/>
+            <a:ext cx="4050000" cy="2799911"/>
+          </a:xfrm>
+        </p:spPr>
+      </p:pic>
+    </p:spTree>
+    <p:extLst>
+      <p:ext uri="{BB962C8B-B14F-4D97-AF65-F5344CB8AC3E}">
+        <p14:creationId xmlns:p14="http://schemas.microsoft.com/office/powerpoint/2010/main" val="2252782786"/>
+      </p:ext>
+    </p:extLst>
+  </p:cSld>
+  <p:clrMapOvr>
+    <a:masterClrMapping/>
+  </p:clrMapOvr>
+  <p:timing>
+    <p:tnLst>
+      <p:par>
+        <p:cTn id="1" dur="indefinite" restart="never" nodeType="tmRoot"/>
+      </p:par>
+    </p:tnLst>
+  </p:timing>
+</p:sld>
+</file>
+
+<file path=ppt/slides/slide25.xml><?xml version="1.0" encoding="utf-8"?>
+<p:sld xmlns:a="http://schemas.openxmlformats.org/drawingml/2006/main" xmlns:r="http://schemas.openxmlformats.org/officeDocument/2006/relationships" xmlns:p="http://schemas.openxmlformats.org/presentationml/2006/main">
+  <p:cSld>
+    <p:spTree>
+      <p:nvGrpSpPr>
+        <p:cNvPr id="1" name=""/>
+        <p:cNvGrpSpPr/>
+        <p:nvPr/>
+      </p:nvGrpSpPr>
+      <p:grpSpPr>
+        <a:xfrm>
+          <a:off x="0" y="0"/>
+          <a:ext cx="0" cy="0"/>
+          <a:chOff x="0" y="0"/>
+          <a:chExt cx="0" cy="0"/>
+        </a:xfrm>
+      </p:grpSpPr>
+      <p:pic>
+        <p:nvPicPr>
+          <p:cNvPr id="4" name="Inhaltsplatzhalter 3"/>
+          <p:cNvPicPr>
+            <a:picLocks noGrp="1" noChangeAspect="1"/>
+          </p:cNvPicPr>
+          <p:nvPr>
+            <p:ph sz="half" idx="1"/>
+          </p:nvPr>
+        </p:nvPicPr>
+        <p:blipFill>
+          <a:blip r:embed="rId2">
+            <a:extLst>
+              <a:ext uri="{28A0092B-C50C-407E-A947-70E740481C1C}">
+                <a14:useLocalDpi xmlns:a14="http://schemas.microsoft.com/office/drawing/2010/main" val="0"/>
+              </a:ext>
+            </a:extLst>
+          </a:blip>
+          <a:stretch>
+            <a:fillRect/>
+          </a:stretch>
+        </p:blipFill>
+        <p:spPr>
+          <a:xfrm>
+            <a:off x="468000" y="1439863"/>
+            <a:ext cx="6239933" cy="4679950"/>
+          </a:xfrm>
+        </p:spPr>
+      </p:pic>
+      <p:sp>
+        <p:nvSpPr>
+          <p:cNvPr id="3" name="Titel 2"/>
+          <p:cNvSpPr>
+            <a:spLocks noGrp="1"/>
+          </p:cNvSpPr>
+          <p:nvPr>
+            <p:ph type="ctrTitle"/>
+          </p:nvPr>
+        </p:nvSpPr>
+        <p:spPr/>
+        <p:txBody>
+          <a:bodyPr/>
+          <a:lstStyle/>
+          <a:p>
+            <a:r>
+              <a:rPr lang="de-CH" dirty="0" err="1"/>
+              <a:t>Prototyping</a:t>
+            </a:r>
+            <a:r>
+              <a:rPr lang="de-CH" dirty="0"/>
+              <a:t> im CAVE</a:t>
+            </a:r>
+          </a:p>
+        </p:txBody>
+      </p:sp>
+    </p:spTree>
+    <p:extLst>
+      <p:ext uri="{BB962C8B-B14F-4D97-AF65-F5344CB8AC3E}">
+        <p14:creationId xmlns:p14="http://schemas.microsoft.com/office/powerpoint/2010/main" val="3024832658"/>
+      </p:ext>
+    </p:extLst>
+  </p:cSld>
+  <p:clrMapOvr>
+    <a:masterClrMapping/>
+  </p:clrMapOvr>
+  <p:timing>
+    <p:tnLst>
+      <p:par>
+        <p:cTn id="1" dur="indefinite" restart="never" nodeType="tmRoot"/>
+      </p:par>
+    </p:tnLst>
+  </p:timing>
+</p:sld>
+</file>
+
+<file path=ppt/slides/slide26.xml><?xml version="1.0" encoding="utf-8"?>
+<p:sld xmlns:a="http://schemas.openxmlformats.org/drawingml/2006/main" xmlns:r="http://schemas.openxmlformats.org/officeDocument/2006/relationships" xmlns:p="http://schemas.openxmlformats.org/presentationml/2006/main">
+  <p:cSld>
+    <p:spTree>
+      <p:nvGrpSpPr>
+        <p:cNvPr id="1" name=""/>
+        <p:cNvGrpSpPr/>
+        <p:nvPr/>
+      </p:nvGrpSpPr>
+      <p:grpSpPr>
+        <a:xfrm>
+          <a:off x="0" y="0"/>
+          <a:ext cx="0" cy="0"/>
+          <a:chOff x="0" y="0"/>
+          <a:chExt cx="0" cy="0"/>
+        </a:xfrm>
+      </p:grpSpPr>
+      <p:sp>
+        <p:nvSpPr>
+          <p:cNvPr id="2" name="Titel 1"/>
+          <p:cNvSpPr>
+            <a:spLocks noGrp="1"/>
+          </p:cNvSpPr>
+          <p:nvPr>
+            <p:ph type="ctrTitle"/>
+          </p:nvPr>
+        </p:nvSpPr>
+        <p:spPr/>
+        <p:txBody>
+          <a:bodyPr/>
+          <a:lstStyle/>
+          <a:p>
+            <a:r>
+              <a:rPr lang="de-CH" dirty="0" err="1"/>
+              <a:t>Prototyping</a:t>
+            </a:r>
+            <a:r>
+              <a:rPr lang="de-CH" dirty="0"/>
+              <a:t> im CAVE</a:t>
+            </a:r>
+          </a:p>
+        </p:txBody>
+      </p:sp>
+      <p:sp>
+        <p:nvSpPr>
+          <p:cNvPr id="3" name="Textplatzhalter 2"/>
+          <p:cNvSpPr>
+            <a:spLocks noGrp="1"/>
+          </p:cNvSpPr>
+          <p:nvPr>
+            <p:ph type="body" idx="1"/>
+          </p:nvPr>
+        </p:nvSpPr>
+        <p:spPr/>
+        <p:txBody>
+          <a:bodyPr/>
+          <a:lstStyle/>
+          <a:p>
+            <a:r>
+              <a:rPr lang="de-CH" dirty="0" smtClean="0"/>
+              <a:t>Mehrere Instanzen</a:t>
+            </a:r>
+            <a:endParaRPr lang="de-CH" dirty="0"/>
+          </a:p>
+        </p:txBody>
+      </p:sp>
+      <p:sp>
+        <p:nvSpPr>
+          <p:cNvPr id="4" name="Inhaltsplatzhalter 3"/>
+          <p:cNvSpPr>
+            <a:spLocks noGrp="1"/>
+          </p:cNvSpPr>
+          <p:nvPr>
+            <p:ph sz="half" idx="13"/>
+          </p:nvPr>
+        </p:nvSpPr>
+        <p:spPr/>
+        <p:txBody>
+          <a:bodyPr/>
+          <a:lstStyle/>
+          <a:p>
+            <a:r>
+              <a:rPr lang="de-CH" dirty="0" smtClean="0"/>
+              <a:t>Hauptproblem Synchronisierung</a:t>
+            </a:r>
+          </a:p>
+          <a:p>
+            <a:r>
+              <a:rPr lang="de-CH" dirty="0" err="1" smtClean="0"/>
+              <a:t>MiddleVR</a:t>
+            </a:r>
+            <a:r>
+              <a:rPr lang="de-CH" dirty="0" smtClean="0"/>
+              <a:t> gleicht nur Position ab</a:t>
+            </a:r>
+          </a:p>
+          <a:p>
+            <a:r>
+              <a:rPr lang="de-CH" dirty="0" smtClean="0"/>
+              <a:t>Inkonsistente Bildrate</a:t>
+            </a:r>
+          </a:p>
+          <a:p>
+            <a:r>
+              <a:rPr lang="de-CH" dirty="0" smtClean="0"/>
+              <a:t>Kameraabgleich wird durch Custom-Scripts gestört</a:t>
+            </a:r>
+          </a:p>
+          <a:p>
+            <a:endParaRPr lang="de-CH" dirty="0"/>
+          </a:p>
+          <a:p>
+            <a:endParaRPr lang="de-CH" dirty="0" smtClean="0"/>
+          </a:p>
+          <a:p>
+            <a:endParaRPr lang="de-CH" dirty="0"/>
+          </a:p>
+          <a:p>
+            <a:endParaRPr lang="de-CH" dirty="0" smtClean="0"/>
+          </a:p>
+          <a:p>
+            <a:pPr marL="0" indent="0">
+              <a:buNone/>
+            </a:pPr>
+            <a:endParaRPr lang="de-CH" dirty="0" smtClean="0"/>
+          </a:p>
+          <a:p>
+            <a:r>
+              <a:rPr lang="de-CH" dirty="0"/>
+              <a:t>Jede Applikation erfordert Adaptionen</a:t>
+            </a:r>
+          </a:p>
+          <a:p>
+            <a:pPr marL="0" indent="0">
+              <a:buNone/>
+            </a:pPr>
+            <a:endParaRPr lang="de-CH" dirty="0" smtClean="0"/>
+          </a:p>
+          <a:p>
+            <a:endParaRPr lang="de-CH" dirty="0"/>
+          </a:p>
+        </p:txBody>
+      </p:sp>
+      <p:sp>
+        <p:nvSpPr>
+          <p:cNvPr id="5" name="Textplatzhalter 4"/>
+          <p:cNvSpPr>
+            <a:spLocks noGrp="1"/>
+          </p:cNvSpPr>
+          <p:nvPr>
+            <p:ph type="body" idx="14"/>
+          </p:nvPr>
+        </p:nvSpPr>
+        <p:spPr/>
+        <p:txBody>
+          <a:bodyPr/>
+          <a:lstStyle/>
+          <a:p>
+            <a:r>
+              <a:rPr lang="de-CH" dirty="0" smtClean="0"/>
+              <a:t>Eine Instanz</a:t>
+            </a:r>
+            <a:endParaRPr lang="de-CH" dirty="0"/>
+          </a:p>
+        </p:txBody>
+      </p:sp>
+      <p:sp>
+        <p:nvSpPr>
+          <p:cNvPr id="6" name="Inhaltsplatzhalter 5"/>
+          <p:cNvSpPr>
+            <a:spLocks noGrp="1"/>
+          </p:cNvSpPr>
+          <p:nvPr>
+            <p:ph sz="half" idx="15"/>
+          </p:nvPr>
+        </p:nvSpPr>
+        <p:spPr/>
+        <p:txBody>
+          <a:bodyPr/>
+          <a:lstStyle/>
+          <a:p>
+            <a:r>
+              <a:rPr lang="de-CH" dirty="0" smtClean="0"/>
+              <a:t>Hohe, konstante Bildrate</a:t>
+            </a:r>
+          </a:p>
+          <a:p>
+            <a:r>
+              <a:rPr lang="de-CH" dirty="0" smtClean="0"/>
+              <a:t>Keine Synchronisierungsprobleme</a:t>
+            </a:r>
+          </a:p>
+          <a:p>
+            <a:endParaRPr lang="de-CH" dirty="0"/>
+          </a:p>
+          <a:p>
+            <a:endParaRPr lang="de-CH" dirty="0" smtClean="0"/>
+          </a:p>
+          <a:p>
+            <a:endParaRPr lang="de-CH" dirty="0"/>
+          </a:p>
+          <a:p>
+            <a:endParaRPr lang="de-CH" dirty="0" smtClean="0"/>
+          </a:p>
+          <a:p>
+            <a:endParaRPr lang="de-CH" dirty="0"/>
+          </a:p>
+          <a:p>
+            <a:endParaRPr lang="de-CH" dirty="0" smtClean="0"/>
+          </a:p>
+          <a:p>
+            <a:endParaRPr lang="de-CH" dirty="0"/>
+          </a:p>
+          <a:p>
+            <a:endParaRPr lang="de-CH" dirty="0" smtClean="0"/>
+          </a:p>
+          <a:p>
+            <a:r>
+              <a:rPr lang="de-CH" dirty="0" smtClean="0"/>
+              <a:t>Sehr stabiles System</a:t>
+            </a:r>
+          </a:p>
+          <a:p>
+            <a:endParaRPr lang="de-CH" dirty="0"/>
+          </a:p>
+        </p:txBody>
+      </p:sp>
+    </p:spTree>
+    <p:extLst>
+      <p:ext uri="{BB962C8B-B14F-4D97-AF65-F5344CB8AC3E}">
+        <p14:creationId xmlns:p14="http://schemas.microsoft.com/office/powerpoint/2010/main" val="2102827225"/>
+      </p:ext>
+    </p:extLst>
+  </p:cSld>
+  <p:clrMapOvr>
+    <a:masterClrMapping/>
+  </p:clrMapOvr>
+  <p:timing>
+    <p:tnLst>
+      <p:par>
+        <p:cTn id="1" dur="indefinite" restart="never" nodeType="tmRoot"/>
+      </p:par>
+    </p:tnLst>
+  </p:timing>
+</p:sld>
+</file>
+
+<file path=ppt/slides/slide27.xml><?xml version="1.0" encoding="utf-8"?>
+<p:sld xmlns:a="http://schemas.openxmlformats.org/drawingml/2006/main" xmlns:r="http://schemas.openxmlformats.org/officeDocument/2006/relationships" xmlns:p="http://schemas.openxmlformats.org/presentationml/2006/main">
+  <p:cSld>
+    <p:spTree>
+      <p:nvGrpSpPr>
+        <p:cNvPr id="1" name=""/>
+        <p:cNvGrpSpPr/>
+        <p:nvPr/>
+      </p:nvGrpSpPr>
+      <p:grpSpPr>
+        <a:xfrm>
+          <a:off x="0" y="0"/>
+          <a:ext cx="0" cy="0"/>
+          <a:chOff x="0" y="0"/>
+          <a:chExt cx="0" cy="0"/>
+        </a:xfrm>
+      </p:grpSpPr>
+      <p:sp>
+        <p:nvSpPr>
+          <p:cNvPr id="2" name="Titel 1"/>
+          <p:cNvSpPr>
+            <a:spLocks noGrp="1"/>
+          </p:cNvSpPr>
+          <p:nvPr>
+            <p:ph type="ctrTitle"/>
+          </p:nvPr>
+        </p:nvSpPr>
+        <p:spPr/>
+        <p:txBody>
+          <a:bodyPr/>
+          <a:lstStyle/>
+          <a:p>
+            <a:r>
+              <a:rPr lang="de-CH" dirty="0" err="1"/>
+              <a:t>Prototyping</a:t>
+            </a:r>
+            <a:r>
+              <a:rPr lang="de-CH" dirty="0"/>
+              <a:t> im CAVE</a:t>
+            </a:r>
+          </a:p>
+        </p:txBody>
+      </p:sp>
+      <p:sp>
+        <p:nvSpPr>
+          <p:cNvPr id="3" name="Textplatzhalter 2"/>
+          <p:cNvSpPr>
+            <a:spLocks noGrp="1"/>
+          </p:cNvSpPr>
+          <p:nvPr>
+            <p:ph type="body" idx="1"/>
+          </p:nvPr>
+        </p:nvSpPr>
+        <p:spPr/>
+        <p:txBody>
+          <a:bodyPr/>
+          <a:lstStyle/>
+          <a:p>
+            <a:r>
+              <a:rPr lang="de-CH" dirty="0" smtClean="0"/>
+              <a:t>Finaler Entscheid</a:t>
+            </a:r>
+            <a:endParaRPr lang="de-CH" dirty="0"/>
+          </a:p>
+        </p:txBody>
+      </p:sp>
+      <p:sp>
+        <p:nvSpPr>
+          <p:cNvPr id="4" name="Inhaltsplatzhalter 3"/>
+          <p:cNvSpPr>
+            <a:spLocks noGrp="1"/>
+          </p:cNvSpPr>
+          <p:nvPr>
+            <p:ph sz="half" idx="13"/>
+          </p:nvPr>
+        </p:nvSpPr>
+        <p:spPr/>
+        <p:txBody>
+          <a:bodyPr/>
+          <a:lstStyle/>
+          <a:p>
+            <a:r>
+              <a:rPr lang="de-CH" dirty="0" err="1" smtClean="0"/>
+              <a:t>MiddleVR</a:t>
+            </a:r>
+            <a:r>
+              <a:rPr lang="de-CH" dirty="0" smtClean="0"/>
+              <a:t> mit mehreren Instanzen erfordert jedes Mal Adaptionen</a:t>
+            </a:r>
+          </a:p>
+          <a:p>
+            <a:r>
+              <a:rPr lang="de-CH" dirty="0" err="1" smtClean="0"/>
+              <a:t>Mosaic</a:t>
+            </a:r>
+            <a:r>
+              <a:rPr lang="de-CH" dirty="0" smtClean="0"/>
+              <a:t> stabile Performance</a:t>
+            </a:r>
+          </a:p>
+          <a:p>
+            <a:r>
+              <a:rPr lang="de-CH" dirty="0" smtClean="0"/>
+              <a:t>Aufgaben </a:t>
+            </a:r>
+            <a:r>
+              <a:rPr lang="de-CH" dirty="0" err="1" smtClean="0"/>
+              <a:t>MiddleVR</a:t>
+            </a:r>
+            <a:r>
+              <a:rPr lang="de-CH" dirty="0" smtClean="0"/>
+              <a:t> nur marginal</a:t>
+            </a:r>
+          </a:p>
+          <a:p>
+            <a:r>
+              <a:rPr lang="de-CH" dirty="0" smtClean="0"/>
+              <a:t>Umsetzung primitiver Prototyp «eigene Lösung»</a:t>
+            </a:r>
+            <a:endParaRPr lang="de-CH" dirty="0"/>
+          </a:p>
+          <a:p>
+            <a:endParaRPr lang="de-CH" dirty="0" smtClean="0"/>
+          </a:p>
+          <a:p>
+            <a:r>
+              <a:rPr lang="de-CH" b="1" dirty="0" smtClean="0"/>
+              <a:t>Eigene Lösung basierend auf </a:t>
+            </a:r>
+            <a:r>
+              <a:rPr lang="de-CH" b="1" dirty="0" err="1" smtClean="0"/>
+              <a:t>Mosaic</a:t>
+            </a:r>
+            <a:endParaRPr lang="de-CH" b="1" dirty="0"/>
+          </a:p>
+        </p:txBody>
+      </p:sp>
+    </p:spTree>
+    <p:extLst>
+      <p:ext uri="{BB962C8B-B14F-4D97-AF65-F5344CB8AC3E}">
+        <p14:creationId xmlns:p14="http://schemas.microsoft.com/office/powerpoint/2010/main" val="31412311"/>
+      </p:ext>
+    </p:extLst>
+  </p:cSld>
+  <p:clrMapOvr>
+    <a:masterClrMapping/>
+  </p:clrMapOvr>
+  <p:timing>
+    <p:tnLst>
+      <p:par>
+        <p:cTn id="1" dur="indefinite" restart="never" nodeType="tmRoot"/>
+      </p:par>
+    </p:tnLst>
+  </p:timing>
+</p:sld>
+</file>
+
+<file path=ppt/slides/slide28.xml><?xml version="1.0" encoding="utf-8"?>
+<p:sld xmlns:a="http://schemas.openxmlformats.org/drawingml/2006/main" xmlns:r="http://schemas.openxmlformats.org/officeDocument/2006/relationships" xmlns:p="http://schemas.openxmlformats.org/presentationml/2006/main">
+  <p:cSld>
+    <p:spTree>
+      <p:nvGrpSpPr>
+        <p:cNvPr id="1" name=""/>
+        <p:cNvGrpSpPr/>
+        <p:nvPr/>
+      </p:nvGrpSpPr>
+      <p:grpSpPr>
+        <a:xfrm>
+          <a:off x="0" y="0"/>
+          <a:ext cx="0" cy="0"/>
+          <a:chOff x="0" y="0"/>
+          <a:chExt cx="0" cy="0"/>
+        </a:xfrm>
+      </p:grpSpPr>
+      <p:sp>
+        <p:nvSpPr>
+          <p:cNvPr id="2" name="Titel 1"/>
+          <p:cNvSpPr>
+            <a:spLocks noGrp="1"/>
+          </p:cNvSpPr>
+          <p:nvPr>
+            <p:ph type="ctrTitle"/>
+          </p:nvPr>
+        </p:nvSpPr>
+        <p:spPr/>
+        <p:txBody>
+          <a:bodyPr/>
+          <a:lstStyle/>
+          <a:p>
+            <a:endParaRPr lang="en-US"/>
+          </a:p>
+        </p:txBody>
+      </p:sp>
+      <p:sp>
+        <p:nvSpPr>
+          <p:cNvPr id="3" name="Textplatzhalter 2"/>
+          <p:cNvSpPr>
+            <a:spLocks noGrp="1"/>
+          </p:cNvSpPr>
+          <p:nvPr>
+            <p:ph type="body" idx="1"/>
+          </p:nvPr>
+        </p:nvSpPr>
+        <p:spPr/>
+        <p:txBody>
+          <a:bodyPr/>
+          <a:lstStyle/>
+          <a:p>
+            <a:endParaRPr lang="en-US"/>
+          </a:p>
+        </p:txBody>
+      </p:sp>
+      <p:sp>
+        <p:nvSpPr>
+          <p:cNvPr id="4" name="Inhaltsplatzhalter 3"/>
+          <p:cNvSpPr>
+            <a:spLocks noGrp="1"/>
+          </p:cNvSpPr>
+          <p:nvPr>
+            <p:ph sz="half" idx="13"/>
+          </p:nvPr>
+        </p:nvSpPr>
+        <p:spPr/>
+        <p:txBody>
+          <a:bodyPr/>
+          <a:lstStyle/>
+          <a:p>
+            <a:endParaRPr lang="en-US"/>
+          </a:p>
+        </p:txBody>
+      </p:sp>
+    </p:spTree>
+    <p:extLst>
+      <p:ext uri="{BB962C8B-B14F-4D97-AF65-F5344CB8AC3E}">
+        <p14:creationId xmlns:p14="http://schemas.microsoft.com/office/powerpoint/2010/main" val="1004829200"/>
+      </p:ext>
+    </p:extLst>
+  </p:cSld>
+  <p:clrMapOvr>
+    <a:masterClrMapping/>
+  </p:clrMapOvr>
+  <p:timing>
+    <p:tnLst>
+      <p:par>
+        <p:cTn id="1" dur="indefinite" restart="never" nodeType="tmRoot"/>
+      </p:par>
+    </p:tnLst>
+  </p:timing>
+</p:sld>
+</file>
+
+<file path=ppt/slides/slide29.xml><?xml version="1.0" encoding="utf-8"?>
+<p:sld xmlns:a="http://schemas.openxmlformats.org/drawingml/2006/main" xmlns:r="http://schemas.openxmlformats.org/officeDocument/2006/relationships" xmlns:p="http://schemas.openxmlformats.org/presentationml/2006/main">
+  <p:cSld>
+    <p:spTree>
+      <p:nvGrpSpPr>
+        <p:cNvPr id="1" name=""/>
+        <p:cNvGrpSpPr/>
+        <p:nvPr/>
+      </p:nvGrpSpPr>
+      <p:grpSpPr>
+        <a:xfrm>
+          <a:off x="0" y="0"/>
+          <a:ext cx="0" cy="0"/>
+          <a:chOff x="0" y="0"/>
+          <a:chExt cx="0" cy="0"/>
+        </a:xfrm>
+      </p:grpSpPr>
+      <p:sp>
+        <p:nvSpPr>
+          <p:cNvPr id="2" name="Titel 1"/>
+          <p:cNvSpPr>
+            <a:spLocks noGrp="1"/>
+          </p:cNvSpPr>
+          <p:nvPr>
+            <p:ph type="ctrTitle"/>
+          </p:nvPr>
+        </p:nvSpPr>
+        <p:spPr/>
+        <p:txBody>
+          <a:bodyPr/>
+          <a:lstStyle/>
+          <a:p>
+            <a:r>
+              <a:rPr lang="de-CH" dirty="0" err="1"/>
+              <a:t>Prototyping</a:t>
+            </a:r>
+            <a:r>
+              <a:rPr lang="de-CH" dirty="0"/>
+              <a:t> im CAVE</a:t>
+            </a:r>
+          </a:p>
+        </p:txBody>
+      </p:sp>
+      <p:sp>
+        <p:nvSpPr>
+          <p:cNvPr id="3" name="Textplatzhalter 2"/>
+          <p:cNvSpPr>
+            <a:spLocks noGrp="1"/>
+          </p:cNvSpPr>
+          <p:nvPr>
+            <p:ph type="body" idx="1"/>
+          </p:nvPr>
+        </p:nvSpPr>
+        <p:spPr/>
+        <p:txBody>
+          <a:bodyPr/>
+          <a:lstStyle/>
+          <a:p>
+            <a:r>
+              <a:rPr lang="de-CH" dirty="0" smtClean="0"/>
+              <a:t>Work</a:t>
+            </a:r>
+            <a:endParaRPr lang="de-CH" dirty="0"/>
+          </a:p>
+        </p:txBody>
+      </p:sp>
+      <p:sp>
+        <p:nvSpPr>
+          <p:cNvPr id="4" name="Inhaltsplatzhalter 3"/>
+          <p:cNvSpPr>
+            <a:spLocks noGrp="1"/>
+          </p:cNvSpPr>
+          <p:nvPr>
+            <p:ph sz="half" idx="13"/>
+          </p:nvPr>
+        </p:nvSpPr>
+        <p:spPr/>
+        <p:txBody>
+          <a:bodyPr/>
+          <a:lstStyle/>
+          <a:p>
+            <a:r>
+              <a:rPr lang="de-CH" dirty="0" smtClean="0"/>
+              <a:t>4 </a:t>
+            </a:r>
+            <a:r>
+              <a:rPr lang="de-CH" dirty="0" err="1" smtClean="0"/>
+              <a:t>Beamer</a:t>
+            </a:r>
+            <a:r>
+              <a:rPr lang="de-CH" dirty="0" smtClean="0"/>
+              <a:t> im Einsatz</a:t>
+            </a:r>
+          </a:p>
+          <a:p>
+            <a:r>
+              <a:rPr lang="de-CH" dirty="0" smtClean="0"/>
+              <a:t>Clusters aufsetzen</a:t>
+            </a:r>
+          </a:p>
+          <a:p>
+            <a:r>
+              <a:rPr lang="de-CH" dirty="0" err="1" smtClean="0"/>
+              <a:t>GeForce</a:t>
+            </a:r>
+            <a:r>
+              <a:rPr lang="de-CH" dirty="0" smtClean="0"/>
+              <a:t> Client aufsetzen</a:t>
+            </a:r>
+          </a:p>
+          <a:p>
+            <a:r>
+              <a:rPr lang="de-CH" dirty="0" err="1" smtClean="0"/>
+              <a:t>Mosaic</a:t>
+            </a:r>
+            <a:r>
+              <a:rPr lang="de-CH" dirty="0" smtClean="0"/>
+              <a:t> Client aufsetzen</a:t>
+            </a:r>
+            <a:endParaRPr lang="de-CH" dirty="0"/>
+          </a:p>
+        </p:txBody>
+      </p:sp>
+    </p:spTree>
+    <p:extLst>
+      <p:ext uri="{BB962C8B-B14F-4D97-AF65-F5344CB8AC3E}">
+        <p14:creationId xmlns:p14="http://schemas.microsoft.com/office/powerpoint/2010/main" val="1488864359"/>
       </p:ext>
     </p:extLst>
   </p:cSld>
@@ -7150,6 +12826,531 @@
 </p:sld>
 </file>
 
+<file path=ppt/slides/slide30.xml><?xml version="1.0" encoding="utf-8"?>
+<p:sld xmlns:a="http://schemas.openxmlformats.org/drawingml/2006/main" xmlns:r="http://schemas.openxmlformats.org/officeDocument/2006/relationships" xmlns:p="http://schemas.openxmlformats.org/presentationml/2006/main">
+  <p:cSld>
+    <p:spTree>
+      <p:nvGrpSpPr>
+        <p:cNvPr id="1" name=""/>
+        <p:cNvGrpSpPr/>
+        <p:nvPr/>
+      </p:nvGrpSpPr>
+      <p:grpSpPr>
+        <a:xfrm>
+          <a:off x="0" y="0"/>
+          <a:ext cx="0" cy="0"/>
+          <a:chOff x="0" y="0"/>
+          <a:chExt cx="0" cy="0"/>
+        </a:xfrm>
+      </p:grpSpPr>
+      <p:sp>
+        <p:nvSpPr>
+          <p:cNvPr id="2" name="Titel 1"/>
+          <p:cNvSpPr>
+            <a:spLocks noGrp="1"/>
+          </p:cNvSpPr>
+          <p:nvPr>
+            <p:ph type="ctrTitle"/>
+          </p:nvPr>
+        </p:nvSpPr>
+        <p:spPr/>
+        <p:txBody>
+          <a:bodyPr/>
+          <a:lstStyle/>
+          <a:p>
+            <a:r>
+              <a:rPr lang="de-CH" dirty="0" err="1"/>
+              <a:t>Prototyping</a:t>
+            </a:r>
+            <a:r>
+              <a:rPr lang="de-CH" dirty="0"/>
+              <a:t> im CAVE</a:t>
+            </a:r>
+          </a:p>
+        </p:txBody>
+      </p:sp>
+      <p:sp>
+        <p:nvSpPr>
+          <p:cNvPr id="3" name="Textplatzhalter 2"/>
+          <p:cNvSpPr>
+            <a:spLocks noGrp="1"/>
+          </p:cNvSpPr>
+          <p:nvPr>
+            <p:ph type="body" idx="1"/>
+          </p:nvPr>
+        </p:nvSpPr>
+        <p:spPr/>
+        <p:txBody>
+          <a:bodyPr/>
+          <a:lstStyle/>
+          <a:p>
+            <a:r>
+              <a:rPr lang="de-CH" dirty="0" smtClean="0"/>
+              <a:t>GPU Performance - </a:t>
+            </a:r>
+            <a:r>
+              <a:rPr lang="de-CH" b="1" dirty="0" err="1" smtClean="0"/>
+              <a:t>GeForces</a:t>
+            </a:r>
+            <a:endParaRPr lang="de-CH" b="1" dirty="0"/>
+          </a:p>
+        </p:txBody>
+      </p:sp>
+      <p:pic>
+        <p:nvPicPr>
+          <p:cNvPr id="5" name="Inhaltsplatzhalter 4"/>
+          <p:cNvPicPr>
+            <a:picLocks noGrp="1" noChangeAspect="1"/>
+          </p:cNvPicPr>
+          <p:nvPr>
+            <p:ph sz="half" idx="13"/>
+          </p:nvPr>
+        </p:nvPicPr>
+        <p:blipFill>
+          <a:blip r:embed="rId2">
+            <a:extLst>
+              <a:ext uri="{28A0092B-C50C-407E-A947-70E740481C1C}">
+                <a14:useLocalDpi xmlns:a14="http://schemas.microsoft.com/office/drawing/2010/main" val="0"/>
+              </a:ext>
+            </a:extLst>
+          </a:blip>
+          <a:stretch>
+            <a:fillRect/>
+          </a:stretch>
+        </p:blipFill>
+        <p:spPr>
+          <a:xfrm>
+            <a:off x="468000" y="2163157"/>
+            <a:ext cx="6888153" cy="3818506"/>
+          </a:xfrm>
+        </p:spPr>
+      </p:pic>
+    </p:spTree>
+    <p:extLst>
+      <p:ext uri="{BB962C8B-B14F-4D97-AF65-F5344CB8AC3E}">
+        <p14:creationId xmlns:p14="http://schemas.microsoft.com/office/powerpoint/2010/main" val="1721563809"/>
+      </p:ext>
+    </p:extLst>
+  </p:cSld>
+  <p:clrMapOvr>
+    <a:masterClrMapping/>
+  </p:clrMapOvr>
+  <p:timing>
+    <p:tnLst>
+      <p:par>
+        <p:cTn id="1" dur="indefinite" restart="never" nodeType="tmRoot"/>
+      </p:par>
+    </p:tnLst>
+  </p:timing>
+</p:sld>
+</file>
+
+<file path=ppt/slides/slide31.xml><?xml version="1.0" encoding="utf-8"?>
+<p:sld xmlns:a="http://schemas.openxmlformats.org/drawingml/2006/main" xmlns:r="http://schemas.openxmlformats.org/officeDocument/2006/relationships" xmlns:p="http://schemas.openxmlformats.org/presentationml/2006/main">
+  <p:cSld>
+    <p:spTree>
+      <p:nvGrpSpPr>
+        <p:cNvPr id="1" name=""/>
+        <p:cNvGrpSpPr/>
+        <p:nvPr/>
+      </p:nvGrpSpPr>
+      <p:grpSpPr>
+        <a:xfrm>
+          <a:off x="0" y="0"/>
+          <a:ext cx="0" cy="0"/>
+          <a:chOff x="0" y="0"/>
+          <a:chExt cx="0" cy="0"/>
+        </a:xfrm>
+      </p:grpSpPr>
+      <p:sp>
+        <p:nvSpPr>
+          <p:cNvPr id="2" name="Titel 1"/>
+          <p:cNvSpPr>
+            <a:spLocks noGrp="1"/>
+          </p:cNvSpPr>
+          <p:nvPr>
+            <p:ph type="ctrTitle"/>
+          </p:nvPr>
+        </p:nvSpPr>
+        <p:spPr/>
+        <p:txBody>
+          <a:bodyPr/>
+          <a:lstStyle/>
+          <a:p>
+            <a:r>
+              <a:rPr lang="de-CH" dirty="0" err="1"/>
+              <a:t>Prototyping</a:t>
+            </a:r>
+            <a:r>
+              <a:rPr lang="de-CH" dirty="0"/>
+              <a:t> im CAVE</a:t>
+            </a:r>
+          </a:p>
+        </p:txBody>
+      </p:sp>
+      <p:sp>
+        <p:nvSpPr>
+          <p:cNvPr id="3" name="Textplatzhalter 2"/>
+          <p:cNvSpPr>
+            <a:spLocks noGrp="1"/>
+          </p:cNvSpPr>
+          <p:nvPr>
+            <p:ph type="body" idx="1"/>
+          </p:nvPr>
+        </p:nvSpPr>
+        <p:spPr/>
+        <p:txBody>
+          <a:bodyPr/>
+          <a:lstStyle/>
+          <a:p>
+            <a:r>
+              <a:rPr lang="de-CH" dirty="0" smtClean="0"/>
+              <a:t>GPU Performance - </a:t>
+            </a:r>
+            <a:r>
+              <a:rPr lang="de-CH" b="1" dirty="0" err="1" smtClean="0"/>
+              <a:t>Mosaic</a:t>
+            </a:r>
+            <a:endParaRPr lang="de-CH" b="1" dirty="0"/>
+          </a:p>
+        </p:txBody>
+      </p:sp>
+      <p:pic>
+        <p:nvPicPr>
+          <p:cNvPr id="5" name="Inhaltsplatzhalter 4"/>
+          <p:cNvPicPr>
+            <a:picLocks noGrp="1" noChangeAspect="1"/>
+          </p:cNvPicPr>
+          <p:nvPr>
+            <p:ph sz="half" idx="13"/>
+          </p:nvPr>
+        </p:nvPicPr>
+        <p:blipFill>
+          <a:blip r:embed="rId2">
+            <a:extLst>
+              <a:ext uri="{28A0092B-C50C-407E-A947-70E740481C1C}">
+                <a14:useLocalDpi xmlns:a14="http://schemas.microsoft.com/office/drawing/2010/main" val="0"/>
+              </a:ext>
+            </a:extLst>
+          </a:blip>
+          <a:stretch>
+            <a:fillRect/>
+          </a:stretch>
+        </p:blipFill>
+        <p:spPr>
+          <a:xfrm>
+            <a:off x="468000" y="2160588"/>
+            <a:ext cx="6416675" cy="3959225"/>
+          </a:xfrm>
+        </p:spPr>
+      </p:pic>
+    </p:spTree>
+    <p:extLst>
+      <p:ext uri="{BB962C8B-B14F-4D97-AF65-F5344CB8AC3E}">
+        <p14:creationId xmlns:p14="http://schemas.microsoft.com/office/powerpoint/2010/main" val="3988740253"/>
+      </p:ext>
+    </p:extLst>
+  </p:cSld>
+  <p:clrMapOvr>
+    <a:masterClrMapping/>
+  </p:clrMapOvr>
+  <p:timing>
+    <p:tnLst>
+      <p:par>
+        <p:cTn id="1" dur="indefinite" restart="never" nodeType="tmRoot"/>
+      </p:par>
+    </p:tnLst>
+  </p:timing>
+</p:sld>
+</file>
+
+<file path=ppt/slides/slide32.xml><?xml version="1.0" encoding="utf-8"?>
+<p:sld xmlns:a="http://schemas.openxmlformats.org/drawingml/2006/main" xmlns:r="http://schemas.openxmlformats.org/officeDocument/2006/relationships" xmlns:p="http://schemas.openxmlformats.org/presentationml/2006/main">
+  <p:cSld>
+    <p:spTree>
+      <p:nvGrpSpPr>
+        <p:cNvPr id="1" name=""/>
+        <p:cNvGrpSpPr/>
+        <p:nvPr/>
+      </p:nvGrpSpPr>
+      <p:grpSpPr>
+        <a:xfrm>
+          <a:off x="0" y="0"/>
+          <a:ext cx="0" cy="0"/>
+          <a:chOff x="0" y="0"/>
+          <a:chExt cx="0" cy="0"/>
+        </a:xfrm>
+      </p:grpSpPr>
+      <p:sp>
+        <p:nvSpPr>
+          <p:cNvPr id="2" name="Titel 1"/>
+          <p:cNvSpPr>
+            <a:spLocks noGrp="1"/>
+          </p:cNvSpPr>
+          <p:nvPr>
+            <p:ph type="ctrTitle"/>
+          </p:nvPr>
+        </p:nvSpPr>
+        <p:spPr/>
+        <p:txBody>
+          <a:bodyPr/>
+          <a:lstStyle/>
+          <a:p>
+            <a:r>
+              <a:rPr lang="de-CH" dirty="0" smtClean="0"/>
+              <a:t>Nächste Schritte</a:t>
+            </a:r>
+            <a:endParaRPr lang="de-CH" dirty="0"/>
+          </a:p>
+        </p:txBody>
+      </p:sp>
+      <p:sp>
+        <p:nvSpPr>
+          <p:cNvPr id="4" name="Inhaltsplatzhalter 3"/>
+          <p:cNvSpPr>
+            <a:spLocks noGrp="1"/>
+          </p:cNvSpPr>
+          <p:nvPr>
+            <p:ph sz="half" idx="13"/>
+          </p:nvPr>
+        </p:nvSpPr>
+        <p:spPr>
+          <a:xfrm>
+            <a:off x="468000" y="1076770"/>
+            <a:ext cx="8100000" cy="5043230"/>
+          </a:xfrm>
+        </p:spPr>
+        <p:txBody>
+          <a:bodyPr/>
+          <a:lstStyle/>
+          <a:p>
+            <a:r>
+              <a:rPr lang="de-CH" dirty="0" smtClean="0"/>
+              <a:t>Hardware Reparaturen CAVE</a:t>
+            </a:r>
+          </a:p>
+          <a:p>
+            <a:endParaRPr lang="de-CH" dirty="0"/>
+          </a:p>
+          <a:p>
+            <a:r>
+              <a:rPr lang="de-CH" dirty="0" smtClean="0"/>
+              <a:t>Hardware Beschaffung für </a:t>
+            </a:r>
+            <a:r>
+              <a:rPr lang="de-CH" dirty="0" err="1" smtClean="0"/>
+              <a:t>Mosaic</a:t>
+            </a:r>
+            <a:r>
+              <a:rPr lang="de-CH" dirty="0" smtClean="0"/>
+              <a:t> (</a:t>
+            </a:r>
+            <a:r>
+              <a:rPr lang="de-CH" dirty="0" err="1" smtClean="0"/>
+              <a:t>Quadro’s</a:t>
+            </a:r>
+            <a:r>
+              <a:rPr lang="de-CH" dirty="0" smtClean="0"/>
+              <a:t>)</a:t>
+            </a:r>
+          </a:p>
+          <a:p>
+            <a:endParaRPr lang="de-CH" dirty="0"/>
+          </a:p>
+          <a:p>
+            <a:endParaRPr lang="de-CH" dirty="0" smtClean="0"/>
+          </a:p>
+          <a:p>
+            <a:endParaRPr lang="de-CH" dirty="0"/>
+          </a:p>
+          <a:p>
+            <a:pPr marL="0" indent="0" algn="ctr">
+              <a:buNone/>
+            </a:pPr>
+            <a:r>
+              <a:rPr lang="de-CH" dirty="0" smtClean="0">
+                <a:sym typeface="Wingdings" panose="05000000000000000000" pitchFamily="2" charset="2"/>
+              </a:rPr>
+              <a:t>	</a:t>
+            </a:r>
+          </a:p>
+          <a:p>
+            <a:pPr marL="0" indent="0" algn="ctr">
+              <a:buNone/>
+            </a:pPr>
+            <a:endParaRPr lang="de-CH" dirty="0">
+              <a:sym typeface="Wingdings" panose="05000000000000000000" pitchFamily="2" charset="2"/>
+            </a:endParaRPr>
+          </a:p>
+          <a:p>
+            <a:pPr marL="0" indent="0" algn="ctr">
+              <a:buNone/>
+            </a:pPr>
+            <a:r>
+              <a:rPr lang="de-CH" sz="2400" dirty="0" smtClean="0">
+                <a:sym typeface="Wingdings" panose="05000000000000000000" pitchFamily="2" charset="2"/>
+              </a:rPr>
+              <a:t>Bachelor Thesis 2015/2016</a:t>
+            </a:r>
+          </a:p>
+          <a:p>
+            <a:endParaRPr lang="de-CH" dirty="0">
+              <a:sym typeface="Wingdings" panose="05000000000000000000" pitchFamily="2" charset="2"/>
+            </a:endParaRPr>
+          </a:p>
+          <a:p>
+            <a:endParaRPr lang="de-CH" dirty="0" smtClean="0"/>
+          </a:p>
+          <a:p>
+            <a:endParaRPr lang="de-CH" dirty="0"/>
+          </a:p>
+          <a:p>
+            <a:endParaRPr lang="de-CH" dirty="0"/>
+          </a:p>
+        </p:txBody>
+      </p:sp>
+    </p:spTree>
+    <p:extLst>
+      <p:ext uri="{BB962C8B-B14F-4D97-AF65-F5344CB8AC3E}">
+        <p14:creationId xmlns:p14="http://schemas.microsoft.com/office/powerpoint/2010/main" val="1386324641"/>
+      </p:ext>
+    </p:extLst>
+  </p:cSld>
+  <p:clrMapOvr>
+    <a:masterClrMapping/>
+  </p:clrMapOvr>
+  <p:timing>
+    <p:tnLst>
+      <p:par>
+        <p:cTn id="1" dur="indefinite" restart="never" nodeType="tmRoot"/>
+      </p:par>
+    </p:tnLst>
+  </p:timing>
+</p:sld>
+</file>
+
+<file path=ppt/slides/slide33.xml><?xml version="1.0" encoding="utf-8"?>
+<p:sld xmlns:a="http://schemas.openxmlformats.org/drawingml/2006/main" xmlns:r="http://schemas.openxmlformats.org/officeDocument/2006/relationships" xmlns:p="http://schemas.openxmlformats.org/presentationml/2006/main">
+  <p:cSld>
+    <p:spTree>
+      <p:nvGrpSpPr>
+        <p:cNvPr id="1" name=""/>
+        <p:cNvGrpSpPr/>
+        <p:nvPr/>
+      </p:nvGrpSpPr>
+      <p:grpSpPr>
+        <a:xfrm>
+          <a:off x="0" y="0"/>
+          <a:ext cx="0" cy="0"/>
+          <a:chOff x="0" y="0"/>
+          <a:chExt cx="0" cy="0"/>
+        </a:xfrm>
+      </p:grpSpPr>
+      <p:sp>
+        <p:nvSpPr>
+          <p:cNvPr id="2" name="Titel 1"/>
+          <p:cNvSpPr>
+            <a:spLocks noGrp="1"/>
+          </p:cNvSpPr>
+          <p:nvPr>
+            <p:ph type="ctrTitle"/>
+          </p:nvPr>
+        </p:nvSpPr>
+        <p:spPr/>
+        <p:txBody>
+          <a:bodyPr/>
+          <a:lstStyle/>
+          <a:p>
+            <a:r>
+              <a:rPr lang="de-CH" dirty="0" smtClean="0"/>
+              <a:t>Fragen</a:t>
+            </a:r>
+            <a:endParaRPr lang="de-CH" dirty="0"/>
+          </a:p>
+        </p:txBody>
+      </p:sp>
+      <p:sp>
+        <p:nvSpPr>
+          <p:cNvPr id="3" name="Textplatzhalter 2"/>
+          <p:cNvSpPr>
+            <a:spLocks noGrp="1"/>
+          </p:cNvSpPr>
+          <p:nvPr>
+            <p:ph type="body" idx="1"/>
+          </p:nvPr>
+        </p:nvSpPr>
+        <p:spPr/>
+        <p:txBody>
+          <a:bodyPr/>
+          <a:lstStyle/>
+          <a:p>
+            <a:endParaRPr lang="de-CH"/>
+          </a:p>
+        </p:txBody>
+      </p:sp>
+      <p:pic>
+        <p:nvPicPr>
+          <p:cNvPr id="7172" name="Picture 4" descr="http://www.fotoalbumshop.de/blog/wp-content/uploads/spezifische_fragen.jpg"/>
+          <p:cNvPicPr>
+            <a:picLocks noGrp="1" noChangeAspect="1" noChangeArrowheads="1"/>
+          </p:cNvPicPr>
+          <p:nvPr>
+            <p:ph sz="half" idx="13"/>
+          </p:nvPr>
+        </p:nvPicPr>
+        <p:blipFill>
+          <a:blip r:embed="rId2">
+            <a:extLst>
+              <a:ext uri="{28A0092B-C50C-407E-A947-70E740481C1C}">
+                <a14:useLocalDpi xmlns:a14="http://schemas.microsoft.com/office/drawing/2010/main" val="0"/>
+              </a:ext>
+            </a:extLst>
+          </a:blip>
+          <a:srcRect/>
+          <a:stretch>
+            <a:fillRect/>
+          </a:stretch>
+        </p:blipFill>
+        <p:spPr bwMode="auto">
+          <a:xfrm>
+            <a:off x="962025" y="2495550"/>
+            <a:ext cx="7112000" cy="3289300"/>
+          </a:xfrm>
+          <a:prstGeom prst="rect">
+            <a:avLst/>
+          </a:prstGeom>
+          <a:noFill/>
+          <a:extLst>
+            <a:ext uri="{909E8E84-426E-40DD-AFC4-6F175D3DCCD1}">
+              <a14:hiddenFill xmlns:a14="http://schemas.microsoft.com/office/drawing/2010/main">
+                <a:solidFill>
+                  <a:srgbClr val="FFFFFF"/>
+                </a:solidFill>
+              </a14:hiddenFill>
+            </a:ext>
+          </a:extLst>
+        </p:spPr>
+      </p:pic>
+    </p:spTree>
+    <p:extLst>
+      <p:ext uri="{BB962C8B-B14F-4D97-AF65-F5344CB8AC3E}">
+        <p14:creationId xmlns:p14="http://schemas.microsoft.com/office/powerpoint/2010/main" val="2158132637"/>
+      </p:ext>
+    </p:extLst>
+  </p:cSld>
+  <p:clrMapOvr>
+    <a:masterClrMapping/>
+  </p:clrMapOvr>
+  <p:timing>
+    <p:tnLst>
+      <p:par>
+        <p:cTn id="1" dur="indefinite" restart="never" nodeType="tmRoot"/>
+      </p:par>
+    </p:tnLst>
+  </p:timing>
+</p:sld>
+</file>
+
 <file path=ppt/slides/slide4.xml><?xml version="1.0" encoding="utf-8"?>
 <p:sld xmlns:a="http://schemas.openxmlformats.org/drawingml/2006/main" xmlns:r="http://schemas.openxmlformats.org/officeDocument/2006/relationships" xmlns:p="http://schemas.openxmlformats.org/presentationml/2006/main">
   <p:cSld>
@@ -7184,8 +13385,53 @@
           <a:p>
             <a:r>
               <a:rPr lang="de-CH" dirty="0" smtClean="0"/>
-              <a:t>CAVE Installation der BFH </a:t>
-            </a:r>
+              <a:t>CAVE Installation der BFH «updaten» mit Unity</a:t>
+            </a:r>
+          </a:p>
+          <a:p>
+            <a:endParaRPr lang="de-CH" dirty="0"/>
+          </a:p>
+          <a:p>
+            <a:r>
+              <a:rPr lang="de-CH" dirty="0" smtClean="0"/>
+              <a:t>Einarbeitung in Unity</a:t>
+            </a:r>
+          </a:p>
+          <a:p>
+            <a:endParaRPr lang="de-CH" dirty="0"/>
+          </a:p>
+          <a:p>
+            <a:pPr lvl="1"/>
+            <a:r>
+              <a:rPr lang="de-CH" dirty="0" smtClean="0"/>
+              <a:t>Wahlmodul «Game Development </a:t>
+            </a:r>
+            <a:r>
+              <a:rPr lang="de-CH" dirty="0" err="1" smtClean="0"/>
+              <a:t>with</a:t>
+            </a:r>
+            <a:r>
+              <a:rPr lang="de-CH" dirty="0" smtClean="0"/>
+              <a:t> Unity3D»</a:t>
+            </a:r>
+          </a:p>
+          <a:p>
+            <a:pPr lvl="1"/>
+            <a:endParaRPr lang="de-CH" dirty="0"/>
+          </a:p>
+          <a:p>
+            <a:r>
+              <a:rPr lang="de-CH" dirty="0" smtClean="0"/>
+              <a:t>Lauffähige Prototypen</a:t>
+            </a:r>
+          </a:p>
+          <a:p>
+            <a:endParaRPr lang="de-CH" dirty="0"/>
+          </a:p>
+          <a:p>
+            <a:endParaRPr lang="de-CH" dirty="0" smtClean="0"/>
+          </a:p>
+          <a:p>
             <a:endParaRPr lang="de-CH" dirty="0"/>
           </a:p>
         </p:txBody>
@@ -7252,12 +13498,12 @@
       </p:grpSpPr>
       <p:sp>
         <p:nvSpPr>
-          <p:cNvPr id="2" name="Titel 1"/>
+          <p:cNvPr id="2" name="Inhaltsplatzhalter 1"/>
           <p:cNvSpPr>
             <a:spLocks noGrp="1"/>
           </p:cNvSpPr>
           <p:nvPr>
-            <p:ph type="ctrTitle"/>
+            <p:ph sz="half" idx="1"/>
           </p:nvPr>
         </p:nvSpPr>
         <p:spPr/>
@@ -7265,18 +13511,77 @@
           <a:bodyPr/>
           <a:lstStyle/>
           <a:p>
-            <a:endParaRPr lang="de-CH"/>
-          </a:p>
-        </p:txBody>
-      </p:sp>
-      <p:sp>
-        <p:nvSpPr>
-          <p:cNvPr id="3" name="Textplatzhalter 2"/>
+            <a:r>
+              <a:rPr lang="de-CH" dirty="0" smtClean="0"/>
+              <a:t>CAVE Installation der BFH «updaten» mit Unity</a:t>
+            </a:r>
+          </a:p>
+          <a:p>
+            <a:endParaRPr lang="de-CH" dirty="0"/>
+          </a:p>
+          <a:p>
+            <a:r>
+              <a:rPr lang="de-CH" dirty="0" smtClean="0"/>
+              <a:t>Einarbeitung in Unity</a:t>
+            </a:r>
+          </a:p>
+          <a:p>
+            <a:endParaRPr lang="de-CH" dirty="0"/>
+          </a:p>
+          <a:p>
+            <a:pPr lvl="1"/>
+            <a:r>
+              <a:rPr lang="de-CH" dirty="0" smtClean="0"/>
+              <a:t>Wahlmodul «Game Development </a:t>
+            </a:r>
+            <a:r>
+              <a:rPr lang="de-CH" dirty="0" err="1" smtClean="0"/>
+              <a:t>with</a:t>
+            </a:r>
+            <a:r>
+              <a:rPr lang="de-CH" dirty="0" smtClean="0"/>
+              <a:t> Unity3D»</a:t>
+            </a:r>
+          </a:p>
+          <a:p>
+            <a:pPr lvl="1"/>
+            <a:endParaRPr lang="de-CH" dirty="0"/>
+          </a:p>
+          <a:p>
+            <a:r>
+              <a:rPr lang="de-CH" dirty="0" smtClean="0"/>
+              <a:t>Lauffähige Prototypen</a:t>
+            </a:r>
+          </a:p>
+          <a:p>
+            <a:endParaRPr lang="de-CH" dirty="0"/>
+          </a:p>
+          <a:p>
+            <a:endParaRPr lang="de-CH" dirty="0" smtClean="0"/>
+          </a:p>
+          <a:p>
+            <a:endParaRPr lang="de-CH" dirty="0"/>
+          </a:p>
+          <a:p>
+            <a:pPr marL="0" indent="0" algn="ctr">
+              <a:buNone/>
+            </a:pPr>
+            <a:r>
+              <a:rPr lang="de-CH" sz="2400" b="1" u="sng" dirty="0" smtClean="0"/>
+              <a:t>Einfache, flexible Lösung anbieten</a:t>
+            </a:r>
+            <a:endParaRPr lang="de-CH" sz="2400" b="1" u="sng" dirty="0"/>
+          </a:p>
+        </p:txBody>
+      </p:sp>
+      <p:sp>
+        <p:nvSpPr>
+          <p:cNvPr id="3" name="Titel 2"/>
           <p:cNvSpPr>
             <a:spLocks noGrp="1"/>
           </p:cNvSpPr>
           <p:nvPr>
-            <p:ph type="body" idx="1"/>
+            <p:ph type="ctrTitle"/>
           </p:nvPr>
         </p:nvSpPr>
         <p:spPr/>
@@ -7284,33 +13589,18 @@
           <a:bodyPr/>
           <a:lstStyle/>
           <a:p>
-            <a:endParaRPr lang="de-CH"/>
-          </a:p>
-        </p:txBody>
-      </p:sp>
-      <p:sp>
-        <p:nvSpPr>
-          <p:cNvPr id="4" name="Inhaltsplatzhalter 3"/>
-          <p:cNvSpPr>
-            <a:spLocks noGrp="1"/>
-          </p:cNvSpPr>
-          <p:nvPr>
-            <p:ph sz="half" idx="13"/>
-          </p:nvPr>
-        </p:nvSpPr>
-        <p:spPr/>
-        <p:txBody>
-          <a:bodyPr/>
-          <a:lstStyle/>
-          <a:p>
-            <a:endParaRPr lang="de-CH"/>
+            <a:r>
+              <a:rPr lang="de-CH" dirty="0" smtClean="0"/>
+              <a:t>Aufgabenstellung</a:t>
+            </a:r>
+            <a:endParaRPr lang="de-CH" dirty="0"/>
           </a:p>
         </p:txBody>
       </p:sp>
     </p:spTree>
     <p:extLst>
       <p:ext uri="{BB962C8B-B14F-4D97-AF65-F5344CB8AC3E}">
-        <p14:creationId xmlns:p14="http://schemas.microsoft.com/office/powerpoint/2010/main" val="153582886"/>
+        <p14:creationId xmlns:p14="http://schemas.microsoft.com/office/powerpoint/2010/main" val="1790642114"/>
       </p:ext>
     </p:extLst>
   </p:cSld>
@@ -7346,7 +13636,7 @@
       </p:grpSpPr>
       <p:sp>
         <p:nvSpPr>
-          <p:cNvPr id="7" name="Titel 6"/>
+          <p:cNvPr id="2" name="Titel 1"/>
           <p:cNvSpPr>
             <a:spLocks noGrp="1"/>
           </p:cNvSpPr>
@@ -7359,90 +13649,589 @@
           <a:bodyPr/>
           <a:lstStyle/>
           <a:p>
-            <a:endParaRPr lang="de-CH"/>
-          </a:p>
-        </p:txBody>
-      </p:sp>
-      <p:sp>
-        <p:nvSpPr>
-          <p:cNvPr id="8" name="Textplatzhalter 7"/>
+            <a:r>
+              <a:rPr lang="de-CH" dirty="0" smtClean="0"/>
+              <a:t>Vorteile durch den Gebrauch von Unity</a:t>
+            </a:r>
+            <a:endParaRPr lang="de-CH" dirty="0"/>
+          </a:p>
+        </p:txBody>
+      </p:sp>
+      <p:sp>
+        <p:nvSpPr>
+          <p:cNvPr id="4" name="Inhaltsplatzhalter 3"/>
           <p:cNvSpPr>
             <a:spLocks noGrp="1"/>
           </p:cNvSpPr>
           <p:nvPr>
-            <p:ph type="body" idx="1"/>
-          </p:nvPr>
-        </p:nvSpPr>
-        <p:spPr/>
+            <p:ph sz="half" idx="13"/>
+          </p:nvPr>
+        </p:nvSpPr>
+        <p:spPr>
+          <a:xfrm>
+            <a:off x="468000" y="974221"/>
+            <a:ext cx="8100000" cy="5145779"/>
+          </a:xfrm>
+        </p:spPr>
         <p:txBody>
           <a:bodyPr/>
           <a:lstStyle/>
           <a:p>
-            <a:endParaRPr lang="de-CH"/>
-          </a:p>
-        </p:txBody>
-      </p:sp>
-      <p:sp>
-        <p:nvSpPr>
-          <p:cNvPr id="11" name="Textplatzhalter 10"/>
-          <p:cNvSpPr>
-            <a:spLocks noGrp="1"/>
-          </p:cNvSpPr>
-          <p:nvPr>
-            <p:ph type="body" idx="18"/>
-          </p:nvPr>
-        </p:nvSpPr>
-        <p:spPr/>
-        <p:txBody>
-          <a:bodyPr/>
-          <a:lstStyle/>
-          <a:p>
-            <a:endParaRPr lang="de-CH"/>
-          </a:p>
-        </p:txBody>
-      </p:sp>
-      <p:sp>
-        <p:nvSpPr>
-          <p:cNvPr id="9" name="Inhaltsplatzhalter 8"/>
-          <p:cNvSpPr>
-            <a:spLocks noGrp="1"/>
-          </p:cNvSpPr>
-          <p:nvPr>
-            <p:ph sz="half" idx="13"/>
-          </p:nvPr>
-        </p:nvSpPr>
-        <p:spPr/>
-        <p:txBody>
-          <a:bodyPr/>
-          <a:lstStyle/>
-          <a:p>
-            <a:endParaRPr lang="de-CH"/>
-          </a:p>
-        </p:txBody>
-      </p:sp>
-      <p:sp>
-        <p:nvSpPr>
-          <p:cNvPr id="10" name="Inhaltsplatzhalter 9"/>
-          <p:cNvSpPr>
-            <a:spLocks noGrp="1"/>
-          </p:cNvSpPr>
-          <p:nvPr>
-            <p:ph sz="half" idx="15"/>
-          </p:nvPr>
-        </p:nvSpPr>
-        <p:spPr/>
-        <p:txBody>
-          <a:bodyPr/>
-          <a:lstStyle/>
-          <a:p>
-            <a:endParaRPr lang="de-CH"/>
+            <a:r>
+              <a:rPr lang="de-CH" dirty="0" err="1" smtClean="0"/>
+              <a:t>Highlevel</a:t>
+            </a:r>
+            <a:r>
+              <a:rPr lang="de-CH" dirty="0" smtClean="0"/>
+              <a:t> Game-Engine</a:t>
+            </a:r>
+          </a:p>
+          <a:p>
+            <a:endParaRPr lang="de-CH" dirty="0"/>
+          </a:p>
+          <a:p>
+            <a:pPr lvl="1"/>
+            <a:r>
+              <a:rPr lang="de-CH" dirty="0" smtClean="0"/>
+              <a:t>Bietet Physik </a:t>
+            </a:r>
+            <a:r>
+              <a:rPr lang="de-CH" dirty="0" err="1" smtClean="0"/>
+              <a:t>PhysX</a:t>
+            </a:r>
+            <a:r>
+              <a:rPr lang="de-CH" dirty="0" smtClean="0"/>
+              <a:t> (</a:t>
+            </a:r>
+            <a:r>
+              <a:rPr lang="de-CH" dirty="0" err="1" smtClean="0"/>
+              <a:t>Nvidia</a:t>
+            </a:r>
+            <a:r>
+              <a:rPr lang="de-CH" dirty="0" smtClean="0"/>
+              <a:t>), Real Time Global Illumination, Low Level Rendering Access, Audio, Network, verschiedenste </a:t>
+            </a:r>
+            <a:r>
+              <a:rPr lang="de-CH" dirty="0" err="1" smtClean="0"/>
+              <a:t>Pasdlattformen</a:t>
+            </a:r>
+            <a:r>
+              <a:rPr lang="de-CH" dirty="0" smtClean="0"/>
+              <a:t>….</a:t>
+            </a:r>
+          </a:p>
+          <a:p>
+            <a:pPr lvl="1"/>
+            <a:endParaRPr lang="de-CH" dirty="0" smtClean="0"/>
+          </a:p>
+          <a:p>
+            <a:pPr lvl="1"/>
+            <a:endParaRPr lang="de-CH" dirty="0" smtClean="0"/>
+          </a:p>
+          <a:p>
+            <a:r>
+              <a:rPr lang="de-CH" dirty="0" smtClean="0"/>
+              <a:t>C# statt C/C++</a:t>
+            </a:r>
+          </a:p>
+          <a:p>
+            <a:endParaRPr lang="de-CH" dirty="0" smtClean="0"/>
+          </a:p>
+          <a:p>
+            <a:pPr lvl="1"/>
+            <a:r>
+              <a:rPr lang="de-CH" dirty="0" smtClean="0"/>
+              <a:t>«native» </a:t>
+            </a:r>
+            <a:r>
+              <a:rPr lang="de-CH" dirty="0" err="1" smtClean="0"/>
+              <a:t>Plugins</a:t>
+            </a:r>
+            <a:r>
+              <a:rPr lang="de-CH" dirty="0" smtClean="0"/>
+              <a:t> sind aber trotzdem möglich</a:t>
+            </a:r>
+          </a:p>
+          <a:p>
+            <a:pPr lvl="1"/>
+            <a:endParaRPr lang="de-CH" dirty="0" smtClean="0"/>
+          </a:p>
+          <a:p>
+            <a:pPr lvl="1"/>
+            <a:endParaRPr lang="de-CH" dirty="0"/>
+          </a:p>
+          <a:p>
+            <a:r>
+              <a:rPr lang="de-CH" dirty="0" err="1" smtClean="0"/>
+              <a:t>Techdemos</a:t>
+            </a:r>
+            <a:r>
+              <a:rPr lang="de-CH" dirty="0" smtClean="0"/>
+              <a:t>, Simulationen problemlos realisierbar</a:t>
+            </a:r>
+          </a:p>
+          <a:p>
+            <a:endParaRPr lang="de-CH" dirty="0" smtClean="0"/>
+          </a:p>
+          <a:p>
+            <a:pPr lvl="1"/>
+            <a:endParaRPr lang="de-CH" dirty="0"/>
+          </a:p>
+          <a:p>
+            <a:pPr lvl="1"/>
+            <a:endParaRPr lang="de-CH" dirty="0"/>
+          </a:p>
+          <a:p>
+            <a:endParaRPr lang="de-CH" dirty="0" smtClean="0"/>
           </a:p>
         </p:txBody>
       </p:sp>
     </p:spTree>
     <p:extLst>
       <p:ext uri="{BB962C8B-B14F-4D97-AF65-F5344CB8AC3E}">
-        <p14:creationId xmlns:p14="http://schemas.microsoft.com/office/powerpoint/2010/main" val="1673217479"/>
+        <p14:creationId xmlns:p14="http://schemas.microsoft.com/office/powerpoint/2010/main" val="153582886"/>
+      </p:ext>
+    </p:extLst>
+  </p:cSld>
+  <p:clrMapOvr>
+    <a:masterClrMapping/>
+  </p:clrMapOvr>
+  <p:timing>
+    <p:tnLst>
+      <p:par>
+        <p:cTn id="1" dur="indefinite" restart="never" nodeType="tmRoot"/>
+      </p:par>
+    </p:tnLst>
+  </p:timing>
+</p:sld>
+</file>
+
+<file path=ppt/slides/slide7.xml><?xml version="1.0" encoding="utf-8"?>
+<p:sld xmlns:a="http://schemas.openxmlformats.org/drawingml/2006/main" xmlns:r="http://schemas.openxmlformats.org/officeDocument/2006/relationships" xmlns:p="http://schemas.openxmlformats.org/presentationml/2006/main">
+  <p:cSld>
+    <p:spTree>
+      <p:nvGrpSpPr>
+        <p:cNvPr id="1" name=""/>
+        <p:cNvGrpSpPr/>
+        <p:nvPr/>
+      </p:nvGrpSpPr>
+      <p:grpSpPr>
+        <a:xfrm>
+          <a:off x="0" y="0"/>
+          <a:ext cx="0" cy="0"/>
+          <a:chOff x="0" y="0"/>
+          <a:chExt cx="0" cy="0"/>
+        </a:xfrm>
+      </p:grpSpPr>
+      <p:sp>
+        <p:nvSpPr>
+          <p:cNvPr id="2" name="Titel 1"/>
+          <p:cNvSpPr>
+            <a:spLocks noGrp="1"/>
+          </p:cNvSpPr>
+          <p:nvPr>
+            <p:ph type="ctrTitle"/>
+          </p:nvPr>
+        </p:nvSpPr>
+        <p:spPr/>
+        <p:txBody>
+          <a:bodyPr/>
+          <a:lstStyle/>
+          <a:p>
+            <a:r>
+              <a:rPr lang="de-CH" dirty="0" smtClean="0"/>
+              <a:t>Voranalyse</a:t>
+            </a:r>
+            <a:endParaRPr lang="de-CH" dirty="0"/>
+          </a:p>
+        </p:txBody>
+      </p:sp>
+      <p:sp>
+        <p:nvSpPr>
+          <p:cNvPr id="3" name="Textplatzhalter 2"/>
+          <p:cNvSpPr>
+            <a:spLocks noGrp="1"/>
+          </p:cNvSpPr>
+          <p:nvPr>
+            <p:ph type="body" idx="1"/>
+          </p:nvPr>
+        </p:nvSpPr>
+        <p:spPr/>
+        <p:txBody>
+          <a:bodyPr/>
+          <a:lstStyle/>
+          <a:p>
+            <a:r>
+              <a:rPr lang="de-CH" dirty="0" smtClean="0"/>
+              <a:t>Varianten</a:t>
+            </a:r>
+            <a:endParaRPr lang="de-CH" dirty="0"/>
+          </a:p>
+        </p:txBody>
+      </p:sp>
+      <p:sp>
+        <p:nvSpPr>
+          <p:cNvPr id="4" name="Inhaltsplatzhalter 3"/>
+          <p:cNvSpPr>
+            <a:spLocks noGrp="1"/>
+          </p:cNvSpPr>
+          <p:nvPr>
+            <p:ph sz="half" idx="13"/>
+          </p:nvPr>
+        </p:nvSpPr>
+        <p:spPr/>
+        <p:txBody>
+          <a:bodyPr/>
+          <a:lstStyle/>
+          <a:p>
+            <a:r>
+              <a:rPr lang="de-CH" dirty="0" smtClean="0"/>
+              <a:t>Equalizer</a:t>
+            </a:r>
+          </a:p>
+          <a:p>
+            <a:pPr lvl="1"/>
+            <a:r>
+              <a:rPr lang="de-CH" dirty="0" err="1" smtClean="0"/>
+              <a:t>Implementiet</a:t>
+            </a:r>
+            <a:r>
+              <a:rPr lang="de-CH" dirty="0" smtClean="0"/>
+              <a:t> im CAVE</a:t>
+            </a:r>
+          </a:p>
+          <a:p>
+            <a:pPr lvl="1"/>
+            <a:r>
+              <a:rPr lang="de-CH" dirty="0" smtClean="0"/>
+              <a:t>Baut auf «Wrapper-Klassen» auf</a:t>
+            </a:r>
+          </a:p>
+          <a:p>
+            <a:pPr lvl="1"/>
+            <a:r>
+              <a:rPr lang="de-CH" dirty="0" err="1" smtClean="0"/>
+              <a:t>OpenSource</a:t>
+            </a:r>
+            <a:r>
+              <a:rPr lang="de-CH" dirty="0" smtClean="0"/>
+              <a:t> C++ </a:t>
+            </a:r>
+            <a:r>
+              <a:rPr lang="de-CH" dirty="0" err="1" smtClean="0"/>
+              <a:t>implementation</a:t>
+            </a:r>
+            <a:endParaRPr lang="de-CH" dirty="0" smtClean="0"/>
+          </a:p>
+          <a:p>
+            <a:pPr lvl="1"/>
+            <a:endParaRPr lang="de-CH" dirty="0" smtClean="0"/>
+          </a:p>
+        </p:txBody>
+      </p:sp>
+    </p:spTree>
+    <p:extLst>
+      <p:ext uri="{BB962C8B-B14F-4D97-AF65-F5344CB8AC3E}">
+        <p14:creationId xmlns:p14="http://schemas.microsoft.com/office/powerpoint/2010/main" val="2109134431"/>
+      </p:ext>
+    </p:extLst>
+  </p:cSld>
+  <p:clrMapOvr>
+    <a:masterClrMapping/>
+  </p:clrMapOvr>
+  <p:timing>
+    <p:tnLst>
+      <p:par>
+        <p:cTn id="1" dur="indefinite" restart="never" nodeType="tmRoot"/>
+      </p:par>
+    </p:tnLst>
+  </p:timing>
+</p:sld>
+</file>
+
+<file path=ppt/slides/slide8.xml><?xml version="1.0" encoding="utf-8"?>
+<p:sld xmlns:a="http://schemas.openxmlformats.org/drawingml/2006/main" xmlns:r="http://schemas.openxmlformats.org/officeDocument/2006/relationships" xmlns:p="http://schemas.openxmlformats.org/presentationml/2006/main">
+  <p:cSld>
+    <p:spTree>
+      <p:nvGrpSpPr>
+        <p:cNvPr id="1" name=""/>
+        <p:cNvGrpSpPr/>
+        <p:nvPr/>
+      </p:nvGrpSpPr>
+      <p:grpSpPr>
+        <a:xfrm>
+          <a:off x="0" y="0"/>
+          <a:ext cx="0" cy="0"/>
+          <a:chOff x="0" y="0"/>
+          <a:chExt cx="0" cy="0"/>
+        </a:xfrm>
+      </p:grpSpPr>
+      <p:sp>
+        <p:nvSpPr>
+          <p:cNvPr id="2" name="Titel 1"/>
+          <p:cNvSpPr>
+            <a:spLocks noGrp="1"/>
+          </p:cNvSpPr>
+          <p:nvPr>
+            <p:ph type="ctrTitle"/>
+          </p:nvPr>
+        </p:nvSpPr>
+        <p:spPr/>
+        <p:txBody>
+          <a:bodyPr/>
+          <a:lstStyle/>
+          <a:p>
+            <a:r>
+              <a:rPr lang="de-CH" dirty="0" smtClean="0"/>
+              <a:t>Voranalyse</a:t>
+            </a:r>
+            <a:endParaRPr lang="de-CH" dirty="0"/>
+          </a:p>
+        </p:txBody>
+      </p:sp>
+      <p:sp>
+        <p:nvSpPr>
+          <p:cNvPr id="3" name="Textplatzhalter 2"/>
+          <p:cNvSpPr>
+            <a:spLocks noGrp="1"/>
+          </p:cNvSpPr>
+          <p:nvPr>
+            <p:ph type="body" idx="1"/>
+          </p:nvPr>
+        </p:nvSpPr>
+        <p:spPr/>
+        <p:txBody>
+          <a:bodyPr/>
+          <a:lstStyle/>
+          <a:p>
+            <a:r>
+              <a:rPr lang="de-CH" dirty="0" smtClean="0"/>
+              <a:t>Varianten</a:t>
+            </a:r>
+            <a:endParaRPr lang="de-CH" dirty="0"/>
+          </a:p>
+        </p:txBody>
+      </p:sp>
+      <p:sp>
+        <p:nvSpPr>
+          <p:cNvPr id="4" name="Inhaltsplatzhalter 3"/>
+          <p:cNvSpPr>
+            <a:spLocks noGrp="1"/>
+          </p:cNvSpPr>
+          <p:nvPr>
+            <p:ph sz="half" idx="13"/>
+          </p:nvPr>
+        </p:nvSpPr>
+        <p:spPr/>
+        <p:txBody>
+          <a:bodyPr/>
+          <a:lstStyle/>
+          <a:p>
+            <a:r>
+              <a:rPr lang="de-CH" dirty="0" smtClean="0"/>
+              <a:t>Equalizer</a:t>
+            </a:r>
+          </a:p>
+          <a:p>
+            <a:endParaRPr lang="de-CH" dirty="0" smtClean="0"/>
+          </a:p>
+          <a:p>
+            <a:r>
+              <a:rPr lang="de-CH" dirty="0" smtClean="0"/>
+              <a:t>Chromium</a:t>
+            </a:r>
+          </a:p>
+          <a:p>
+            <a:pPr lvl="1"/>
+            <a:r>
+              <a:rPr lang="de-CH" dirty="0" smtClean="0"/>
+              <a:t>Verarbeitungskette der OpenGL </a:t>
+            </a:r>
+            <a:r>
+              <a:rPr lang="de-CH" dirty="0" err="1" smtClean="0"/>
+              <a:t>Commands</a:t>
+            </a:r>
+            <a:endParaRPr lang="de-CH" dirty="0" smtClean="0"/>
+          </a:p>
+          <a:p>
+            <a:pPr lvl="2"/>
+            <a:r>
+              <a:rPr lang="de-CH" dirty="0" smtClean="0"/>
+              <a:t>Modifizieren, Ablehnen, Weitersenden</a:t>
+            </a:r>
+          </a:p>
+          <a:p>
+            <a:pPr lvl="2"/>
+            <a:endParaRPr lang="de-CH" dirty="0" smtClean="0"/>
+          </a:p>
+          <a:p>
+            <a:pPr lvl="1"/>
+            <a:endParaRPr lang="de-CH" dirty="0" smtClean="0"/>
+          </a:p>
+        </p:txBody>
+      </p:sp>
+    </p:spTree>
+    <p:extLst>
+      <p:ext uri="{BB962C8B-B14F-4D97-AF65-F5344CB8AC3E}">
+        <p14:creationId xmlns:p14="http://schemas.microsoft.com/office/powerpoint/2010/main" val="689559979"/>
+      </p:ext>
+    </p:extLst>
+  </p:cSld>
+  <p:clrMapOvr>
+    <a:masterClrMapping/>
+  </p:clrMapOvr>
+  <p:timing>
+    <p:tnLst>
+      <p:par>
+        <p:cTn id="1" dur="indefinite" restart="never" nodeType="tmRoot"/>
+      </p:par>
+    </p:tnLst>
+  </p:timing>
+</p:sld>
+</file>
+
+<file path=ppt/slides/slide9.xml><?xml version="1.0" encoding="utf-8"?>
+<p:sld xmlns:a="http://schemas.openxmlformats.org/drawingml/2006/main" xmlns:r="http://schemas.openxmlformats.org/officeDocument/2006/relationships" xmlns:p="http://schemas.openxmlformats.org/presentationml/2006/main">
+  <p:cSld>
+    <p:spTree>
+      <p:nvGrpSpPr>
+        <p:cNvPr id="1" name=""/>
+        <p:cNvGrpSpPr/>
+        <p:nvPr/>
+      </p:nvGrpSpPr>
+      <p:grpSpPr>
+        <a:xfrm>
+          <a:off x="0" y="0"/>
+          <a:ext cx="0" cy="0"/>
+          <a:chOff x="0" y="0"/>
+          <a:chExt cx="0" cy="0"/>
+        </a:xfrm>
+      </p:grpSpPr>
+      <p:sp>
+        <p:nvSpPr>
+          <p:cNvPr id="2" name="Titel 1"/>
+          <p:cNvSpPr>
+            <a:spLocks noGrp="1"/>
+          </p:cNvSpPr>
+          <p:nvPr>
+            <p:ph type="ctrTitle"/>
+          </p:nvPr>
+        </p:nvSpPr>
+        <p:spPr/>
+        <p:txBody>
+          <a:bodyPr/>
+          <a:lstStyle/>
+          <a:p>
+            <a:r>
+              <a:rPr lang="de-CH" dirty="0" smtClean="0"/>
+              <a:t>Voranalyse</a:t>
+            </a:r>
+            <a:endParaRPr lang="de-CH" dirty="0"/>
+          </a:p>
+        </p:txBody>
+      </p:sp>
+      <p:sp>
+        <p:nvSpPr>
+          <p:cNvPr id="3" name="Textplatzhalter 2"/>
+          <p:cNvSpPr>
+            <a:spLocks noGrp="1"/>
+          </p:cNvSpPr>
+          <p:nvPr>
+            <p:ph type="body" idx="1"/>
+          </p:nvPr>
+        </p:nvSpPr>
+        <p:spPr/>
+        <p:txBody>
+          <a:bodyPr/>
+          <a:lstStyle/>
+          <a:p>
+            <a:r>
+              <a:rPr lang="de-CH" dirty="0" smtClean="0"/>
+              <a:t>Varianten</a:t>
+            </a:r>
+            <a:endParaRPr lang="de-CH" dirty="0"/>
+          </a:p>
+        </p:txBody>
+      </p:sp>
+      <p:sp>
+        <p:nvSpPr>
+          <p:cNvPr id="4" name="Inhaltsplatzhalter 3"/>
+          <p:cNvSpPr>
+            <a:spLocks noGrp="1"/>
+          </p:cNvSpPr>
+          <p:nvPr>
+            <p:ph sz="half" idx="13"/>
+          </p:nvPr>
+        </p:nvSpPr>
+        <p:spPr/>
+        <p:txBody>
+          <a:bodyPr/>
+          <a:lstStyle/>
+          <a:p>
+            <a:r>
+              <a:rPr lang="de-CH" dirty="0" smtClean="0"/>
+              <a:t>Equalizer</a:t>
+            </a:r>
+          </a:p>
+          <a:p>
+            <a:endParaRPr lang="de-CH" dirty="0" smtClean="0"/>
+          </a:p>
+          <a:p>
+            <a:r>
+              <a:rPr lang="de-CH" dirty="0" smtClean="0"/>
+              <a:t>Chromium</a:t>
+            </a:r>
+          </a:p>
+          <a:p>
+            <a:endParaRPr lang="de-CH" dirty="0" smtClean="0"/>
+          </a:p>
+          <a:p>
+            <a:r>
+              <a:rPr lang="de-CH" dirty="0" smtClean="0"/>
+              <a:t>Eigene Lösung</a:t>
+            </a:r>
+          </a:p>
+          <a:p>
+            <a:pPr lvl="1"/>
+            <a:r>
+              <a:rPr lang="de-CH" dirty="0" smtClean="0"/>
+              <a:t>Mehrere Instanzen</a:t>
+            </a:r>
+          </a:p>
+          <a:p>
+            <a:pPr lvl="2"/>
+            <a:r>
+              <a:rPr lang="de-CH" dirty="0" smtClean="0"/>
+              <a:t>Synchronisierung !</a:t>
+            </a:r>
+          </a:p>
+          <a:p>
+            <a:pPr lvl="1"/>
+            <a:r>
+              <a:rPr lang="de-CH" dirty="0" smtClean="0"/>
+              <a:t>Eine Instanz</a:t>
+            </a:r>
+          </a:p>
+          <a:p>
+            <a:pPr lvl="2"/>
+            <a:r>
+              <a:rPr lang="de-CH" dirty="0" smtClean="0"/>
+              <a:t>Architektur</a:t>
+            </a:r>
+          </a:p>
+          <a:p>
+            <a:endParaRPr lang="de-CH" dirty="0" smtClean="0"/>
+          </a:p>
+          <a:p>
+            <a:pPr lvl="2"/>
+            <a:endParaRPr lang="de-CH" dirty="0" smtClean="0"/>
+          </a:p>
+        </p:txBody>
+      </p:sp>
+    </p:spTree>
+    <p:extLst>
+      <p:ext uri="{BB962C8B-B14F-4D97-AF65-F5344CB8AC3E}">
+        <p14:creationId xmlns:p14="http://schemas.microsoft.com/office/powerpoint/2010/main" val="2887831096"/>
       </p:ext>
     </p:extLst>
   </p:cSld>
@@ -8464,10 +15253,16 @@
 <file path=customXml/itemProps2.xml><?xml version="1.0" encoding="utf-8"?>
 <ds:datastoreItem xmlns:ds="http://schemas.openxmlformats.org/officeDocument/2006/customXml" ds:itemID="{96591048-6F15-48C6-9650-9BFF3E56974F}">
   <ds:schemaRefs>
+    <ds:schemaRef ds:uri="2551ef7e-3b29-44d1-a8ad-ef34c26bfc60"/>
+    <ds:schemaRef ds:uri="http://schemas.openxmlformats.org/package/2006/metadata/core-properties"/>
+    <ds:schemaRef ds:uri="http://schemas.microsoft.com/office/2006/documentManagement/types"/>
+    <ds:schemaRef ds:uri="http://purl.org/dc/elements/1.1/"/>
+    <ds:schemaRef ds:uri="http://schemas.microsoft.com/office/infopath/2007/PartnerControls"/>
+    <ds:schemaRef ds:uri="http://purl.org/dc/dcmitype/"/>
+    <ds:schemaRef ds:uri="http://purl.org/dc/terms/"/>
+    <ds:schemaRef ds:uri="63c724b1-652e-424f-8d99-4ee509067280"/>
     <ds:schemaRef ds:uri="http://schemas.microsoft.com/office/2006/metadata/properties"/>
-    <ds:schemaRef ds:uri="http://schemas.microsoft.com/office/infopath/2007/PartnerControls"/>
-    <ds:schemaRef ds:uri="63c724b1-652e-424f-8d99-4ee509067280"/>
-    <ds:schemaRef ds:uri="2551ef7e-3b29-44d1-a8ad-ef34c26bfc60"/>
+    <ds:schemaRef ds:uri="http://www.w3.org/XML/1998/namespace"/>
   </ds:schemaRefs>
 </ds:datastoreItem>
 </file>
